--- a/docs/GUI_Slides.pptx
+++ b/docs/GUI_Slides.pptx
@@ -6,6 +6,11 @@
   </p:sldMasterIdLst>
   <p:sldIdLst>
     <p:sldId id="256" r:id="rId2"/>
+    <p:sldId id="260" r:id="rId3"/>
+    <p:sldId id="261" r:id="rId4"/>
+    <p:sldId id="257" r:id="rId5"/>
+    <p:sldId id="259" r:id="rId6"/>
+    <p:sldId id="258" r:id="rId7"/>
   </p:sldIdLst>
   <p:sldSz cx="12192000" cy="6858000"/>
   <p:notesSz cx="6858000" cy="9144000"/>
@@ -105,6 +110,36 @@
     </a:lvl9pPr>
   </p:defaultTextStyle>
   <p:extLst>
+    <p:ext uri="{521415D9-36F7-43E2-AB2F-B90AF26B5E84}">
+      <p14:sectionLst xmlns:p14="http://schemas.microsoft.com/office/powerpoint/2010/main">
+        <p14:section name="Wizard (Current)" id="{A105AC65-9136-4C0D-AE2C-C57411A535F9}">
+          <p14:sldIdLst>
+            <p14:sldId id="256"/>
+          </p14:sldIdLst>
+        </p14:section>
+        <p14:section name="Single Frame A" id="{E2C600BF-C530-4A99-8782-4FF54C96C28E}">
+          <p14:sldIdLst>
+            <p14:sldId id="260"/>
+          </p14:sldIdLst>
+        </p14:section>
+        <p14:section name="Single Frame B" id="{E20864F6-6DBF-4F45-B190-10DEFA2EDB88}">
+          <p14:sldIdLst>
+            <p14:sldId id="261"/>
+          </p14:sldIdLst>
+        </p14:section>
+        <p14:section name="Hybrid Frame/Wizard" id="{3EA06691-D794-43D7-A4D5-9CA2A933C1DD}">
+          <p14:sldIdLst>
+            <p14:sldId id="257"/>
+            <p14:sldId id="259"/>
+          </p14:sldIdLst>
+        </p14:section>
+        <p14:section name="USGS for comparison" id="{BE9EE37C-AFDA-43D6-B2CF-3023557F69ED}">
+          <p14:sldIdLst>
+            <p14:sldId id="258"/>
+          </p14:sldIdLst>
+        </p14:section>
+      </p14:sectionLst>
+    </p:ext>
     <p:ext uri="{EFAFB233-063F-42B5-8137-9DF3F51BA10A}">
       <p15:sldGuideLst xmlns:p15="http://schemas.microsoft.com/office/powerpoint/2012/main">
         <p15:guide id="1" orient="horz" pos="2160" userDrawn="1">
@@ -270,7 +305,7 @@
           <a:p>
             <a:fld id="{56AF7918-BEC2-47C3-8102-42AB3BBF4D1D}" type="datetimeFigureOut">
               <a:rPr lang="en-US" smtClean="0"/>
-              <a:t>6/16/2021</a:t>
+              <a:t>8/4/2021</a:t>
             </a:fld>
             <a:endParaRPr lang="en-US"/>
           </a:p>
@@ -468,7 +503,7 @@
           <a:p>
             <a:fld id="{56AF7918-BEC2-47C3-8102-42AB3BBF4D1D}" type="datetimeFigureOut">
               <a:rPr lang="en-US" smtClean="0"/>
-              <a:t>6/16/2021</a:t>
+              <a:t>8/4/2021</a:t>
             </a:fld>
             <a:endParaRPr lang="en-US"/>
           </a:p>
@@ -676,7 +711,7 @@
           <a:p>
             <a:fld id="{56AF7918-BEC2-47C3-8102-42AB3BBF4D1D}" type="datetimeFigureOut">
               <a:rPr lang="en-US" smtClean="0"/>
-              <a:t>6/16/2021</a:t>
+              <a:t>8/4/2021</a:t>
             </a:fld>
             <a:endParaRPr lang="en-US"/>
           </a:p>
@@ -874,7 +909,7 @@
           <a:p>
             <a:fld id="{56AF7918-BEC2-47C3-8102-42AB3BBF4D1D}" type="datetimeFigureOut">
               <a:rPr lang="en-US" smtClean="0"/>
-              <a:t>6/16/2021</a:t>
+              <a:t>8/4/2021</a:t>
             </a:fld>
             <a:endParaRPr lang="en-US"/>
           </a:p>
@@ -1149,7 +1184,7 @@
           <a:p>
             <a:fld id="{56AF7918-BEC2-47C3-8102-42AB3BBF4D1D}" type="datetimeFigureOut">
               <a:rPr lang="en-US" smtClean="0"/>
-              <a:t>6/16/2021</a:t>
+              <a:t>8/4/2021</a:t>
             </a:fld>
             <a:endParaRPr lang="en-US"/>
           </a:p>
@@ -1414,7 +1449,7 @@
           <a:p>
             <a:fld id="{56AF7918-BEC2-47C3-8102-42AB3BBF4D1D}" type="datetimeFigureOut">
               <a:rPr lang="en-US" smtClean="0"/>
-              <a:t>6/16/2021</a:t>
+              <a:t>8/4/2021</a:t>
             </a:fld>
             <a:endParaRPr lang="en-US"/>
           </a:p>
@@ -1826,7 +1861,7 @@
           <a:p>
             <a:fld id="{56AF7918-BEC2-47C3-8102-42AB3BBF4D1D}" type="datetimeFigureOut">
               <a:rPr lang="en-US" smtClean="0"/>
-              <a:t>6/16/2021</a:t>
+              <a:t>8/4/2021</a:t>
             </a:fld>
             <a:endParaRPr lang="en-US"/>
           </a:p>
@@ -1967,7 +2002,7 @@
           <a:p>
             <a:fld id="{56AF7918-BEC2-47C3-8102-42AB3BBF4D1D}" type="datetimeFigureOut">
               <a:rPr lang="en-US" smtClean="0"/>
-              <a:t>6/16/2021</a:t>
+              <a:t>8/4/2021</a:t>
             </a:fld>
             <a:endParaRPr lang="en-US"/>
           </a:p>
@@ -2080,7 +2115,7 @@
           <a:p>
             <a:fld id="{56AF7918-BEC2-47C3-8102-42AB3BBF4D1D}" type="datetimeFigureOut">
               <a:rPr lang="en-US" smtClean="0"/>
-              <a:t>6/16/2021</a:t>
+              <a:t>8/4/2021</a:t>
             </a:fld>
             <a:endParaRPr lang="en-US"/>
           </a:p>
@@ -2391,7 +2426,7 @@
           <a:p>
             <a:fld id="{56AF7918-BEC2-47C3-8102-42AB3BBF4D1D}" type="datetimeFigureOut">
               <a:rPr lang="en-US" smtClean="0"/>
-              <a:t>6/16/2021</a:t>
+              <a:t>8/4/2021</a:t>
             </a:fld>
             <a:endParaRPr lang="en-US"/>
           </a:p>
@@ -2679,7 +2714,7 @@
           <a:p>
             <a:fld id="{56AF7918-BEC2-47C3-8102-42AB3BBF4D1D}" type="datetimeFigureOut">
               <a:rPr lang="en-US" smtClean="0"/>
-              <a:t>6/16/2021</a:t>
+              <a:t>8/4/2021</a:t>
             </a:fld>
             <a:endParaRPr lang="en-US"/>
           </a:p>
@@ -2920,7 +2955,7 @@
           <a:p>
             <a:fld id="{56AF7918-BEC2-47C3-8102-42AB3BBF4D1D}" type="datetimeFigureOut">
               <a:rPr lang="en-US" smtClean="0"/>
-              <a:t>6/16/2021</a:t>
+              <a:t>8/4/2021</a:t>
             </a:fld>
             <a:endParaRPr lang="en-US"/>
           </a:p>
@@ -3339,10 +3374,10 @@
       </p:grpSpPr>
       <p:pic>
         <p:nvPicPr>
-          <p:cNvPr id="5" name="Picture 4">
-            <a:extLst>
-              <a:ext uri="{FF2B5EF4-FFF2-40B4-BE49-F238E27FC236}">
-                <a16:creationId xmlns:a16="http://schemas.microsoft.com/office/drawing/2014/main" id="{5A0E6A1F-0FC5-40AE-B769-83BB91E45A4E}"/>
+          <p:cNvPr id="3" name="Picture 2">
+            <a:extLst>
+              <a:ext uri="{FF2B5EF4-FFF2-40B4-BE49-F238E27FC236}">
+                <a16:creationId xmlns:a16="http://schemas.microsoft.com/office/drawing/2014/main" id="{0CAE443A-F8C1-446B-A357-93A72C084955}"/>
               </a:ext>
             </a:extLst>
           </p:cNvPr>
@@ -3359,8 +3394,8 @@
         </p:blipFill>
         <p:spPr>
           <a:xfrm>
-            <a:off x="156882" y="213945"/>
-            <a:ext cx="3142381" cy="2772509"/>
+            <a:off x="0" y="0"/>
+            <a:ext cx="3057707" cy="2781354"/>
           </a:xfrm>
           <a:prstGeom prst="rect">
             <a:avLst/>
@@ -3369,10 +3404,10 @@
       </p:pic>
       <p:pic>
         <p:nvPicPr>
-          <p:cNvPr id="9" name="Picture 8">
-            <a:extLst>
-              <a:ext uri="{FF2B5EF4-FFF2-40B4-BE49-F238E27FC236}">
-                <a16:creationId xmlns:a16="http://schemas.microsoft.com/office/drawing/2014/main" id="{49CA44DC-5546-4085-8C63-B3F9CD8BE3FC}"/>
+          <p:cNvPr id="6" name="Picture 5">
+            <a:extLst>
+              <a:ext uri="{FF2B5EF4-FFF2-40B4-BE49-F238E27FC236}">
+                <a16:creationId xmlns:a16="http://schemas.microsoft.com/office/drawing/2014/main" id="{9DA3F83F-8783-45E7-A0AB-F6C65F3C456F}"/>
               </a:ext>
             </a:extLst>
           </p:cNvPr>
@@ -3389,8 +3424,8 @@
         </p:blipFill>
         <p:spPr>
           <a:xfrm>
-            <a:off x="3527612" y="213945"/>
-            <a:ext cx="3142381" cy="2772509"/>
+            <a:off x="3100043" y="0"/>
+            <a:ext cx="3047982" cy="2772508"/>
           </a:xfrm>
           <a:prstGeom prst="rect">
             <a:avLst/>
@@ -3399,10 +3434,10 @@
       </p:pic>
       <p:pic>
         <p:nvPicPr>
-          <p:cNvPr id="11" name="Picture 10">
-            <a:extLst>
-              <a:ext uri="{FF2B5EF4-FFF2-40B4-BE49-F238E27FC236}">
-                <a16:creationId xmlns:a16="http://schemas.microsoft.com/office/drawing/2014/main" id="{2D5ED257-AB47-4F63-AD17-718FFFBA840E}"/>
+          <p:cNvPr id="8" name="Picture 7">
+            <a:extLst>
+              <a:ext uri="{FF2B5EF4-FFF2-40B4-BE49-F238E27FC236}">
+                <a16:creationId xmlns:a16="http://schemas.microsoft.com/office/drawing/2014/main" id="{44F4427E-C26F-45E3-A226-1C919081C3F3}"/>
               </a:ext>
             </a:extLst>
           </p:cNvPr>
@@ -3419,8 +3454,8 @@
         </p:blipFill>
         <p:spPr>
           <a:xfrm>
-            <a:off x="6898342" y="213945"/>
-            <a:ext cx="3142380" cy="2772508"/>
+            <a:off x="6190361" y="22912"/>
+            <a:ext cx="3040250" cy="2765475"/>
           </a:xfrm>
           <a:prstGeom prst="rect">
             <a:avLst/>
@@ -3429,10 +3464,10 @@
       </p:pic>
       <p:pic>
         <p:nvPicPr>
-          <p:cNvPr id="13" name="Picture 12">
-            <a:extLst>
-              <a:ext uri="{FF2B5EF4-FFF2-40B4-BE49-F238E27FC236}">
-                <a16:creationId xmlns:a16="http://schemas.microsoft.com/office/drawing/2014/main" id="{34640B67-F42C-4513-B09C-F1E655C1570B}"/>
+          <p:cNvPr id="12" name="Picture 11">
+            <a:extLst>
+              <a:ext uri="{FF2B5EF4-FFF2-40B4-BE49-F238E27FC236}">
+                <a16:creationId xmlns:a16="http://schemas.microsoft.com/office/drawing/2014/main" id="{DE8A032A-8464-4A20-AE0F-0FFE0D6E1C7D}"/>
               </a:ext>
             </a:extLst>
           </p:cNvPr>
@@ -3449,8 +3484,8 @@
         </p:blipFill>
         <p:spPr>
           <a:xfrm>
-            <a:off x="156882" y="3204881"/>
-            <a:ext cx="3142381" cy="2772509"/>
+            <a:off x="9272947" y="22912"/>
+            <a:ext cx="3057707" cy="2781354"/>
           </a:xfrm>
           <a:prstGeom prst="rect">
             <a:avLst/>
@@ -3459,10 +3494,10 @@
       </p:pic>
       <p:pic>
         <p:nvPicPr>
-          <p:cNvPr id="15" name="Picture 14">
-            <a:extLst>
-              <a:ext uri="{FF2B5EF4-FFF2-40B4-BE49-F238E27FC236}">
-                <a16:creationId xmlns:a16="http://schemas.microsoft.com/office/drawing/2014/main" id="{1397535D-F0BF-4ACE-BE30-392A8EE45BDA}"/>
+          <p:cNvPr id="16" name="Picture 15">
+            <a:extLst>
+              <a:ext uri="{FF2B5EF4-FFF2-40B4-BE49-F238E27FC236}">
+                <a16:creationId xmlns:a16="http://schemas.microsoft.com/office/drawing/2014/main" id="{573F9D98-F251-4D31-A2A9-BBBA6485B7F8}"/>
               </a:ext>
             </a:extLst>
           </p:cNvPr>
@@ -3479,8 +3514,68 @@
         </p:blipFill>
         <p:spPr>
           <a:xfrm>
-            <a:off x="3527612" y="3204881"/>
-            <a:ext cx="3142381" cy="2772510"/>
+            <a:off x="-1" y="2866877"/>
+            <a:ext cx="3057708" cy="2781355"/>
+          </a:xfrm>
+          <a:prstGeom prst="rect">
+            <a:avLst/>
+          </a:prstGeom>
+        </p:spPr>
+      </p:pic>
+      <p:pic>
+        <p:nvPicPr>
+          <p:cNvPr id="18" name="Picture 17">
+            <a:extLst>
+              <a:ext uri="{FF2B5EF4-FFF2-40B4-BE49-F238E27FC236}">
+                <a16:creationId xmlns:a16="http://schemas.microsoft.com/office/drawing/2014/main" id="{35EBE52C-DF76-4FC9-B3A2-2BBB7A096598}"/>
+              </a:ext>
+            </a:extLst>
+          </p:cNvPr>
+          <p:cNvPicPr>
+            <a:picLocks noChangeAspect="1"/>
+          </p:cNvPicPr>
+          <p:nvPr/>
+        </p:nvPicPr>
+        <p:blipFill>
+          <a:blip r:embed="rId7"/>
+          <a:stretch>
+            <a:fillRect/>
+          </a:stretch>
+        </p:blipFill>
+        <p:spPr>
+          <a:xfrm>
+            <a:off x="3100044" y="2866877"/>
+            <a:ext cx="3104716" cy="2824115"/>
+          </a:xfrm>
+          <a:prstGeom prst="rect">
+            <a:avLst/>
+          </a:prstGeom>
+        </p:spPr>
+      </p:pic>
+      <p:pic>
+        <p:nvPicPr>
+          <p:cNvPr id="20" name="Picture 19">
+            <a:extLst>
+              <a:ext uri="{FF2B5EF4-FFF2-40B4-BE49-F238E27FC236}">
+                <a16:creationId xmlns:a16="http://schemas.microsoft.com/office/drawing/2014/main" id="{0F82200F-72F9-4019-84B4-BA45D7C0ADBE}"/>
+              </a:ext>
+            </a:extLst>
+          </p:cNvPr>
+          <p:cNvPicPr>
+            <a:picLocks noChangeAspect="1"/>
+          </p:cNvPicPr>
+          <p:nvPr/>
+        </p:nvPicPr>
+        <p:blipFill>
+          <a:blip r:embed="rId8"/>
+          <a:stretch>
+            <a:fillRect/>
+          </a:stretch>
+        </p:blipFill>
+        <p:spPr>
+          <a:xfrm>
+            <a:off x="6247097" y="2866877"/>
+            <a:ext cx="3040250" cy="2765475"/>
           </a:xfrm>
           <a:prstGeom prst="rect">
             <a:avLst/>
@@ -3491,6 +3586,8154 @@
     <p:extLst>
       <p:ext uri="{BB962C8B-B14F-4D97-AF65-F5344CB8AC3E}">
         <p14:creationId xmlns:p14="http://schemas.microsoft.com/office/powerpoint/2010/main" val="923923142"/>
+      </p:ext>
+    </p:extLst>
+  </p:cSld>
+  <p:clrMapOvr>
+    <a:masterClrMapping/>
+  </p:clrMapOvr>
+</p:sld>
+</file>
+
+<file path=ppt/slides/slide2.xml><?xml version="1.0" encoding="utf-8"?>
+<p:sld xmlns:a="http://schemas.openxmlformats.org/drawingml/2006/main" xmlns:r="http://schemas.openxmlformats.org/officeDocument/2006/relationships" xmlns:p="http://schemas.openxmlformats.org/presentationml/2006/main">
+  <p:cSld>
+    <p:spTree>
+      <p:nvGrpSpPr>
+        <p:cNvPr id="1" name=""/>
+        <p:cNvGrpSpPr/>
+        <p:nvPr/>
+      </p:nvGrpSpPr>
+      <p:grpSpPr>
+        <a:xfrm>
+          <a:off x="0" y="0"/>
+          <a:ext cx="0" cy="0"/>
+          <a:chOff x="0" y="0"/>
+          <a:chExt cx="0" cy="0"/>
+        </a:xfrm>
+      </p:grpSpPr>
+      <p:sp>
+        <p:nvSpPr>
+          <p:cNvPr id="6" name="TextBox 5">
+            <a:extLst>
+              <a:ext uri="{FF2B5EF4-FFF2-40B4-BE49-F238E27FC236}">
+                <a16:creationId xmlns:a16="http://schemas.microsoft.com/office/drawing/2014/main" id="{6DC8EEEA-C4E4-4146-B1E5-C58153B5CF64}"/>
+              </a:ext>
+            </a:extLst>
+          </p:cNvPr>
+          <p:cNvSpPr txBox="1"/>
+          <p:nvPr/>
+        </p:nvSpPr>
+        <p:spPr>
+          <a:xfrm>
+            <a:off x="6135195" y="134753"/>
+            <a:ext cx="4750788" cy="1846659"/>
+          </a:xfrm>
+          <a:prstGeom prst="rect">
+            <a:avLst/>
+          </a:prstGeom>
+          <a:noFill/>
+        </p:spPr>
+        <p:txBody>
+          <a:bodyPr wrap="none" rtlCol="0">
+            <a:spAutoFit/>
+          </a:bodyPr>
+          <a:lstStyle/>
+          <a:p>
+            <a:pPr marL="0" marR="0" lvl="0" indent="0" algn="l" defTabSz="914400" rtl="0" eaLnBrk="1" fontAlgn="auto" latinLnBrk="0" hangingPunct="1">
+              <a:lnSpc>
+                <a:spcPct val="100000"/>
+              </a:lnSpc>
+              <a:spcBef>
+                <a:spcPts val="0"/>
+              </a:spcBef>
+              <a:spcAft>
+                <a:spcPts val="0"/>
+              </a:spcAft>
+              <a:buClrTx/>
+              <a:buSzTx/>
+              <a:buFontTx/>
+              <a:buNone/>
+              <a:tabLst/>
+              <a:defRPr/>
+            </a:pPr>
+            <a:r>
+              <a:rPr kumimoji="0" lang="en-US" sz="1800" b="1" i="0" u="none" strike="noStrike" kern="1200" cap="none" spc="0" normalizeH="0" baseline="0" noProof="0" dirty="0">
+                <a:ln>
+                  <a:noFill/>
+                </a:ln>
+                <a:solidFill>
+                  <a:prstClr val="black"/>
+                </a:solidFill>
+                <a:effectLst/>
+                <a:uLnTx/>
+                <a:uFillTx/>
+                <a:latin typeface="Calibri" panose="020F0502020204030204"/>
+                <a:ea typeface="+mn-ea"/>
+                <a:cs typeface="+mn-cs"/>
+              </a:rPr>
+              <a:t>FLOOD HAZARD SOURCE SEARCH PARAMETERS:</a:t>
+            </a:r>
+            <a:endParaRPr kumimoji="0" lang="en-US" sz="1800" b="0" i="0" u="none" strike="noStrike" kern="1200" cap="none" spc="0" normalizeH="0" baseline="0" noProof="0" dirty="0">
+              <a:ln>
+                <a:noFill/>
+              </a:ln>
+              <a:solidFill>
+                <a:prstClr val="black"/>
+              </a:solidFill>
+              <a:effectLst/>
+              <a:uLnTx/>
+              <a:uFillTx/>
+              <a:latin typeface="Calibri" panose="020F0502020204030204"/>
+              <a:ea typeface="+mn-ea"/>
+              <a:cs typeface="+mn-cs"/>
+            </a:endParaRPr>
+          </a:p>
+          <a:p>
+            <a:pPr marL="0" marR="0" lvl="0" indent="0" algn="l" defTabSz="914400" rtl="0" eaLnBrk="1" fontAlgn="auto" latinLnBrk="0" hangingPunct="1">
+              <a:lnSpc>
+                <a:spcPct val="100000"/>
+              </a:lnSpc>
+              <a:spcBef>
+                <a:spcPts val="0"/>
+              </a:spcBef>
+              <a:spcAft>
+                <a:spcPts val="0"/>
+              </a:spcAft>
+              <a:buClrTx/>
+              <a:buSzTx/>
+              <a:buFontTx/>
+              <a:buNone/>
+              <a:tabLst/>
+              <a:defRPr/>
+            </a:pPr>
+            <a:r>
+              <a:rPr kumimoji="0" lang="en-US" sz="1600" b="0" i="0" u="none" strike="noStrike" kern="1200" cap="none" spc="0" normalizeH="0" baseline="0" noProof="0" dirty="0">
+                <a:ln>
+                  <a:noFill/>
+                </a:ln>
+                <a:solidFill>
+                  <a:prstClr val="black"/>
+                </a:solidFill>
+                <a:effectLst/>
+                <a:uLnTx/>
+                <a:uFillTx/>
+                <a:latin typeface="Calibri" panose="020F0502020204030204"/>
+                <a:ea typeface="+mn-ea"/>
+                <a:cs typeface="+mn-cs"/>
+              </a:rPr>
+              <a:t>ADCIRC</a:t>
+            </a:r>
+          </a:p>
+          <a:p>
+            <a:pPr marL="0" marR="0" lvl="0" indent="0" algn="l" defTabSz="914400" rtl="0" eaLnBrk="1" fontAlgn="auto" latinLnBrk="0" hangingPunct="1">
+              <a:lnSpc>
+                <a:spcPct val="100000"/>
+              </a:lnSpc>
+              <a:spcBef>
+                <a:spcPts val="0"/>
+              </a:spcBef>
+              <a:spcAft>
+                <a:spcPts val="0"/>
+              </a:spcAft>
+              <a:buClrTx/>
+              <a:buSzTx/>
+              <a:buFontTx/>
+              <a:buNone/>
+              <a:tabLst/>
+              <a:defRPr/>
+            </a:pPr>
+            <a:endParaRPr kumimoji="0" lang="en-US" sz="1600" b="0" i="0" u="none" strike="noStrike" kern="1200" cap="none" spc="0" normalizeH="0" baseline="0" noProof="0" dirty="0">
+              <a:ln>
+                <a:noFill/>
+              </a:ln>
+              <a:solidFill>
+                <a:prstClr val="black"/>
+              </a:solidFill>
+              <a:effectLst/>
+              <a:uLnTx/>
+              <a:uFillTx/>
+              <a:latin typeface="Calibri" panose="020F0502020204030204"/>
+              <a:ea typeface="+mn-ea"/>
+              <a:cs typeface="+mn-cs"/>
+            </a:endParaRPr>
+          </a:p>
+          <a:p>
+            <a:pPr marL="0" marR="0" lvl="0" indent="0" algn="l" defTabSz="914400" rtl="0" eaLnBrk="1" fontAlgn="auto" latinLnBrk="0" hangingPunct="1">
+              <a:lnSpc>
+                <a:spcPct val="100000"/>
+              </a:lnSpc>
+              <a:spcBef>
+                <a:spcPts val="0"/>
+              </a:spcBef>
+              <a:spcAft>
+                <a:spcPts val="0"/>
+              </a:spcAft>
+              <a:buClrTx/>
+              <a:buSzTx/>
+              <a:buFontTx/>
+              <a:buNone/>
+              <a:tabLst/>
+              <a:defRPr/>
+            </a:pPr>
+            <a:r>
+              <a:rPr kumimoji="0" lang="en-US" sz="1600" b="0" i="0" u="none" strike="noStrike" kern="1200" cap="none" spc="0" normalizeH="0" baseline="0" noProof="0" dirty="0">
+                <a:ln>
+                  <a:noFill/>
+                </a:ln>
+                <a:solidFill>
+                  <a:prstClr val="black"/>
+                </a:solidFill>
+                <a:effectLst/>
+                <a:uLnTx/>
+                <a:uFillTx/>
+                <a:latin typeface="Calibri" panose="020F0502020204030204"/>
+                <a:ea typeface="+mn-ea"/>
+                <a:cs typeface="+mn-cs"/>
+              </a:rPr>
+              <a:t>[Year List ]</a:t>
+            </a:r>
+          </a:p>
+          <a:p>
+            <a:pPr marL="0" marR="0" lvl="0" indent="0" algn="l" defTabSz="914400" rtl="0" eaLnBrk="1" fontAlgn="auto" latinLnBrk="0" hangingPunct="1">
+              <a:lnSpc>
+                <a:spcPct val="100000"/>
+              </a:lnSpc>
+              <a:spcBef>
+                <a:spcPts val="0"/>
+              </a:spcBef>
+              <a:spcAft>
+                <a:spcPts val="0"/>
+              </a:spcAft>
+              <a:buClrTx/>
+              <a:buSzTx/>
+              <a:buFontTx/>
+              <a:buNone/>
+              <a:tabLst/>
+              <a:defRPr/>
+            </a:pPr>
+            <a:r>
+              <a:rPr lang="en-US" sz="1600" dirty="0">
+                <a:solidFill>
+                  <a:prstClr val="black"/>
+                </a:solidFill>
+                <a:latin typeface="Calibri" panose="020F0502020204030204"/>
+              </a:rPr>
+              <a:t>o </a:t>
+            </a:r>
+            <a:r>
+              <a:rPr kumimoji="0" lang="en-US" sz="1600" b="0" i="0" u="none" strike="noStrike" kern="1200" cap="none" spc="0" normalizeH="0" baseline="0" noProof="0" dirty="0">
+                <a:ln>
+                  <a:noFill/>
+                </a:ln>
+                <a:solidFill>
+                  <a:prstClr val="black"/>
+                </a:solidFill>
+                <a:effectLst/>
+                <a:uLnTx/>
+                <a:uFillTx/>
+                <a:latin typeface="Calibri" panose="020F0502020204030204"/>
+                <a:ea typeface="+mn-ea"/>
+                <a:cs typeface="+mn-cs"/>
+              </a:rPr>
+              <a:t>Synoptic</a:t>
+            </a:r>
+            <a:r>
+              <a:rPr lang="en-US" sz="1600" dirty="0">
+                <a:solidFill>
+                  <a:prstClr val="black"/>
+                </a:solidFill>
+                <a:latin typeface="Calibri" panose="020F0502020204030204"/>
+              </a:rPr>
+              <a:t>  o </a:t>
+            </a:r>
+            <a:r>
+              <a:rPr kumimoji="0" lang="en-US" sz="1600" b="0" i="0" u="none" strike="noStrike" kern="1200" cap="none" spc="0" normalizeH="0" baseline="0" noProof="0" dirty="0">
+                <a:ln>
+                  <a:noFill/>
+                </a:ln>
+                <a:solidFill>
+                  <a:prstClr val="black"/>
+                </a:solidFill>
+                <a:effectLst/>
+                <a:uLnTx/>
+                <a:uFillTx/>
+                <a:latin typeface="Calibri" panose="020F0502020204030204"/>
+                <a:ea typeface="+mn-ea"/>
+                <a:cs typeface="+mn-cs"/>
+              </a:rPr>
+              <a:t>Tropical Events</a:t>
+            </a:r>
+          </a:p>
+          <a:p>
+            <a:pPr marL="0" marR="0" lvl="0" indent="0" algn="l" defTabSz="914400" rtl="0" eaLnBrk="1" fontAlgn="auto" latinLnBrk="0" hangingPunct="1">
+              <a:lnSpc>
+                <a:spcPct val="100000"/>
+              </a:lnSpc>
+              <a:spcBef>
+                <a:spcPts val="0"/>
+              </a:spcBef>
+              <a:spcAft>
+                <a:spcPts val="0"/>
+              </a:spcAft>
+              <a:buClrTx/>
+              <a:buSzTx/>
+              <a:buFontTx/>
+              <a:buNone/>
+              <a:tabLst/>
+              <a:defRPr/>
+            </a:pPr>
+            <a:r>
+              <a:rPr kumimoji="0" lang="en-US" sz="1600" b="0" i="0" u="none" strike="noStrike" kern="1200" cap="none" spc="0" normalizeH="0" baseline="0" noProof="0" dirty="0">
+                <a:ln>
+                  <a:noFill/>
+                </a:ln>
+                <a:solidFill>
+                  <a:prstClr val="black"/>
+                </a:solidFill>
+                <a:effectLst/>
+                <a:uLnTx/>
+                <a:uFillTx/>
+                <a:latin typeface="Calibri" panose="020F0502020204030204"/>
+                <a:ea typeface="+mn-ea"/>
+                <a:cs typeface="+mn-cs"/>
+              </a:rPr>
+              <a:t>[ Storm List ]</a:t>
+            </a:r>
+          </a:p>
+          <a:p>
+            <a:pPr marL="0" marR="0" lvl="0" indent="0" algn="l" defTabSz="914400" rtl="0" eaLnBrk="1" fontAlgn="auto" latinLnBrk="0" hangingPunct="1">
+              <a:lnSpc>
+                <a:spcPct val="100000"/>
+              </a:lnSpc>
+              <a:spcBef>
+                <a:spcPts val="0"/>
+              </a:spcBef>
+              <a:spcAft>
+                <a:spcPts val="0"/>
+              </a:spcAft>
+              <a:buClrTx/>
+              <a:buSzTx/>
+              <a:buFontTx/>
+              <a:buNone/>
+              <a:tabLst/>
+              <a:defRPr/>
+            </a:pPr>
+            <a:r>
+              <a:rPr kumimoji="0" lang="en-US" sz="1600" b="0" i="0" u="none" strike="noStrike" kern="1200" cap="none" spc="0" normalizeH="0" baseline="0" noProof="0" dirty="0">
+                <a:ln>
+                  <a:noFill/>
+                </a:ln>
+                <a:solidFill>
+                  <a:prstClr val="black"/>
+                </a:solidFill>
+                <a:effectLst/>
+                <a:uLnTx/>
+                <a:uFillTx/>
+                <a:latin typeface="Calibri" panose="020F0502020204030204"/>
+                <a:ea typeface="+mn-ea"/>
+                <a:cs typeface="+mn-cs"/>
+              </a:rPr>
+              <a:t>[Advisory List]</a:t>
+            </a:r>
+          </a:p>
+        </p:txBody>
+      </p:sp>
+      <p:sp>
+        <p:nvSpPr>
+          <p:cNvPr id="7" name="TextBox 6">
+            <a:extLst>
+              <a:ext uri="{FF2B5EF4-FFF2-40B4-BE49-F238E27FC236}">
+                <a16:creationId xmlns:a16="http://schemas.microsoft.com/office/drawing/2014/main" id="{8C6D17C8-6C55-4CDD-A27A-B2B30C4C2B23}"/>
+              </a:ext>
+            </a:extLst>
+          </p:cNvPr>
+          <p:cNvSpPr txBox="1"/>
+          <p:nvPr/>
+        </p:nvSpPr>
+        <p:spPr>
+          <a:xfrm>
+            <a:off x="134989" y="2656372"/>
+            <a:ext cx="3036857" cy="2554545"/>
+          </a:xfrm>
+          <a:prstGeom prst="rect">
+            <a:avLst/>
+          </a:prstGeom>
+          <a:noFill/>
+        </p:spPr>
+        <p:txBody>
+          <a:bodyPr wrap="none" rtlCol="0">
+            <a:spAutoFit/>
+          </a:bodyPr>
+          <a:lstStyle/>
+          <a:p>
+            <a:pPr marL="0" marR="0" lvl="0" indent="0" algn="l" defTabSz="914400" rtl="0" eaLnBrk="1" fontAlgn="auto" latinLnBrk="0" hangingPunct="1">
+              <a:lnSpc>
+                <a:spcPct val="100000"/>
+              </a:lnSpc>
+              <a:spcBef>
+                <a:spcPts val="0"/>
+              </a:spcBef>
+              <a:spcAft>
+                <a:spcPts val="0"/>
+              </a:spcAft>
+              <a:buClrTx/>
+              <a:buSzTx/>
+              <a:buFontTx/>
+              <a:buNone/>
+              <a:tabLst/>
+              <a:defRPr/>
+            </a:pPr>
+            <a:r>
+              <a:rPr kumimoji="0" lang="en-US" sz="1600" b="1" i="0" u="none" strike="noStrike" kern="1200" cap="none" spc="0" normalizeH="0" baseline="0" noProof="0" dirty="0">
+                <a:ln>
+                  <a:noFill/>
+                </a:ln>
+                <a:solidFill>
+                  <a:prstClr val="black"/>
+                </a:solidFill>
+                <a:effectLst/>
+                <a:uLnTx/>
+                <a:uFillTx/>
+                <a:latin typeface="Calibri" panose="020F0502020204030204"/>
+                <a:ea typeface="+mn-ea"/>
+                <a:cs typeface="+mn-cs"/>
+              </a:rPr>
+              <a:t>AVAILABLE FLOOD HAZARD FILES:</a:t>
+            </a:r>
+          </a:p>
+          <a:p>
+            <a:pPr marL="0" marR="0" lvl="0" indent="0" algn="l" defTabSz="914400" rtl="0" eaLnBrk="1" fontAlgn="auto" latinLnBrk="0" hangingPunct="1">
+              <a:lnSpc>
+                <a:spcPct val="100000"/>
+              </a:lnSpc>
+              <a:spcBef>
+                <a:spcPts val="0"/>
+              </a:spcBef>
+              <a:spcAft>
+                <a:spcPts val="0"/>
+              </a:spcAft>
+              <a:buClrTx/>
+              <a:buSzTx/>
+              <a:buFontTx/>
+              <a:buNone/>
+              <a:tabLst/>
+              <a:defRPr/>
+            </a:pPr>
+            <a:r>
+              <a:rPr kumimoji="0" lang="en-US" sz="1600" b="0" i="0" u="none" strike="noStrike" kern="1200" cap="none" spc="0" normalizeH="0" baseline="0" noProof="0" dirty="0">
+                <a:ln>
+                  <a:noFill/>
+                </a:ln>
+                <a:solidFill>
+                  <a:prstClr val="black"/>
+                </a:solidFill>
+                <a:effectLst/>
+                <a:uLnTx/>
+                <a:uFillTx/>
+                <a:latin typeface="Calibri" panose="020F0502020204030204"/>
+                <a:ea typeface="+mn-ea"/>
+                <a:cs typeface="+mn-cs"/>
+              </a:rPr>
+              <a:t>File 1</a:t>
+            </a:r>
+          </a:p>
+          <a:p>
+            <a:pPr marL="0" marR="0" lvl="0" indent="0" algn="l" defTabSz="914400" rtl="0" eaLnBrk="1" fontAlgn="auto" latinLnBrk="0" hangingPunct="1">
+              <a:lnSpc>
+                <a:spcPct val="100000"/>
+              </a:lnSpc>
+              <a:spcBef>
+                <a:spcPts val="0"/>
+              </a:spcBef>
+              <a:spcAft>
+                <a:spcPts val="0"/>
+              </a:spcAft>
+              <a:buClrTx/>
+              <a:buSzTx/>
+              <a:buFontTx/>
+              <a:buNone/>
+              <a:tabLst/>
+              <a:defRPr/>
+            </a:pPr>
+            <a:r>
+              <a:rPr kumimoji="0" lang="en-US" sz="1600" b="0" i="0" u="none" strike="noStrike" kern="1200" cap="none" spc="0" normalizeH="0" baseline="0" noProof="0" dirty="0">
+                <a:ln>
+                  <a:noFill/>
+                </a:ln>
+                <a:solidFill>
+                  <a:prstClr val="black"/>
+                </a:solidFill>
+                <a:effectLst/>
+                <a:uLnTx/>
+                <a:uFillTx/>
+                <a:latin typeface="Calibri" panose="020F0502020204030204"/>
+                <a:ea typeface="+mn-ea"/>
+                <a:cs typeface="+mn-cs"/>
+              </a:rPr>
+              <a:t>File 2</a:t>
+            </a:r>
+          </a:p>
+          <a:p>
+            <a:pPr marL="0" marR="0" lvl="0" indent="0" algn="l" defTabSz="914400" rtl="0" eaLnBrk="1" fontAlgn="auto" latinLnBrk="0" hangingPunct="1">
+              <a:lnSpc>
+                <a:spcPct val="100000"/>
+              </a:lnSpc>
+              <a:spcBef>
+                <a:spcPts val="0"/>
+              </a:spcBef>
+              <a:spcAft>
+                <a:spcPts val="0"/>
+              </a:spcAft>
+              <a:buClrTx/>
+              <a:buSzTx/>
+              <a:buFontTx/>
+              <a:buNone/>
+              <a:tabLst/>
+              <a:defRPr/>
+            </a:pPr>
+            <a:r>
+              <a:rPr kumimoji="0" lang="en-US" sz="1600" b="0" i="0" u="none" strike="noStrike" kern="1200" cap="none" spc="0" normalizeH="0" baseline="0" noProof="0" dirty="0">
+                <a:ln>
+                  <a:noFill/>
+                </a:ln>
+                <a:solidFill>
+                  <a:prstClr val="black"/>
+                </a:solidFill>
+                <a:effectLst/>
+                <a:uLnTx/>
+                <a:uFillTx/>
+                <a:latin typeface="Calibri" panose="020F0502020204030204"/>
+                <a:ea typeface="+mn-ea"/>
+                <a:cs typeface="+mn-cs"/>
+              </a:rPr>
+              <a:t>File 3</a:t>
+            </a:r>
+          </a:p>
+          <a:p>
+            <a:pPr marL="0" marR="0" lvl="0" indent="0" algn="l" defTabSz="914400" rtl="0" eaLnBrk="1" fontAlgn="auto" latinLnBrk="0" hangingPunct="1">
+              <a:lnSpc>
+                <a:spcPct val="100000"/>
+              </a:lnSpc>
+              <a:spcBef>
+                <a:spcPts val="0"/>
+              </a:spcBef>
+              <a:spcAft>
+                <a:spcPts val="0"/>
+              </a:spcAft>
+              <a:buClrTx/>
+              <a:buSzTx/>
+              <a:buFontTx/>
+              <a:buNone/>
+              <a:tabLst/>
+              <a:defRPr/>
+            </a:pPr>
+            <a:r>
+              <a:rPr kumimoji="0" lang="en-US" sz="1600" b="0" i="0" u="none" strike="noStrike" kern="1200" cap="none" spc="0" normalizeH="0" baseline="0" noProof="0" dirty="0">
+                <a:ln>
+                  <a:noFill/>
+                </a:ln>
+                <a:solidFill>
+                  <a:prstClr val="black"/>
+                </a:solidFill>
+                <a:effectLst/>
+                <a:uLnTx/>
+                <a:uFillTx/>
+                <a:latin typeface="Calibri" panose="020F0502020204030204"/>
+                <a:ea typeface="+mn-ea"/>
+                <a:cs typeface="+mn-cs"/>
+              </a:rPr>
+              <a:t>File 4</a:t>
+            </a:r>
+          </a:p>
+          <a:p>
+            <a:pPr marL="0" marR="0" lvl="0" indent="0" algn="l" defTabSz="914400" rtl="0" eaLnBrk="1" fontAlgn="auto" latinLnBrk="0" hangingPunct="1">
+              <a:lnSpc>
+                <a:spcPct val="100000"/>
+              </a:lnSpc>
+              <a:spcBef>
+                <a:spcPts val="0"/>
+              </a:spcBef>
+              <a:spcAft>
+                <a:spcPts val="0"/>
+              </a:spcAft>
+              <a:buClrTx/>
+              <a:buSzTx/>
+              <a:buFontTx/>
+              <a:buNone/>
+              <a:tabLst/>
+              <a:defRPr/>
+            </a:pPr>
+            <a:r>
+              <a:rPr kumimoji="0" lang="en-US" sz="1600" b="0" i="0" u="none" strike="noStrike" kern="1200" cap="none" spc="0" normalizeH="0" baseline="0" noProof="0" dirty="0">
+                <a:ln>
+                  <a:noFill/>
+                </a:ln>
+                <a:solidFill>
+                  <a:prstClr val="black"/>
+                </a:solidFill>
+                <a:effectLst/>
+                <a:uLnTx/>
+                <a:uFillTx/>
+                <a:latin typeface="Calibri" panose="020F0502020204030204"/>
+                <a:ea typeface="+mn-ea"/>
+                <a:cs typeface="+mn-cs"/>
+              </a:rPr>
+              <a:t>File 5</a:t>
+            </a:r>
+          </a:p>
+          <a:p>
+            <a:pPr marL="0" marR="0" lvl="0" indent="0" algn="l" defTabSz="914400" rtl="0" eaLnBrk="1" fontAlgn="auto" latinLnBrk="0" hangingPunct="1">
+              <a:lnSpc>
+                <a:spcPct val="100000"/>
+              </a:lnSpc>
+              <a:spcBef>
+                <a:spcPts val="0"/>
+              </a:spcBef>
+              <a:spcAft>
+                <a:spcPts val="0"/>
+              </a:spcAft>
+              <a:buClrTx/>
+              <a:buSzTx/>
+              <a:buFontTx/>
+              <a:buNone/>
+              <a:tabLst/>
+              <a:defRPr/>
+            </a:pPr>
+            <a:r>
+              <a:rPr kumimoji="0" lang="en-US" sz="1600" b="0" i="0" u="none" strike="noStrike" kern="1200" cap="none" spc="0" normalizeH="0" baseline="0" noProof="0" dirty="0">
+                <a:ln>
+                  <a:noFill/>
+                </a:ln>
+                <a:solidFill>
+                  <a:prstClr val="black"/>
+                </a:solidFill>
+                <a:effectLst/>
+                <a:uLnTx/>
+                <a:uFillTx/>
+                <a:latin typeface="Calibri" panose="020F0502020204030204"/>
+                <a:ea typeface="+mn-ea"/>
+                <a:cs typeface="+mn-cs"/>
+              </a:rPr>
+              <a:t>File 6</a:t>
+            </a:r>
+          </a:p>
+          <a:p>
+            <a:pPr marL="0" marR="0" lvl="0" indent="0" algn="l" defTabSz="914400" rtl="0" eaLnBrk="1" fontAlgn="auto" latinLnBrk="0" hangingPunct="1">
+              <a:lnSpc>
+                <a:spcPct val="100000"/>
+              </a:lnSpc>
+              <a:spcBef>
+                <a:spcPts val="0"/>
+              </a:spcBef>
+              <a:spcAft>
+                <a:spcPts val="0"/>
+              </a:spcAft>
+              <a:buClrTx/>
+              <a:buSzTx/>
+              <a:buFontTx/>
+              <a:buNone/>
+              <a:tabLst/>
+              <a:defRPr/>
+            </a:pPr>
+            <a:r>
+              <a:rPr kumimoji="0" lang="en-US" sz="1600" b="0" i="0" u="none" strike="noStrike" kern="1200" cap="none" spc="0" normalizeH="0" baseline="0" noProof="0" dirty="0">
+                <a:ln>
+                  <a:noFill/>
+                </a:ln>
+                <a:solidFill>
+                  <a:prstClr val="black"/>
+                </a:solidFill>
+                <a:effectLst/>
+                <a:uLnTx/>
+                <a:uFillTx/>
+                <a:latin typeface="Calibri" panose="020F0502020204030204"/>
+                <a:ea typeface="+mn-ea"/>
+                <a:cs typeface="+mn-cs"/>
+              </a:rPr>
+              <a:t>File 7</a:t>
+            </a:r>
+          </a:p>
+          <a:p>
+            <a:pPr marL="0" marR="0" lvl="0" indent="0" algn="l" defTabSz="914400" rtl="0" eaLnBrk="1" fontAlgn="auto" latinLnBrk="0" hangingPunct="1">
+              <a:lnSpc>
+                <a:spcPct val="100000"/>
+              </a:lnSpc>
+              <a:spcBef>
+                <a:spcPts val="0"/>
+              </a:spcBef>
+              <a:spcAft>
+                <a:spcPts val="0"/>
+              </a:spcAft>
+              <a:buClrTx/>
+              <a:buSzTx/>
+              <a:buFontTx/>
+              <a:buNone/>
+              <a:tabLst/>
+              <a:defRPr/>
+            </a:pPr>
+            <a:r>
+              <a:rPr kumimoji="0" lang="en-US" sz="1600" b="0" i="0" u="none" strike="noStrike" kern="1200" cap="none" spc="0" normalizeH="0" baseline="0" noProof="0" dirty="0">
+                <a:ln>
+                  <a:noFill/>
+                </a:ln>
+                <a:solidFill>
+                  <a:prstClr val="black"/>
+                </a:solidFill>
+                <a:effectLst/>
+                <a:uLnTx/>
+                <a:uFillTx/>
+                <a:latin typeface="Calibri" panose="020F0502020204030204"/>
+                <a:ea typeface="+mn-ea"/>
+                <a:cs typeface="+mn-cs"/>
+              </a:rPr>
+              <a:t>File 8</a:t>
+            </a:r>
+          </a:p>
+          <a:p>
+            <a:pPr marL="0" marR="0" lvl="0" indent="0" algn="l" defTabSz="914400" rtl="0" eaLnBrk="1" fontAlgn="auto" latinLnBrk="0" hangingPunct="1">
+              <a:lnSpc>
+                <a:spcPct val="100000"/>
+              </a:lnSpc>
+              <a:spcBef>
+                <a:spcPts val="0"/>
+              </a:spcBef>
+              <a:spcAft>
+                <a:spcPts val="0"/>
+              </a:spcAft>
+              <a:buClrTx/>
+              <a:buSzTx/>
+              <a:buFontTx/>
+              <a:buNone/>
+              <a:tabLst/>
+              <a:defRPr/>
+            </a:pPr>
+            <a:r>
+              <a:rPr lang="en-US" sz="1600" dirty="0">
+                <a:solidFill>
+                  <a:prstClr val="black"/>
+                </a:solidFill>
+                <a:latin typeface="Calibri" panose="020F0502020204030204"/>
+              </a:rPr>
+              <a:t>File 9</a:t>
+            </a:r>
+            <a:endParaRPr kumimoji="0" lang="en-US" sz="1600" b="0" i="0" u="none" strike="noStrike" kern="1200" cap="none" spc="0" normalizeH="0" baseline="0" noProof="0" dirty="0">
+              <a:ln>
+                <a:noFill/>
+              </a:ln>
+              <a:solidFill>
+                <a:prstClr val="black"/>
+              </a:solidFill>
+              <a:effectLst/>
+              <a:uLnTx/>
+              <a:uFillTx/>
+              <a:latin typeface="Calibri" panose="020F0502020204030204"/>
+              <a:ea typeface="+mn-ea"/>
+              <a:cs typeface="+mn-cs"/>
+            </a:endParaRPr>
+          </a:p>
+        </p:txBody>
+      </p:sp>
+      <p:sp>
+        <p:nvSpPr>
+          <p:cNvPr id="8" name="TextBox 7">
+            <a:extLst>
+              <a:ext uri="{FF2B5EF4-FFF2-40B4-BE49-F238E27FC236}">
+                <a16:creationId xmlns:a16="http://schemas.microsoft.com/office/drawing/2014/main" id="{C6C44682-27FD-46EE-9272-EE6502C9DADE}"/>
+              </a:ext>
+            </a:extLst>
+          </p:cNvPr>
+          <p:cNvSpPr txBox="1"/>
+          <p:nvPr/>
+        </p:nvSpPr>
+        <p:spPr>
+          <a:xfrm>
+            <a:off x="6162846" y="2656372"/>
+            <a:ext cx="2747932" cy="2800767"/>
+          </a:xfrm>
+          <a:prstGeom prst="rect">
+            <a:avLst/>
+          </a:prstGeom>
+          <a:noFill/>
+        </p:spPr>
+        <p:txBody>
+          <a:bodyPr wrap="none" rtlCol="0">
+            <a:spAutoFit/>
+          </a:bodyPr>
+          <a:lstStyle/>
+          <a:p>
+            <a:pPr marL="0" marR="0" lvl="0" indent="0" algn="l" defTabSz="914400" rtl="0" eaLnBrk="1" fontAlgn="auto" latinLnBrk="0" hangingPunct="1">
+              <a:lnSpc>
+                <a:spcPct val="100000"/>
+              </a:lnSpc>
+              <a:spcBef>
+                <a:spcPts val="0"/>
+              </a:spcBef>
+              <a:spcAft>
+                <a:spcPts val="0"/>
+              </a:spcAft>
+              <a:buClrTx/>
+              <a:buSzTx/>
+              <a:buFontTx/>
+              <a:buNone/>
+              <a:tabLst/>
+              <a:defRPr/>
+            </a:pPr>
+            <a:r>
+              <a:rPr kumimoji="0" lang="en-US" sz="1600" b="1" i="0" u="none" strike="noStrike" kern="1200" cap="none" spc="0" normalizeH="0" baseline="0" noProof="0" dirty="0">
+                <a:ln>
+                  <a:noFill/>
+                </a:ln>
+                <a:solidFill>
+                  <a:prstClr val="black"/>
+                </a:solidFill>
+                <a:effectLst/>
+                <a:uLnTx/>
+                <a:uFillTx/>
+                <a:latin typeface="Calibri" panose="020F0502020204030204"/>
+                <a:ea typeface="+mn-ea"/>
+                <a:cs typeface="+mn-cs"/>
+              </a:rPr>
+              <a:t>SELECTED FILE PROPERTIES (</a:t>
+            </a:r>
+            <a:r>
+              <a:rPr kumimoji="0" lang="en-US" sz="1600" b="1" i="0" u="none" strike="noStrike" kern="1200" cap="none" spc="0" normalizeH="0" baseline="0" noProof="0" dirty="0" err="1">
+                <a:ln>
+                  <a:noFill/>
+                </a:ln>
+                <a:solidFill>
+                  <a:prstClr val="black"/>
+                </a:solidFill>
+                <a:effectLst/>
+                <a:uLnTx/>
+                <a:uFillTx/>
+                <a:latin typeface="Calibri" panose="020F0502020204030204"/>
+                <a:ea typeface="+mn-ea"/>
+                <a:cs typeface="+mn-cs"/>
+              </a:rPr>
+              <a:t>i</a:t>
+            </a:r>
+            <a:r>
+              <a:rPr kumimoji="0" lang="en-US" sz="1600" b="1" i="0" u="none" strike="noStrike" kern="1200" cap="none" spc="0" normalizeH="0" baseline="0" noProof="0" dirty="0">
+                <a:ln>
+                  <a:noFill/>
+                </a:ln>
+                <a:solidFill>
+                  <a:prstClr val="black"/>
+                </a:solidFill>
+                <a:effectLst/>
+                <a:uLnTx/>
+                <a:uFillTx/>
+                <a:latin typeface="Calibri" panose="020F0502020204030204"/>
+                <a:ea typeface="+mn-ea"/>
+                <a:cs typeface="+mn-cs"/>
+              </a:rPr>
+              <a:t>):</a:t>
+            </a:r>
+          </a:p>
+          <a:p>
+            <a:pPr marL="0" marR="0" lvl="0" indent="0" algn="l" defTabSz="914400" rtl="0" eaLnBrk="1" fontAlgn="auto" latinLnBrk="0" hangingPunct="1">
+              <a:lnSpc>
+                <a:spcPct val="100000"/>
+              </a:lnSpc>
+              <a:spcBef>
+                <a:spcPts val="0"/>
+              </a:spcBef>
+              <a:spcAft>
+                <a:spcPts val="0"/>
+              </a:spcAft>
+              <a:buClrTx/>
+              <a:buSzTx/>
+              <a:buFontTx/>
+              <a:buNone/>
+              <a:tabLst/>
+              <a:defRPr/>
+            </a:pPr>
+            <a:r>
+              <a:rPr kumimoji="0" lang="en-US" sz="1600" b="0" i="0" u="none" strike="noStrike" kern="1200" cap="none" spc="0" normalizeH="0" baseline="0" noProof="0" dirty="0">
+                <a:ln>
+                  <a:noFill/>
+                </a:ln>
+                <a:solidFill>
+                  <a:prstClr val="black"/>
+                </a:solidFill>
+                <a:effectLst/>
+                <a:uLnTx/>
+                <a:uFillTx/>
+                <a:latin typeface="Calibri" panose="020F0502020204030204"/>
+                <a:ea typeface="+mn-ea"/>
+                <a:cs typeface="+mn-cs"/>
+              </a:rPr>
+              <a:t>Key | Value </a:t>
+            </a:r>
+          </a:p>
+          <a:p>
+            <a:pPr marL="0" marR="0" lvl="0" indent="0" algn="l" defTabSz="914400" rtl="0" eaLnBrk="1" fontAlgn="auto" latinLnBrk="0" hangingPunct="1">
+              <a:lnSpc>
+                <a:spcPct val="100000"/>
+              </a:lnSpc>
+              <a:spcBef>
+                <a:spcPts val="0"/>
+              </a:spcBef>
+              <a:spcAft>
+                <a:spcPts val="0"/>
+              </a:spcAft>
+              <a:buClrTx/>
+              <a:buSzTx/>
+              <a:buFontTx/>
+              <a:buNone/>
+              <a:tabLst/>
+              <a:defRPr/>
+            </a:pPr>
+            <a:r>
+              <a:rPr kumimoji="0" lang="en-US" sz="1600" b="0" i="0" u="none" strike="noStrike" kern="1200" cap="none" spc="0" normalizeH="0" baseline="0" noProof="0" dirty="0">
+                <a:ln>
+                  <a:noFill/>
+                </a:ln>
+                <a:solidFill>
+                  <a:prstClr val="black"/>
+                </a:solidFill>
+                <a:effectLst/>
+                <a:uLnTx/>
+                <a:uFillTx/>
+                <a:latin typeface="Calibri" panose="020F0502020204030204"/>
+                <a:ea typeface="+mn-ea"/>
+                <a:cs typeface="+mn-cs"/>
+              </a:rPr>
+              <a:t>Key | Value</a:t>
+            </a:r>
+          </a:p>
+          <a:p>
+            <a:pPr marL="0" marR="0" lvl="0" indent="0" algn="l" defTabSz="914400" rtl="0" eaLnBrk="1" fontAlgn="auto" latinLnBrk="0" hangingPunct="1">
+              <a:lnSpc>
+                <a:spcPct val="100000"/>
+              </a:lnSpc>
+              <a:spcBef>
+                <a:spcPts val="0"/>
+              </a:spcBef>
+              <a:spcAft>
+                <a:spcPts val="0"/>
+              </a:spcAft>
+              <a:buClrTx/>
+              <a:buSzTx/>
+              <a:buFontTx/>
+              <a:buNone/>
+              <a:tabLst/>
+              <a:defRPr/>
+            </a:pPr>
+            <a:r>
+              <a:rPr kumimoji="0" lang="en-US" sz="1600" b="0" i="0" u="none" strike="noStrike" kern="1200" cap="none" spc="0" normalizeH="0" baseline="0" noProof="0" dirty="0">
+                <a:ln>
+                  <a:noFill/>
+                </a:ln>
+                <a:solidFill>
+                  <a:prstClr val="black"/>
+                </a:solidFill>
+                <a:effectLst/>
+                <a:uLnTx/>
+                <a:uFillTx/>
+                <a:latin typeface="Calibri" panose="020F0502020204030204"/>
+                <a:ea typeface="+mn-ea"/>
+                <a:cs typeface="+mn-cs"/>
+              </a:rPr>
+              <a:t>Key | Value</a:t>
+            </a:r>
+          </a:p>
+          <a:p>
+            <a:pPr marL="0" marR="0" lvl="0" indent="0" algn="l" defTabSz="914400" rtl="0" eaLnBrk="1" fontAlgn="auto" latinLnBrk="0" hangingPunct="1">
+              <a:lnSpc>
+                <a:spcPct val="100000"/>
+              </a:lnSpc>
+              <a:spcBef>
+                <a:spcPts val="0"/>
+              </a:spcBef>
+              <a:spcAft>
+                <a:spcPts val="0"/>
+              </a:spcAft>
+              <a:buClrTx/>
+              <a:buSzTx/>
+              <a:buFontTx/>
+              <a:buNone/>
+              <a:tabLst/>
+              <a:defRPr/>
+            </a:pPr>
+            <a:r>
+              <a:rPr kumimoji="0" lang="en-US" sz="1600" b="0" i="0" u="none" strike="noStrike" kern="1200" cap="none" spc="0" normalizeH="0" baseline="0" noProof="0" dirty="0">
+                <a:ln>
+                  <a:noFill/>
+                </a:ln>
+                <a:solidFill>
+                  <a:prstClr val="black"/>
+                </a:solidFill>
+                <a:effectLst/>
+                <a:uLnTx/>
+                <a:uFillTx/>
+                <a:latin typeface="Calibri" panose="020F0502020204030204"/>
+                <a:ea typeface="+mn-ea"/>
+                <a:cs typeface="+mn-cs"/>
+              </a:rPr>
+              <a:t>Key</a:t>
+            </a:r>
+            <a:r>
+              <a:rPr kumimoji="0" lang="en-US" sz="1000" b="0" i="0" u="none" strike="noStrike" kern="1200" cap="none" spc="0" normalizeH="0" baseline="0" noProof="0" dirty="0">
+                <a:ln>
+                  <a:noFill/>
+                </a:ln>
+                <a:solidFill>
+                  <a:prstClr val="black"/>
+                </a:solidFill>
+                <a:effectLst/>
+                <a:uLnTx/>
+                <a:uFillTx/>
+                <a:latin typeface="Calibri" panose="020F0502020204030204"/>
+                <a:ea typeface="+mn-ea"/>
+                <a:cs typeface="+mn-cs"/>
+              </a:rPr>
+              <a:t> </a:t>
+            </a:r>
+            <a:r>
+              <a:rPr kumimoji="0" lang="en-US" sz="1600" b="0" i="0" u="none" strike="noStrike" kern="1200" cap="none" spc="0" normalizeH="0" baseline="0" noProof="0" dirty="0">
+                <a:ln>
+                  <a:noFill/>
+                </a:ln>
+                <a:solidFill>
+                  <a:prstClr val="black"/>
+                </a:solidFill>
+                <a:effectLst/>
+                <a:uLnTx/>
+                <a:uFillTx/>
+                <a:latin typeface="Calibri" panose="020F0502020204030204"/>
+                <a:ea typeface="+mn-ea"/>
+                <a:cs typeface="+mn-cs"/>
+              </a:rPr>
+              <a:t>| Value</a:t>
+            </a:r>
+          </a:p>
+          <a:p>
+            <a:pPr marL="0" marR="0" lvl="0" indent="0" algn="l" defTabSz="914400" rtl="0" eaLnBrk="1" fontAlgn="auto" latinLnBrk="0" hangingPunct="1">
+              <a:lnSpc>
+                <a:spcPct val="100000"/>
+              </a:lnSpc>
+              <a:spcBef>
+                <a:spcPts val="0"/>
+              </a:spcBef>
+              <a:spcAft>
+                <a:spcPts val="0"/>
+              </a:spcAft>
+              <a:buClrTx/>
+              <a:buSzTx/>
+              <a:buFontTx/>
+              <a:buNone/>
+              <a:tabLst/>
+              <a:defRPr/>
+            </a:pPr>
+            <a:r>
+              <a:rPr kumimoji="0" lang="en-US" sz="1600" b="0" i="0" u="none" strike="noStrike" kern="1200" cap="none" spc="0" normalizeH="0" baseline="0" noProof="0" dirty="0">
+                <a:ln>
+                  <a:noFill/>
+                </a:ln>
+                <a:solidFill>
+                  <a:prstClr val="black"/>
+                </a:solidFill>
+                <a:effectLst/>
+                <a:uLnTx/>
+                <a:uFillTx/>
+                <a:latin typeface="Calibri" panose="020F0502020204030204"/>
+                <a:ea typeface="+mn-ea"/>
+                <a:cs typeface="+mn-cs"/>
+              </a:rPr>
+              <a:t>Key | Value </a:t>
+            </a:r>
+          </a:p>
+          <a:p>
+            <a:pPr marL="0" marR="0" lvl="0" indent="0" algn="l" defTabSz="914400" rtl="0" eaLnBrk="1" fontAlgn="auto" latinLnBrk="0" hangingPunct="1">
+              <a:lnSpc>
+                <a:spcPct val="100000"/>
+              </a:lnSpc>
+              <a:spcBef>
+                <a:spcPts val="0"/>
+              </a:spcBef>
+              <a:spcAft>
+                <a:spcPts val="0"/>
+              </a:spcAft>
+              <a:buClrTx/>
+              <a:buSzTx/>
+              <a:buFontTx/>
+              <a:buNone/>
+              <a:tabLst/>
+              <a:defRPr/>
+            </a:pPr>
+            <a:r>
+              <a:rPr kumimoji="0" lang="en-US" sz="1600" b="0" i="0" u="none" strike="noStrike" kern="1200" cap="none" spc="0" normalizeH="0" baseline="0" noProof="0" dirty="0">
+                <a:ln>
+                  <a:noFill/>
+                </a:ln>
+                <a:solidFill>
+                  <a:prstClr val="black"/>
+                </a:solidFill>
+                <a:effectLst/>
+                <a:uLnTx/>
+                <a:uFillTx/>
+                <a:latin typeface="Calibri" panose="020F0502020204030204"/>
+                <a:ea typeface="+mn-ea"/>
+                <a:cs typeface="+mn-cs"/>
+              </a:rPr>
+              <a:t>Key | Value</a:t>
+            </a:r>
+          </a:p>
+          <a:p>
+            <a:pPr marL="0" marR="0" lvl="0" indent="0" algn="l" defTabSz="914400" rtl="0" eaLnBrk="1" fontAlgn="auto" latinLnBrk="0" hangingPunct="1">
+              <a:lnSpc>
+                <a:spcPct val="100000"/>
+              </a:lnSpc>
+              <a:spcBef>
+                <a:spcPts val="0"/>
+              </a:spcBef>
+              <a:spcAft>
+                <a:spcPts val="0"/>
+              </a:spcAft>
+              <a:buClrTx/>
+              <a:buSzTx/>
+              <a:buFontTx/>
+              <a:buNone/>
+              <a:tabLst/>
+              <a:defRPr/>
+            </a:pPr>
+            <a:r>
+              <a:rPr kumimoji="0" lang="en-US" sz="1600" b="0" i="0" u="none" strike="noStrike" kern="1200" cap="none" spc="0" normalizeH="0" baseline="0" noProof="0" dirty="0">
+                <a:ln>
+                  <a:noFill/>
+                </a:ln>
+                <a:solidFill>
+                  <a:prstClr val="black"/>
+                </a:solidFill>
+                <a:effectLst/>
+                <a:uLnTx/>
+                <a:uFillTx/>
+                <a:latin typeface="Calibri" panose="020F0502020204030204"/>
+                <a:ea typeface="+mn-ea"/>
+                <a:cs typeface="+mn-cs"/>
+              </a:rPr>
+              <a:t>Key | Value</a:t>
+            </a:r>
+          </a:p>
+          <a:p>
+            <a:pPr marL="0" marR="0" lvl="0" indent="0" algn="l" defTabSz="914400" rtl="0" eaLnBrk="1" fontAlgn="auto" latinLnBrk="0" hangingPunct="1">
+              <a:lnSpc>
+                <a:spcPct val="100000"/>
+              </a:lnSpc>
+              <a:spcBef>
+                <a:spcPts val="0"/>
+              </a:spcBef>
+              <a:spcAft>
+                <a:spcPts val="0"/>
+              </a:spcAft>
+              <a:buClrTx/>
+              <a:buSzTx/>
+              <a:buFontTx/>
+              <a:buNone/>
+              <a:tabLst/>
+              <a:defRPr/>
+            </a:pPr>
+            <a:r>
+              <a:rPr kumimoji="0" lang="en-US" sz="1600" b="0" i="0" u="none" strike="noStrike" kern="1200" cap="none" spc="0" normalizeH="0" baseline="0" noProof="0" dirty="0">
+                <a:ln>
+                  <a:noFill/>
+                </a:ln>
+                <a:solidFill>
+                  <a:prstClr val="black"/>
+                </a:solidFill>
+                <a:effectLst/>
+                <a:uLnTx/>
+                <a:uFillTx/>
+                <a:latin typeface="Calibri" panose="020F0502020204030204"/>
+                <a:ea typeface="+mn-ea"/>
+                <a:cs typeface="+mn-cs"/>
+              </a:rPr>
+              <a:t>Key</a:t>
+            </a:r>
+            <a:r>
+              <a:rPr kumimoji="0" lang="en-US" sz="1000" b="0" i="0" u="none" strike="noStrike" kern="1200" cap="none" spc="0" normalizeH="0" baseline="0" noProof="0" dirty="0">
+                <a:ln>
+                  <a:noFill/>
+                </a:ln>
+                <a:solidFill>
+                  <a:prstClr val="black"/>
+                </a:solidFill>
+                <a:effectLst/>
+                <a:uLnTx/>
+                <a:uFillTx/>
+                <a:latin typeface="Calibri" panose="020F0502020204030204"/>
+                <a:ea typeface="+mn-ea"/>
+                <a:cs typeface="+mn-cs"/>
+              </a:rPr>
+              <a:t> </a:t>
+            </a:r>
+            <a:r>
+              <a:rPr kumimoji="0" lang="en-US" sz="1600" b="0" i="0" u="none" strike="noStrike" kern="1200" cap="none" spc="0" normalizeH="0" baseline="0" noProof="0" dirty="0">
+                <a:ln>
+                  <a:noFill/>
+                </a:ln>
+                <a:solidFill>
+                  <a:prstClr val="black"/>
+                </a:solidFill>
+                <a:effectLst/>
+                <a:uLnTx/>
+                <a:uFillTx/>
+                <a:latin typeface="Calibri" panose="020F0502020204030204"/>
+                <a:ea typeface="+mn-ea"/>
+                <a:cs typeface="+mn-cs"/>
+              </a:rPr>
+              <a:t>| Value</a:t>
+            </a:r>
+          </a:p>
+          <a:p>
+            <a:r>
+              <a:rPr kumimoji="0" lang="en-US" sz="1600" b="0" i="0" u="none" strike="noStrike" kern="1200" cap="none" spc="0" normalizeH="0" baseline="0" noProof="0" dirty="0">
+                <a:ln>
+                  <a:noFill/>
+                </a:ln>
+                <a:solidFill>
+                  <a:prstClr val="black"/>
+                </a:solidFill>
+                <a:effectLst/>
+                <a:uLnTx/>
+                <a:uFillTx/>
+                <a:latin typeface="Calibri" panose="020F0502020204030204"/>
+                <a:ea typeface="+mn-ea"/>
+                <a:cs typeface="+mn-cs"/>
+              </a:rPr>
+              <a:t>Key</a:t>
+            </a:r>
+            <a:r>
+              <a:rPr kumimoji="0" lang="en-US" sz="1000" b="0" i="0" u="none" strike="noStrike" kern="1200" cap="none" spc="0" normalizeH="0" baseline="0" noProof="0" dirty="0">
+                <a:ln>
+                  <a:noFill/>
+                </a:ln>
+                <a:solidFill>
+                  <a:prstClr val="black"/>
+                </a:solidFill>
+                <a:effectLst/>
+                <a:uLnTx/>
+                <a:uFillTx/>
+                <a:latin typeface="Calibri" panose="020F0502020204030204"/>
+                <a:ea typeface="+mn-ea"/>
+                <a:cs typeface="+mn-cs"/>
+              </a:rPr>
+              <a:t> </a:t>
+            </a:r>
+            <a:r>
+              <a:rPr kumimoji="0" lang="en-US" sz="1600" b="0" i="0" u="none" strike="noStrike" kern="1200" cap="none" spc="0" normalizeH="0" baseline="0" noProof="0" dirty="0">
+                <a:ln>
+                  <a:noFill/>
+                </a:ln>
+                <a:solidFill>
+                  <a:prstClr val="black"/>
+                </a:solidFill>
+                <a:effectLst/>
+                <a:uLnTx/>
+                <a:uFillTx/>
+                <a:latin typeface="Calibri" panose="020F0502020204030204"/>
+                <a:ea typeface="+mn-ea"/>
+                <a:cs typeface="+mn-cs"/>
+              </a:rPr>
+              <a:t>| Value</a:t>
+            </a:r>
+          </a:p>
+          <a:p>
+            <a:pPr marL="0" marR="0" lvl="0" indent="0" algn="l" defTabSz="914400" rtl="0" eaLnBrk="1" fontAlgn="auto" latinLnBrk="0" hangingPunct="1">
+              <a:lnSpc>
+                <a:spcPct val="100000"/>
+              </a:lnSpc>
+              <a:spcBef>
+                <a:spcPts val="0"/>
+              </a:spcBef>
+              <a:spcAft>
+                <a:spcPts val="0"/>
+              </a:spcAft>
+              <a:buClrTx/>
+              <a:buSzTx/>
+              <a:buFontTx/>
+              <a:buNone/>
+              <a:tabLst/>
+              <a:defRPr/>
+            </a:pPr>
+            <a:endParaRPr kumimoji="0" lang="en-US" sz="1600" b="0" i="0" u="none" strike="noStrike" kern="1200" cap="none" spc="0" normalizeH="0" baseline="0" noProof="0" dirty="0">
+              <a:ln>
+                <a:noFill/>
+              </a:ln>
+              <a:solidFill>
+                <a:prstClr val="black"/>
+              </a:solidFill>
+              <a:effectLst/>
+              <a:uLnTx/>
+              <a:uFillTx/>
+              <a:latin typeface="Calibri" panose="020F0502020204030204"/>
+              <a:ea typeface="+mn-ea"/>
+              <a:cs typeface="+mn-cs"/>
+            </a:endParaRPr>
+          </a:p>
+        </p:txBody>
+      </p:sp>
+      <p:sp>
+        <p:nvSpPr>
+          <p:cNvPr id="9" name="TextBox 8">
+            <a:extLst>
+              <a:ext uri="{FF2B5EF4-FFF2-40B4-BE49-F238E27FC236}">
+                <a16:creationId xmlns:a16="http://schemas.microsoft.com/office/drawing/2014/main" id="{42A7B356-BA01-454A-B5DC-75AC712C60D6}"/>
+              </a:ext>
+            </a:extLst>
+          </p:cNvPr>
+          <p:cNvSpPr txBox="1"/>
+          <p:nvPr/>
+        </p:nvSpPr>
+        <p:spPr>
+          <a:xfrm>
+            <a:off x="3263397" y="6404503"/>
+            <a:ext cx="2797817" cy="369332"/>
+          </a:xfrm>
+          <a:prstGeom prst="rect">
+            <a:avLst/>
+          </a:prstGeom>
+          <a:noFill/>
+        </p:spPr>
+        <p:txBody>
+          <a:bodyPr wrap="none" rtlCol="0">
+            <a:spAutoFit/>
+          </a:bodyPr>
+          <a:lstStyle/>
+          <a:p>
+            <a:pPr marL="0" marR="0" lvl="0" indent="0" algn="l" defTabSz="914400" rtl="0" eaLnBrk="1" fontAlgn="auto" latinLnBrk="0" hangingPunct="1">
+              <a:lnSpc>
+                <a:spcPct val="100000"/>
+              </a:lnSpc>
+              <a:spcBef>
+                <a:spcPts val="0"/>
+              </a:spcBef>
+              <a:spcAft>
+                <a:spcPts val="0"/>
+              </a:spcAft>
+              <a:buClrTx/>
+              <a:buSzTx/>
+              <a:buFontTx/>
+              <a:buNone/>
+              <a:tabLst/>
+              <a:defRPr/>
+            </a:pPr>
+            <a:r>
+              <a:rPr kumimoji="0" lang="en-US" sz="1800" b="1" i="0" u="none" strike="noStrike" kern="1200" cap="none" spc="0" normalizeH="0" baseline="0" noProof="0" dirty="0">
+                <a:ln>
+                  <a:noFill/>
+                </a:ln>
+                <a:solidFill>
+                  <a:prstClr val="black"/>
+                </a:solidFill>
+                <a:effectLst/>
+                <a:uLnTx/>
+                <a:uFillTx/>
+                <a:latin typeface="Calibri" panose="020F0502020204030204"/>
+                <a:ea typeface="+mn-ea"/>
+                <a:cs typeface="+mn-cs"/>
+              </a:rPr>
+              <a:t>Import Selected File Button</a:t>
+            </a:r>
+          </a:p>
+        </p:txBody>
+      </p:sp>
+      <p:sp>
+        <p:nvSpPr>
+          <p:cNvPr id="10" name="TextBox 9">
+            <a:extLst>
+              <a:ext uri="{FF2B5EF4-FFF2-40B4-BE49-F238E27FC236}">
+                <a16:creationId xmlns:a16="http://schemas.microsoft.com/office/drawing/2014/main" id="{72F5DF42-2774-4247-B36C-150C5ED718F2}"/>
+              </a:ext>
+            </a:extLst>
+          </p:cNvPr>
+          <p:cNvSpPr txBox="1"/>
+          <p:nvPr/>
+        </p:nvSpPr>
+        <p:spPr>
+          <a:xfrm>
+            <a:off x="10705142" y="6404503"/>
+            <a:ext cx="1311449" cy="369332"/>
+          </a:xfrm>
+          <a:prstGeom prst="rect">
+            <a:avLst/>
+          </a:prstGeom>
+          <a:noFill/>
+        </p:spPr>
+        <p:txBody>
+          <a:bodyPr wrap="none" rtlCol="0">
+            <a:spAutoFit/>
+          </a:bodyPr>
+          <a:lstStyle/>
+          <a:p>
+            <a:pPr marL="0" marR="0" lvl="0" indent="0" algn="l" defTabSz="914400" rtl="0" eaLnBrk="1" fontAlgn="auto" latinLnBrk="0" hangingPunct="1">
+              <a:lnSpc>
+                <a:spcPct val="100000"/>
+              </a:lnSpc>
+              <a:spcBef>
+                <a:spcPts val="0"/>
+              </a:spcBef>
+              <a:spcAft>
+                <a:spcPts val="0"/>
+              </a:spcAft>
+              <a:buClrTx/>
+              <a:buSzTx/>
+              <a:buFontTx/>
+              <a:buNone/>
+              <a:tabLst/>
+              <a:defRPr/>
+            </a:pPr>
+            <a:r>
+              <a:rPr kumimoji="0" lang="en-US" sz="1800" b="1" i="0" u="none" strike="noStrike" kern="1200" cap="none" spc="0" normalizeH="0" baseline="0" noProof="0" dirty="0">
+                <a:ln>
+                  <a:noFill/>
+                </a:ln>
+                <a:solidFill>
+                  <a:prstClr val="black"/>
+                </a:solidFill>
+                <a:effectLst/>
+                <a:uLnTx/>
+                <a:uFillTx/>
+                <a:latin typeface="Calibri" panose="020F0502020204030204"/>
+                <a:ea typeface="+mn-ea"/>
+                <a:cs typeface="+mn-cs"/>
+              </a:rPr>
+              <a:t>Quit Button</a:t>
+            </a:r>
+          </a:p>
+        </p:txBody>
+      </p:sp>
+      <p:sp>
+        <p:nvSpPr>
+          <p:cNvPr id="15" name="TextBox 14">
+            <a:extLst>
+              <a:ext uri="{FF2B5EF4-FFF2-40B4-BE49-F238E27FC236}">
+                <a16:creationId xmlns:a16="http://schemas.microsoft.com/office/drawing/2014/main" id="{6749643B-11B9-4DF3-AE9A-F000EDB38152}"/>
+              </a:ext>
+            </a:extLst>
+          </p:cNvPr>
+          <p:cNvSpPr txBox="1"/>
+          <p:nvPr/>
+        </p:nvSpPr>
+        <p:spPr>
+          <a:xfrm>
+            <a:off x="6162846" y="6404503"/>
+            <a:ext cx="3859775" cy="369332"/>
+          </a:xfrm>
+          <a:prstGeom prst="rect">
+            <a:avLst/>
+          </a:prstGeom>
+          <a:noFill/>
+        </p:spPr>
+        <p:txBody>
+          <a:bodyPr wrap="none" rtlCol="0">
+            <a:spAutoFit/>
+          </a:bodyPr>
+          <a:lstStyle/>
+          <a:p>
+            <a:pPr marL="0" marR="0" lvl="0" indent="0" algn="l" defTabSz="914400" rtl="0" eaLnBrk="1" fontAlgn="auto" latinLnBrk="0" hangingPunct="1">
+              <a:lnSpc>
+                <a:spcPct val="100000"/>
+              </a:lnSpc>
+              <a:spcBef>
+                <a:spcPts val="0"/>
+              </a:spcBef>
+              <a:spcAft>
+                <a:spcPts val="0"/>
+              </a:spcAft>
+              <a:buClrTx/>
+              <a:buSzTx/>
+              <a:buFontTx/>
+              <a:buNone/>
+              <a:tabLst/>
+              <a:defRPr/>
+            </a:pPr>
+            <a:r>
+              <a:rPr kumimoji="0" lang="en-US" sz="1800" b="1" i="0" u="none" strike="noStrike" kern="1200" cap="none" spc="0" normalizeH="0" baseline="0" noProof="0" dirty="0">
+                <a:ln>
+                  <a:noFill/>
+                </a:ln>
+                <a:solidFill>
+                  <a:prstClr val="black"/>
+                </a:solidFill>
+                <a:effectLst/>
+                <a:uLnTx/>
+                <a:uFillTx/>
+                <a:latin typeface="Calibri" panose="020F0502020204030204"/>
+                <a:ea typeface="+mn-ea"/>
+                <a:cs typeface="+mn-cs"/>
+              </a:rPr>
+              <a:t>Browse to Existing Hazard Data Button</a:t>
+            </a:r>
+          </a:p>
+        </p:txBody>
+      </p:sp>
+      <p:sp>
+        <p:nvSpPr>
+          <p:cNvPr id="16" name="TextBox 15">
+            <a:extLst>
+              <a:ext uri="{FF2B5EF4-FFF2-40B4-BE49-F238E27FC236}">
+                <a16:creationId xmlns:a16="http://schemas.microsoft.com/office/drawing/2014/main" id="{35818BCF-1B87-42D4-9373-4C366C4E80FA}"/>
+              </a:ext>
+            </a:extLst>
+          </p:cNvPr>
+          <p:cNvSpPr txBox="1"/>
+          <p:nvPr/>
+        </p:nvSpPr>
+        <p:spPr>
+          <a:xfrm>
+            <a:off x="107338" y="5330773"/>
+            <a:ext cx="5511702" cy="1077218"/>
+          </a:xfrm>
+          <a:prstGeom prst="rect">
+            <a:avLst/>
+          </a:prstGeom>
+          <a:noFill/>
+        </p:spPr>
+        <p:txBody>
+          <a:bodyPr wrap="none" rtlCol="0">
+            <a:spAutoFit/>
+          </a:bodyPr>
+          <a:lstStyle/>
+          <a:p>
+            <a:pPr marL="0" marR="0" lvl="0" indent="0" algn="l" defTabSz="914400" rtl="0" eaLnBrk="1" fontAlgn="auto" latinLnBrk="0" hangingPunct="1">
+              <a:lnSpc>
+                <a:spcPct val="100000"/>
+              </a:lnSpc>
+              <a:spcBef>
+                <a:spcPts val="0"/>
+              </a:spcBef>
+              <a:spcAft>
+                <a:spcPts val="0"/>
+              </a:spcAft>
+              <a:buClrTx/>
+              <a:buSzTx/>
+              <a:buFontTx/>
+              <a:buNone/>
+              <a:tabLst/>
+              <a:defRPr/>
+            </a:pPr>
+            <a:r>
+              <a:rPr kumimoji="0" lang="en-US" sz="1600" b="1" i="0" u="none" strike="noStrike" kern="1200" cap="none" spc="0" normalizeH="0" baseline="0" noProof="0" dirty="0">
+                <a:ln>
+                  <a:noFill/>
+                </a:ln>
+                <a:solidFill>
+                  <a:prstClr val="black"/>
+                </a:solidFill>
+                <a:effectLst/>
+                <a:uLnTx/>
+                <a:uFillTx/>
+                <a:latin typeface="Calibri" panose="020F0502020204030204"/>
+                <a:ea typeface="+mn-ea"/>
+                <a:cs typeface="+mn-cs"/>
+              </a:rPr>
+              <a:t>OPTIONS:</a:t>
+            </a:r>
+          </a:p>
+          <a:p>
+            <a:pPr marL="0" marR="0" lvl="0" indent="0" algn="l" defTabSz="914400" rtl="0" eaLnBrk="1" fontAlgn="auto" latinLnBrk="0" hangingPunct="1">
+              <a:lnSpc>
+                <a:spcPct val="100000"/>
+              </a:lnSpc>
+              <a:spcBef>
+                <a:spcPts val="0"/>
+              </a:spcBef>
+              <a:spcAft>
+                <a:spcPts val="0"/>
+              </a:spcAft>
+              <a:buClrTx/>
+              <a:buSzTx/>
+              <a:buFontTx/>
+              <a:buNone/>
+              <a:tabLst/>
+              <a:defRPr/>
+            </a:pPr>
+            <a:r>
+              <a:rPr kumimoji="0" lang="en-US" sz="1200" b="0" i="0" u="none" strike="noStrike" kern="1200" cap="none" spc="0" normalizeH="0" baseline="0" noProof="0" dirty="0">
+                <a:ln>
+                  <a:noFill/>
+                </a:ln>
+                <a:solidFill>
+                  <a:prstClr val="black"/>
+                </a:solidFill>
+                <a:effectLst/>
+                <a:uLnTx/>
+                <a:uFillTx/>
+                <a:latin typeface="Calibri" panose="020F0502020204030204"/>
+                <a:ea typeface="+mn-ea"/>
+                <a:cs typeface="+mn-cs"/>
+              </a:rPr>
+              <a:t>[x]  Project to UTM Zone</a:t>
+            </a:r>
+          </a:p>
+          <a:p>
+            <a:pPr marL="0" marR="0" lvl="0" indent="0" algn="l" defTabSz="914400" rtl="0" eaLnBrk="1" fontAlgn="auto" latinLnBrk="0" hangingPunct="1">
+              <a:lnSpc>
+                <a:spcPct val="100000"/>
+              </a:lnSpc>
+              <a:spcBef>
+                <a:spcPts val="0"/>
+              </a:spcBef>
+              <a:spcAft>
+                <a:spcPts val="0"/>
+              </a:spcAft>
+              <a:buClrTx/>
+              <a:buSzTx/>
+              <a:buFontTx/>
+              <a:buNone/>
+              <a:tabLst/>
+              <a:defRPr/>
+            </a:pPr>
+            <a:r>
+              <a:rPr kumimoji="0" lang="en-US" sz="1200" b="0" i="0" u="none" strike="noStrike" kern="1200" cap="none" spc="0" normalizeH="0" baseline="0" noProof="0" dirty="0">
+                <a:ln>
+                  <a:noFill/>
+                </a:ln>
+                <a:solidFill>
+                  <a:prstClr val="black"/>
+                </a:solidFill>
+                <a:effectLst/>
+                <a:uLnTx/>
+                <a:uFillTx/>
+                <a:latin typeface="Calibri" panose="020F0502020204030204"/>
+                <a:ea typeface="+mn-ea"/>
+                <a:cs typeface="+mn-cs"/>
+              </a:rPr>
+              <a:t>[</a:t>
+            </a:r>
+            <a:r>
+              <a:rPr kumimoji="0" lang="en-US" sz="1200" b="0" i="0" u="sng" strike="noStrike" kern="1200" cap="none" spc="0" normalizeH="0" baseline="0" noProof="0" dirty="0">
+                <a:ln>
+                  <a:noFill/>
+                </a:ln>
+                <a:solidFill>
+                  <a:prstClr val="black"/>
+                </a:solidFill>
+                <a:effectLst/>
+                <a:uLnTx/>
+                <a:uFillTx/>
+                <a:latin typeface="Calibri" panose="020F0502020204030204"/>
+                <a:ea typeface="+mn-ea"/>
+                <a:cs typeface="+mn-cs"/>
+              </a:rPr>
+              <a:t>Feet | Meters | CM </a:t>
+            </a:r>
+            <a:r>
+              <a:rPr kumimoji="0" lang="en-US" sz="1200" b="0" i="0" u="none" strike="noStrike" kern="1200" cap="none" spc="0" normalizeH="0" baseline="0" noProof="0" dirty="0">
+                <a:ln>
+                  <a:noFill/>
+                </a:ln>
+                <a:solidFill>
+                  <a:prstClr val="black"/>
+                </a:solidFill>
+                <a:effectLst/>
+                <a:uLnTx/>
+                <a:uFillTx/>
+                <a:latin typeface="Calibri" panose="020F0502020204030204"/>
+                <a:ea typeface="+mn-ea"/>
+                <a:cs typeface="+mn-cs"/>
+              </a:rPr>
+              <a:t>] Input Depth Units</a:t>
+            </a:r>
+          </a:p>
+          <a:p>
+            <a:pPr marL="0" marR="0" lvl="0" indent="0" algn="l" defTabSz="914400" rtl="0" eaLnBrk="1" fontAlgn="auto" latinLnBrk="0" hangingPunct="1">
+              <a:lnSpc>
+                <a:spcPct val="100000"/>
+              </a:lnSpc>
+              <a:spcBef>
+                <a:spcPts val="0"/>
+              </a:spcBef>
+              <a:spcAft>
+                <a:spcPts val="0"/>
+              </a:spcAft>
+              <a:buClrTx/>
+              <a:buSzTx/>
+              <a:buFontTx/>
+              <a:buNone/>
+              <a:tabLst/>
+              <a:defRPr/>
+            </a:pPr>
+            <a:r>
+              <a:rPr kumimoji="0" lang="en-US" sz="1200" b="0" i="0" u="none" strike="noStrike" kern="1200" cap="none" spc="0" normalizeH="0" baseline="0" noProof="0" dirty="0">
+                <a:ln>
+                  <a:noFill/>
+                </a:ln>
+                <a:solidFill>
+                  <a:prstClr val="black"/>
+                </a:solidFill>
+                <a:effectLst/>
+                <a:uLnTx/>
+                <a:uFillTx/>
+                <a:latin typeface="Calibri" panose="020F0502020204030204"/>
+                <a:ea typeface="+mn-ea"/>
+                <a:cs typeface="+mn-cs"/>
+              </a:rPr>
+              <a:t>[x]  Overwrite Existing Hazard Data</a:t>
+            </a:r>
+          </a:p>
+          <a:p>
+            <a:pPr marL="0" marR="0" lvl="0" indent="0" algn="l" defTabSz="914400" rtl="0" eaLnBrk="1" fontAlgn="auto" latinLnBrk="0" hangingPunct="1">
+              <a:lnSpc>
+                <a:spcPct val="100000"/>
+              </a:lnSpc>
+              <a:spcBef>
+                <a:spcPts val="0"/>
+              </a:spcBef>
+              <a:spcAft>
+                <a:spcPts val="0"/>
+              </a:spcAft>
+              <a:buClrTx/>
+              <a:buSzTx/>
+              <a:buFontTx/>
+              <a:buNone/>
+              <a:tabLst/>
+              <a:defRPr/>
+            </a:pPr>
+            <a:r>
+              <a:rPr kumimoji="0" lang="en-US" sz="1200" b="0" i="0" u="none" strike="noStrike" kern="1200" cap="none" spc="0" normalizeH="0" baseline="0" noProof="0" dirty="0">
+                <a:ln>
+                  <a:noFill/>
+                </a:ln>
+                <a:solidFill>
+                  <a:prstClr val="black"/>
+                </a:solidFill>
+                <a:effectLst/>
+                <a:uLnTx/>
+                <a:uFillTx/>
+                <a:latin typeface="Calibri" panose="020F0502020204030204"/>
+                <a:ea typeface="+mn-ea"/>
+                <a:cs typeface="+mn-cs"/>
+              </a:rPr>
+              <a:t>[_] Clip to Study Region (user select </a:t>
+            </a:r>
+            <a:r>
+              <a:rPr kumimoji="0" lang="en-US" sz="1200" b="0" i="0" u="none" strike="noStrike" kern="1200" cap="none" spc="0" normalizeH="0" baseline="0" noProof="0" dirty="0" err="1">
+                <a:ln>
+                  <a:noFill/>
+                </a:ln>
+                <a:solidFill>
+                  <a:prstClr val="black"/>
+                </a:solidFill>
+                <a:effectLst/>
+                <a:uLnTx/>
+                <a:uFillTx/>
+                <a:latin typeface="Calibri" panose="020F0502020204030204"/>
+                <a:ea typeface="+mn-ea"/>
+                <a:cs typeface="+mn-cs"/>
+              </a:rPr>
+              <a:t>SR|browse</a:t>
+            </a:r>
+            <a:r>
+              <a:rPr kumimoji="0" lang="en-US" sz="1200" b="0" i="0" u="none" strike="noStrike" kern="1200" cap="none" spc="0" normalizeH="0" baseline="0" noProof="0" dirty="0">
+                <a:ln>
+                  <a:noFill/>
+                </a:ln>
+                <a:solidFill>
+                  <a:prstClr val="black"/>
+                </a:solidFill>
+                <a:effectLst/>
+                <a:uLnTx/>
+                <a:uFillTx/>
+                <a:latin typeface="Calibri" panose="020F0502020204030204"/>
+                <a:ea typeface="+mn-ea"/>
+                <a:cs typeface="+mn-cs"/>
+              </a:rPr>
+              <a:t> to input </a:t>
+            </a:r>
+            <a:r>
+              <a:rPr kumimoji="0" lang="en-US" sz="1200" b="0" i="0" u="none" strike="noStrike" kern="1200" cap="none" spc="0" normalizeH="0" baseline="0" noProof="0" dirty="0" err="1">
+                <a:ln>
+                  <a:noFill/>
+                </a:ln>
+                <a:solidFill>
+                  <a:prstClr val="black"/>
+                </a:solidFill>
+                <a:effectLst/>
+                <a:uLnTx/>
+                <a:uFillTx/>
+                <a:latin typeface="Calibri" panose="020F0502020204030204"/>
+                <a:ea typeface="+mn-ea"/>
+                <a:cs typeface="+mn-cs"/>
+              </a:rPr>
+              <a:t>polygon|define</a:t>
+            </a:r>
+            <a:r>
+              <a:rPr kumimoji="0" lang="en-US" sz="1200" b="0" i="0" u="none" strike="noStrike" kern="1200" cap="none" spc="0" normalizeH="0" baseline="0" noProof="0" dirty="0">
+                <a:ln>
+                  <a:noFill/>
+                </a:ln>
+                <a:solidFill>
+                  <a:prstClr val="black"/>
+                </a:solidFill>
+                <a:effectLst/>
+                <a:uLnTx/>
+                <a:uFillTx/>
+                <a:latin typeface="Calibri" panose="020F0502020204030204"/>
+                <a:ea typeface="+mn-ea"/>
+                <a:cs typeface="+mn-cs"/>
+              </a:rPr>
+              <a:t> min/max x/y)</a:t>
+            </a:r>
+          </a:p>
+        </p:txBody>
+      </p:sp>
+      <p:sp>
+        <p:nvSpPr>
+          <p:cNvPr id="17" name="TextBox 16">
+            <a:extLst>
+              <a:ext uri="{FF2B5EF4-FFF2-40B4-BE49-F238E27FC236}">
+                <a16:creationId xmlns:a16="http://schemas.microsoft.com/office/drawing/2014/main" id="{F3CA7781-646B-43E8-8D76-5E0D4B6CF282}"/>
+              </a:ext>
+            </a:extLst>
+          </p:cNvPr>
+          <p:cNvSpPr txBox="1"/>
+          <p:nvPr/>
+        </p:nvSpPr>
+        <p:spPr>
+          <a:xfrm>
+            <a:off x="8782874" y="2485568"/>
+            <a:ext cx="2534796" cy="461665"/>
+          </a:xfrm>
+          <a:prstGeom prst="rect">
+            <a:avLst/>
+          </a:prstGeom>
+          <a:noFill/>
+        </p:spPr>
+        <p:txBody>
+          <a:bodyPr wrap="none" rtlCol="0">
+            <a:spAutoFit/>
+          </a:bodyPr>
+          <a:lstStyle/>
+          <a:p>
+            <a:pPr marL="0" marR="0" lvl="0" indent="0" algn="l" defTabSz="914400" rtl="0" eaLnBrk="1" fontAlgn="auto" latinLnBrk="0" hangingPunct="1">
+              <a:lnSpc>
+                <a:spcPct val="100000"/>
+              </a:lnSpc>
+              <a:spcBef>
+                <a:spcPts val="0"/>
+              </a:spcBef>
+              <a:spcAft>
+                <a:spcPts val="0"/>
+              </a:spcAft>
+              <a:buClrTx/>
+              <a:buSzTx/>
+              <a:buFontTx/>
+              <a:buNone/>
+              <a:tabLst/>
+              <a:defRPr/>
+            </a:pPr>
+            <a:r>
+              <a:rPr kumimoji="0" lang="en-US" sz="1200" b="0" i="0" u="none" strike="noStrike" kern="1200" cap="none" spc="0" normalizeH="0" baseline="0" noProof="0" dirty="0">
+                <a:ln>
+                  <a:noFill/>
+                </a:ln>
+                <a:solidFill>
+                  <a:srgbClr val="FF0000"/>
+                </a:solidFill>
+                <a:effectLst/>
+                <a:uLnTx/>
+                <a:uFillTx/>
+                <a:latin typeface="Calibri" panose="020F0502020204030204"/>
+                <a:ea typeface="+mn-ea"/>
+                <a:cs typeface="+mn-cs"/>
+              </a:rPr>
+              <a:t>(</a:t>
+            </a:r>
+            <a:r>
+              <a:rPr kumimoji="0" lang="en-US" sz="1200" b="0" i="0" u="none" strike="noStrike" kern="1200" cap="none" spc="0" normalizeH="0" baseline="0" noProof="0" dirty="0" err="1">
+                <a:ln>
+                  <a:noFill/>
+                </a:ln>
+                <a:solidFill>
+                  <a:srgbClr val="FF0000"/>
+                </a:solidFill>
+                <a:effectLst/>
+                <a:uLnTx/>
+                <a:uFillTx/>
+                <a:latin typeface="Calibri" panose="020F0502020204030204"/>
+                <a:ea typeface="+mn-ea"/>
+                <a:cs typeface="+mn-cs"/>
+              </a:rPr>
+              <a:t>i</a:t>
+            </a:r>
+            <a:r>
+              <a:rPr kumimoji="0" lang="en-US" sz="1200" b="0" i="0" u="none" strike="noStrike" kern="1200" cap="none" spc="0" normalizeH="0" baseline="0" noProof="0" dirty="0">
+                <a:ln>
+                  <a:noFill/>
+                </a:ln>
+                <a:solidFill>
+                  <a:srgbClr val="FF0000"/>
+                </a:solidFill>
+                <a:effectLst/>
+                <a:uLnTx/>
+                <a:uFillTx/>
+                <a:latin typeface="Calibri" panose="020F0502020204030204"/>
+                <a:ea typeface="+mn-ea"/>
+                <a:cs typeface="+mn-cs"/>
+              </a:rPr>
+              <a:t>) button to new window, hover text, </a:t>
+            </a:r>
+          </a:p>
+          <a:p>
+            <a:pPr marL="0" marR="0" lvl="0" indent="0" algn="l" defTabSz="914400" rtl="0" eaLnBrk="1" fontAlgn="auto" latinLnBrk="0" hangingPunct="1">
+              <a:lnSpc>
+                <a:spcPct val="100000"/>
+              </a:lnSpc>
+              <a:spcBef>
+                <a:spcPts val="0"/>
+              </a:spcBef>
+              <a:spcAft>
+                <a:spcPts val="0"/>
+              </a:spcAft>
+              <a:buClrTx/>
+              <a:buSzTx/>
+              <a:buFontTx/>
+              <a:buNone/>
+              <a:tabLst/>
+              <a:defRPr/>
+            </a:pPr>
+            <a:r>
+              <a:rPr kumimoji="0" lang="en-US" sz="1200" b="0" i="0" u="none" strike="noStrike" kern="1200" cap="none" spc="0" normalizeH="0" baseline="0" noProof="0" dirty="0">
+                <a:ln>
+                  <a:noFill/>
+                </a:ln>
+                <a:solidFill>
+                  <a:srgbClr val="FF0000"/>
+                </a:solidFill>
+                <a:effectLst/>
+                <a:uLnTx/>
+                <a:uFillTx/>
+                <a:latin typeface="Calibri" panose="020F0502020204030204"/>
+                <a:ea typeface="+mn-ea"/>
+                <a:cs typeface="+mn-cs"/>
+              </a:rPr>
+              <a:t>doc with more info on each key/value</a:t>
+            </a:r>
+          </a:p>
+        </p:txBody>
+      </p:sp>
+      <p:sp>
+        <p:nvSpPr>
+          <p:cNvPr id="2" name="Action Button: Go Back or Previous 1">
+            <a:hlinkClick r:id="" action="ppaction://noaction" highlightClick="1"/>
+            <a:extLst>
+              <a:ext uri="{FF2B5EF4-FFF2-40B4-BE49-F238E27FC236}">
+                <a16:creationId xmlns:a16="http://schemas.microsoft.com/office/drawing/2014/main" id="{BA250048-9B14-4F05-8519-AE97E68FCCE0}"/>
+              </a:ext>
+            </a:extLst>
+          </p:cNvPr>
+          <p:cNvSpPr/>
+          <p:nvPr/>
+        </p:nvSpPr>
+        <p:spPr>
+          <a:xfrm rot="5400000">
+            <a:off x="5732548" y="2961623"/>
+            <a:ext cx="200024" cy="187483"/>
+          </a:xfrm>
+          <a:prstGeom prst="actionButtonBackPrevious">
+            <a:avLst/>
+          </a:prstGeom>
+        </p:spPr>
+        <p:style>
+          <a:lnRef idx="2">
+            <a:schemeClr val="accent1">
+              <a:shade val="50000"/>
+            </a:schemeClr>
+          </a:lnRef>
+          <a:fillRef idx="1">
+            <a:schemeClr val="accent1"/>
+          </a:fillRef>
+          <a:effectRef idx="0">
+            <a:schemeClr val="accent1"/>
+          </a:effectRef>
+          <a:fontRef idx="minor">
+            <a:schemeClr val="lt1"/>
+          </a:fontRef>
+        </p:style>
+        <p:txBody>
+          <a:bodyPr rtlCol="0" anchor="ctr"/>
+          <a:lstStyle/>
+          <a:p>
+            <a:pPr marL="0" marR="0" lvl="0" indent="0" algn="ctr" defTabSz="914400" rtl="0" eaLnBrk="1" fontAlgn="auto" latinLnBrk="0" hangingPunct="1">
+              <a:lnSpc>
+                <a:spcPct val="100000"/>
+              </a:lnSpc>
+              <a:spcBef>
+                <a:spcPts val="0"/>
+              </a:spcBef>
+              <a:spcAft>
+                <a:spcPts val="0"/>
+              </a:spcAft>
+              <a:buClrTx/>
+              <a:buSzTx/>
+              <a:buFontTx/>
+              <a:buNone/>
+              <a:tabLst/>
+              <a:defRPr/>
+            </a:pPr>
+            <a:endParaRPr kumimoji="0" lang="en-US" sz="1800" b="0" i="0" u="none" strike="noStrike" kern="1200" cap="none" spc="0" normalizeH="0" baseline="0" noProof="0">
+              <a:ln>
+                <a:noFill/>
+              </a:ln>
+              <a:solidFill>
+                <a:prstClr val="white"/>
+              </a:solidFill>
+              <a:effectLst/>
+              <a:uLnTx/>
+              <a:uFillTx/>
+              <a:latin typeface="Calibri" panose="020F0502020204030204"/>
+              <a:ea typeface="+mn-ea"/>
+              <a:cs typeface="+mn-cs"/>
+            </a:endParaRPr>
+          </a:p>
+        </p:txBody>
+      </p:sp>
+      <p:sp>
+        <p:nvSpPr>
+          <p:cNvPr id="20" name="Action Button: Go Back or Previous 19">
+            <a:hlinkClick r:id="" action="ppaction://noaction" highlightClick="1"/>
+            <a:extLst>
+              <a:ext uri="{FF2B5EF4-FFF2-40B4-BE49-F238E27FC236}">
+                <a16:creationId xmlns:a16="http://schemas.microsoft.com/office/drawing/2014/main" id="{961DE366-0362-4A86-9D55-66006D3255CA}"/>
+              </a:ext>
+            </a:extLst>
+          </p:cNvPr>
+          <p:cNvSpPr/>
+          <p:nvPr/>
+        </p:nvSpPr>
+        <p:spPr>
+          <a:xfrm rot="16200000">
+            <a:off x="5732549" y="5120920"/>
+            <a:ext cx="200024" cy="187483"/>
+          </a:xfrm>
+          <a:prstGeom prst="actionButtonBackPrevious">
+            <a:avLst/>
+          </a:prstGeom>
+        </p:spPr>
+        <p:style>
+          <a:lnRef idx="2">
+            <a:schemeClr val="accent1">
+              <a:shade val="50000"/>
+            </a:schemeClr>
+          </a:lnRef>
+          <a:fillRef idx="1">
+            <a:schemeClr val="accent1"/>
+          </a:fillRef>
+          <a:effectRef idx="0">
+            <a:schemeClr val="accent1"/>
+          </a:effectRef>
+          <a:fontRef idx="minor">
+            <a:schemeClr val="lt1"/>
+          </a:fontRef>
+        </p:style>
+        <p:txBody>
+          <a:bodyPr rtlCol="0" anchor="ctr"/>
+          <a:lstStyle/>
+          <a:p>
+            <a:pPr marL="0" marR="0" lvl="0" indent="0" algn="ctr" defTabSz="914400" rtl="0" eaLnBrk="1" fontAlgn="auto" latinLnBrk="0" hangingPunct="1">
+              <a:lnSpc>
+                <a:spcPct val="100000"/>
+              </a:lnSpc>
+              <a:spcBef>
+                <a:spcPts val="0"/>
+              </a:spcBef>
+              <a:spcAft>
+                <a:spcPts val="0"/>
+              </a:spcAft>
+              <a:buClrTx/>
+              <a:buSzTx/>
+              <a:buFontTx/>
+              <a:buNone/>
+              <a:tabLst/>
+              <a:defRPr/>
+            </a:pPr>
+            <a:endParaRPr kumimoji="0" lang="en-US" sz="1800" b="0" i="0" u="none" strike="noStrike" kern="1200" cap="none" spc="0" normalizeH="0" baseline="0" noProof="0">
+              <a:ln>
+                <a:noFill/>
+              </a:ln>
+              <a:solidFill>
+                <a:prstClr val="white"/>
+              </a:solidFill>
+              <a:effectLst/>
+              <a:uLnTx/>
+              <a:uFillTx/>
+              <a:latin typeface="Calibri" panose="020F0502020204030204"/>
+              <a:ea typeface="+mn-ea"/>
+              <a:cs typeface="+mn-cs"/>
+            </a:endParaRPr>
+          </a:p>
+        </p:txBody>
+      </p:sp>
+      <p:sp>
+        <p:nvSpPr>
+          <p:cNvPr id="21" name="Action Button: Go Back or Previous 20">
+            <a:hlinkClick r:id="" action="ppaction://noaction" highlightClick="1"/>
+            <a:extLst>
+              <a:ext uri="{FF2B5EF4-FFF2-40B4-BE49-F238E27FC236}">
+                <a16:creationId xmlns:a16="http://schemas.microsoft.com/office/drawing/2014/main" id="{4F4745ED-05DA-45C4-B715-7FA106BE7AE0}"/>
+              </a:ext>
+            </a:extLst>
+          </p:cNvPr>
+          <p:cNvSpPr/>
+          <p:nvPr/>
+        </p:nvSpPr>
+        <p:spPr>
+          <a:xfrm rot="5400000">
+            <a:off x="11849672" y="2959421"/>
+            <a:ext cx="200024" cy="187483"/>
+          </a:xfrm>
+          <a:prstGeom prst="actionButtonBackPrevious">
+            <a:avLst/>
+          </a:prstGeom>
+        </p:spPr>
+        <p:style>
+          <a:lnRef idx="2">
+            <a:schemeClr val="accent1">
+              <a:shade val="50000"/>
+            </a:schemeClr>
+          </a:lnRef>
+          <a:fillRef idx="1">
+            <a:schemeClr val="accent1"/>
+          </a:fillRef>
+          <a:effectRef idx="0">
+            <a:schemeClr val="accent1"/>
+          </a:effectRef>
+          <a:fontRef idx="minor">
+            <a:schemeClr val="lt1"/>
+          </a:fontRef>
+        </p:style>
+        <p:txBody>
+          <a:bodyPr rtlCol="0" anchor="ctr"/>
+          <a:lstStyle/>
+          <a:p>
+            <a:pPr marL="0" marR="0" lvl="0" indent="0" algn="ctr" defTabSz="914400" rtl="0" eaLnBrk="1" fontAlgn="auto" latinLnBrk="0" hangingPunct="1">
+              <a:lnSpc>
+                <a:spcPct val="100000"/>
+              </a:lnSpc>
+              <a:spcBef>
+                <a:spcPts val="0"/>
+              </a:spcBef>
+              <a:spcAft>
+                <a:spcPts val="0"/>
+              </a:spcAft>
+              <a:buClrTx/>
+              <a:buSzTx/>
+              <a:buFontTx/>
+              <a:buNone/>
+              <a:tabLst/>
+              <a:defRPr/>
+            </a:pPr>
+            <a:endParaRPr kumimoji="0" lang="en-US" sz="1800" b="0" i="0" u="none" strike="noStrike" kern="1200" cap="none" spc="0" normalizeH="0" baseline="0" noProof="0">
+              <a:ln>
+                <a:noFill/>
+              </a:ln>
+              <a:solidFill>
+                <a:prstClr val="white"/>
+              </a:solidFill>
+              <a:effectLst/>
+              <a:uLnTx/>
+              <a:uFillTx/>
+              <a:latin typeface="Calibri" panose="020F0502020204030204"/>
+              <a:ea typeface="+mn-ea"/>
+              <a:cs typeface="+mn-cs"/>
+            </a:endParaRPr>
+          </a:p>
+        </p:txBody>
+      </p:sp>
+      <p:sp>
+        <p:nvSpPr>
+          <p:cNvPr id="22" name="Action Button: Go Back or Previous 21">
+            <a:hlinkClick r:id="" action="ppaction://noaction" highlightClick="1"/>
+            <a:extLst>
+              <a:ext uri="{FF2B5EF4-FFF2-40B4-BE49-F238E27FC236}">
+                <a16:creationId xmlns:a16="http://schemas.microsoft.com/office/drawing/2014/main" id="{C2782C51-0FFE-49F6-B8BA-00FAAF94A7C6}"/>
+              </a:ext>
+            </a:extLst>
+          </p:cNvPr>
+          <p:cNvSpPr/>
+          <p:nvPr/>
+        </p:nvSpPr>
+        <p:spPr>
+          <a:xfrm rot="16200000">
+            <a:off x="11849672" y="5138922"/>
+            <a:ext cx="200024" cy="187483"/>
+          </a:xfrm>
+          <a:prstGeom prst="actionButtonBackPrevious">
+            <a:avLst/>
+          </a:prstGeom>
+        </p:spPr>
+        <p:style>
+          <a:lnRef idx="2">
+            <a:schemeClr val="accent1">
+              <a:shade val="50000"/>
+            </a:schemeClr>
+          </a:lnRef>
+          <a:fillRef idx="1">
+            <a:schemeClr val="accent1"/>
+          </a:fillRef>
+          <a:effectRef idx="0">
+            <a:schemeClr val="accent1"/>
+          </a:effectRef>
+          <a:fontRef idx="minor">
+            <a:schemeClr val="lt1"/>
+          </a:fontRef>
+        </p:style>
+        <p:txBody>
+          <a:bodyPr rtlCol="0" anchor="ctr"/>
+          <a:lstStyle/>
+          <a:p>
+            <a:pPr marL="0" marR="0" lvl="0" indent="0" algn="ctr" defTabSz="914400" rtl="0" eaLnBrk="1" fontAlgn="auto" latinLnBrk="0" hangingPunct="1">
+              <a:lnSpc>
+                <a:spcPct val="100000"/>
+              </a:lnSpc>
+              <a:spcBef>
+                <a:spcPts val="0"/>
+              </a:spcBef>
+              <a:spcAft>
+                <a:spcPts val="0"/>
+              </a:spcAft>
+              <a:buClrTx/>
+              <a:buSzTx/>
+              <a:buFontTx/>
+              <a:buNone/>
+              <a:tabLst/>
+              <a:defRPr/>
+            </a:pPr>
+            <a:endParaRPr kumimoji="0" lang="en-US" sz="1800" b="0" i="0" u="none" strike="noStrike" kern="1200" cap="none" spc="0" normalizeH="0" baseline="0" noProof="0">
+              <a:ln>
+                <a:noFill/>
+              </a:ln>
+              <a:solidFill>
+                <a:prstClr val="white"/>
+              </a:solidFill>
+              <a:effectLst/>
+              <a:uLnTx/>
+              <a:uFillTx/>
+              <a:latin typeface="Calibri" panose="020F0502020204030204"/>
+              <a:ea typeface="+mn-ea"/>
+              <a:cs typeface="+mn-cs"/>
+            </a:endParaRPr>
+          </a:p>
+        </p:txBody>
+      </p:sp>
+      <p:sp>
+        <p:nvSpPr>
+          <p:cNvPr id="3" name="Rectangle 2">
+            <a:extLst>
+              <a:ext uri="{FF2B5EF4-FFF2-40B4-BE49-F238E27FC236}">
+                <a16:creationId xmlns:a16="http://schemas.microsoft.com/office/drawing/2014/main" id="{02E1F631-8149-47B2-8123-29FCFE368443}"/>
+              </a:ext>
+            </a:extLst>
+          </p:cNvPr>
+          <p:cNvSpPr/>
+          <p:nvPr/>
+        </p:nvSpPr>
+        <p:spPr>
+          <a:xfrm>
+            <a:off x="176389" y="2955352"/>
+            <a:ext cx="5765673" cy="2375421"/>
+          </a:xfrm>
+          <a:prstGeom prst="rect">
+            <a:avLst/>
+          </a:prstGeom>
+          <a:noFill/>
+        </p:spPr>
+        <p:style>
+          <a:lnRef idx="2">
+            <a:schemeClr val="accent1">
+              <a:shade val="50000"/>
+            </a:schemeClr>
+          </a:lnRef>
+          <a:fillRef idx="1">
+            <a:schemeClr val="accent1"/>
+          </a:fillRef>
+          <a:effectRef idx="0">
+            <a:schemeClr val="accent1"/>
+          </a:effectRef>
+          <a:fontRef idx="minor">
+            <a:schemeClr val="lt1"/>
+          </a:fontRef>
+        </p:style>
+        <p:txBody>
+          <a:bodyPr rtlCol="0" anchor="ctr"/>
+          <a:lstStyle/>
+          <a:p>
+            <a:pPr marL="0" marR="0" lvl="0" indent="0" algn="ctr" defTabSz="914400" rtl="0" eaLnBrk="1" fontAlgn="auto" latinLnBrk="0" hangingPunct="1">
+              <a:lnSpc>
+                <a:spcPct val="100000"/>
+              </a:lnSpc>
+              <a:spcBef>
+                <a:spcPts val="0"/>
+              </a:spcBef>
+              <a:spcAft>
+                <a:spcPts val="0"/>
+              </a:spcAft>
+              <a:buClrTx/>
+              <a:buSzTx/>
+              <a:buFontTx/>
+              <a:buNone/>
+              <a:tabLst/>
+              <a:defRPr/>
+            </a:pPr>
+            <a:endParaRPr kumimoji="0" lang="en-US" sz="1800" b="0" i="0" u="none" strike="noStrike" kern="1200" cap="none" spc="0" normalizeH="0" baseline="0" noProof="0">
+              <a:ln>
+                <a:noFill/>
+              </a:ln>
+              <a:solidFill>
+                <a:prstClr val="white"/>
+              </a:solidFill>
+              <a:effectLst/>
+              <a:uLnTx/>
+              <a:uFillTx/>
+              <a:latin typeface="Calibri" panose="020F0502020204030204"/>
+              <a:ea typeface="+mn-ea"/>
+              <a:cs typeface="+mn-cs"/>
+            </a:endParaRPr>
+          </a:p>
+        </p:txBody>
+      </p:sp>
+      <p:sp>
+        <p:nvSpPr>
+          <p:cNvPr id="23" name="Rectangle 22">
+            <a:extLst>
+              <a:ext uri="{FF2B5EF4-FFF2-40B4-BE49-F238E27FC236}">
+                <a16:creationId xmlns:a16="http://schemas.microsoft.com/office/drawing/2014/main" id="{D8A1A327-AD93-49BD-B55F-510209035EEA}"/>
+              </a:ext>
+            </a:extLst>
+          </p:cNvPr>
+          <p:cNvSpPr/>
+          <p:nvPr/>
+        </p:nvSpPr>
+        <p:spPr>
+          <a:xfrm>
+            <a:off x="6215598" y="2936353"/>
+            <a:ext cx="5828644" cy="2397182"/>
+          </a:xfrm>
+          <a:prstGeom prst="rect">
+            <a:avLst/>
+          </a:prstGeom>
+          <a:noFill/>
+        </p:spPr>
+        <p:style>
+          <a:lnRef idx="2">
+            <a:schemeClr val="accent1">
+              <a:shade val="50000"/>
+            </a:schemeClr>
+          </a:lnRef>
+          <a:fillRef idx="1">
+            <a:schemeClr val="accent1"/>
+          </a:fillRef>
+          <a:effectRef idx="0">
+            <a:schemeClr val="accent1"/>
+          </a:effectRef>
+          <a:fontRef idx="minor">
+            <a:schemeClr val="lt1"/>
+          </a:fontRef>
+        </p:style>
+        <p:txBody>
+          <a:bodyPr rtlCol="0" anchor="ctr"/>
+          <a:lstStyle/>
+          <a:p>
+            <a:pPr marL="0" marR="0" lvl="0" indent="0" algn="ctr" defTabSz="914400" rtl="0" eaLnBrk="1" fontAlgn="auto" latinLnBrk="0" hangingPunct="1">
+              <a:lnSpc>
+                <a:spcPct val="100000"/>
+              </a:lnSpc>
+              <a:spcBef>
+                <a:spcPts val="0"/>
+              </a:spcBef>
+              <a:spcAft>
+                <a:spcPts val="0"/>
+              </a:spcAft>
+              <a:buClrTx/>
+              <a:buSzTx/>
+              <a:buFontTx/>
+              <a:buNone/>
+              <a:tabLst/>
+              <a:defRPr/>
+            </a:pPr>
+            <a:endParaRPr kumimoji="0" lang="en-US" sz="1800" b="0" i="0" u="none" strike="noStrike" kern="1200" cap="none" spc="0" normalizeH="0" baseline="0" noProof="0">
+              <a:ln>
+                <a:noFill/>
+              </a:ln>
+              <a:solidFill>
+                <a:prstClr val="white"/>
+              </a:solidFill>
+              <a:effectLst/>
+              <a:uLnTx/>
+              <a:uFillTx/>
+              <a:latin typeface="Calibri" panose="020F0502020204030204"/>
+              <a:ea typeface="+mn-ea"/>
+              <a:cs typeface="+mn-cs"/>
+            </a:endParaRPr>
+          </a:p>
+        </p:txBody>
+      </p:sp>
+      <p:sp>
+        <p:nvSpPr>
+          <p:cNvPr id="26" name="TextBox 25">
+            <a:extLst>
+              <a:ext uri="{FF2B5EF4-FFF2-40B4-BE49-F238E27FC236}">
+                <a16:creationId xmlns:a16="http://schemas.microsoft.com/office/drawing/2014/main" id="{F2FC5854-C924-43DA-B3F6-1DA873DED66D}"/>
+              </a:ext>
+            </a:extLst>
+          </p:cNvPr>
+          <p:cNvSpPr txBox="1"/>
+          <p:nvPr/>
+        </p:nvSpPr>
+        <p:spPr>
+          <a:xfrm>
+            <a:off x="107338" y="134753"/>
+            <a:ext cx="2695994" cy="830997"/>
+          </a:xfrm>
+          <a:prstGeom prst="rect">
+            <a:avLst/>
+          </a:prstGeom>
+          <a:noFill/>
+        </p:spPr>
+        <p:txBody>
+          <a:bodyPr wrap="none" rtlCol="0">
+            <a:spAutoFit/>
+          </a:bodyPr>
+          <a:lstStyle/>
+          <a:p>
+            <a:r>
+              <a:rPr lang="en-US" sz="1600" b="1" dirty="0"/>
+              <a:t>SELECT FLOOD HAZARD TYPE:</a:t>
+            </a:r>
+          </a:p>
+          <a:p>
+            <a:r>
+              <a:rPr kumimoji="0" lang="en-US" sz="1600" b="0" i="0" u="none" strike="noStrike" kern="1200" cap="none" spc="0" normalizeH="0" baseline="0" noProof="0" dirty="0">
+                <a:ln>
+                  <a:noFill/>
+                </a:ln>
+                <a:solidFill>
+                  <a:prstClr val="black"/>
+                </a:solidFill>
+                <a:effectLst/>
+                <a:uLnTx/>
+                <a:uFillTx/>
+                <a:latin typeface="Calibri" panose="020F0502020204030204"/>
+                <a:ea typeface="+mn-ea"/>
+                <a:cs typeface="+mn-cs"/>
+              </a:rPr>
+              <a:t>[Hazard Type]</a:t>
+            </a:r>
+          </a:p>
+          <a:p>
+            <a:endParaRPr lang="en-US" sz="1600" dirty="0"/>
+          </a:p>
+        </p:txBody>
+      </p:sp>
+      <p:sp>
+        <p:nvSpPr>
+          <p:cNvPr id="27" name="TextBox 26">
+            <a:extLst>
+              <a:ext uri="{FF2B5EF4-FFF2-40B4-BE49-F238E27FC236}">
+                <a16:creationId xmlns:a16="http://schemas.microsoft.com/office/drawing/2014/main" id="{BC59CC41-DB8A-489B-BBBD-543D688BAFE0}"/>
+              </a:ext>
+            </a:extLst>
+          </p:cNvPr>
+          <p:cNvSpPr txBox="1"/>
+          <p:nvPr/>
+        </p:nvSpPr>
+        <p:spPr>
+          <a:xfrm>
+            <a:off x="3006862" y="124934"/>
+            <a:ext cx="2973443" cy="830997"/>
+          </a:xfrm>
+          <a:prstGeom prst="rect">
+            <a:avLst/>
+          </a:prstGeom>
+          <a:noFill/>
+        </p:spPr>
+        <p:txBody>
+          <a:bodyPr wrap="none" rtlCol="0">
+            <a:spAutoFit/>
+          </a:bodyPr>
+          <a:lstStyle/>
+          <a:p>
+            <a:r>
+              <a:rPr lang="en-US" sz="1600" b="1" dirty="0"/>
+              <a:t>SELECT FLOOD HAZARD SOURCE:</a:t>
+            </a:r>
+          </a:p>
+          <a:p>
+            <a:r>
+              <a:rPr kumimoji="0" lang="en-US" sz="1600" b="0" i="0" u="none" strike="noStrike" kern="1200" cap="none" spc="0" normalizeH="0" baseline="0" noProof="0" dirty="0">
+                <a:ln>
+                  <a:noFill/>
+                </a:ln>
+                <a:solidFill>
+                  <a:prstClr val="black"/>
+                </a:solidFill>
+                <a:effectLst/>
+                <a:uLnTx/>
+                <a:uFillTx/>
+                <a:latin typeface="Calibri" panose="020F0502020204030204"/>
+                <a:ea typeface="+mn-ea"/>
+                <a:cs typeface="+mn-cs"/>
+              </a:rPr>
+              <a:t>[Data Source]</a:t>
+            </a:r>
+          </a:p>
+          <a:p>
+            <a:endParaRPr lang="en-US" sz="1600" dirty="0"/>
+          </a:p>
+        </p:txBody>
+      </p:sp>
+      <p:sp>
+        <p:nvSpPr>
+          <p:cNvPr id="28" name="TextBox 27">
+            <a:extLst>
+              <a:ext uri="{FF2B5EF4-FFF2-40B4-BE49-F238E27FC236}">
+                <a16:creationId xmlns:a16="http://schemas.microsoft.com/office/drawing/2014/main" id="{5A6B3E43-8936-4212-A5FC-BF3DE7BB060C}"/>
+              </a:ext>
+            </a:extLst>
+          </p:cNvPr>
+          <p:cNvSpPr txBox="1"/>
+          <p:nvPr/>
+        </p:nvSpPr>
+        <p:spPr>
+          <a:xfrm>
+            <a:off x="-23820" y="-317790"/>
+            <a:ext cx="3108864" cy="369332"/>
+          </a:xfrm>
+          <a:prstGeom prst="rect">
+            <a:avLst/>
+          </a:prstGeom>
+          <a:noFill/>
+        </p:spPr>
+        <p:txBody>
+          <a:bodyPr wrap="none" rtlCol="0">
+            <a:spAutoFit/>
+          </a:bodyPr>
+          <a:lstStyle/>
+          <a:p>
+            <a:pPr marL="0" marR="0" lvl="0" indent="0" algn="l" defTabSz="914400" rtl="0" eaLnBrk="1" fontAlgn="auto" latinLnBrk="0" hangingPunct="1">
+              <a:lnSpc>
+                <a:spcPct val="100000"/>
+              </a:lnSpc>
+              <a:spcBef>
+                <a:spcPts val="0"/>
+              </a:spcBef>
+              <a:spcAft>
+                <a:spcPts val="0"/>
+              </a:spcAft>
+              <a:buClrTx/>
+              <a:buSzTx/>
+              <a:buFontTx/>
+              <a:buNone/>
+              <a:tabLst/>
+              <a:defRPr/>
+            </a:pPr>
+            <a:r>
+              <a:rPr kumimoji="0" lang="en-US" sz="1800" b="1" i="0" u="none" strike="noStrike" kern="1200" cap="none" spc="0" normalizeH="0" baseline="0" noProof="0" dirty="0">
+                <a:ln>
+                  <a:noFill/>
+                </a:ln>
+                <a:solidFill>
+                  <a:prstClr val="black"/>
+                </a:solidFill>
+                <a:effectLst/>
+                <a:uLnTx/>
+                <a:uFillTx/>
+                <a:latin typeface="Calibri" panose="020F0502020204030204"/>
+                <a:ea typeface="+mn-ea"/>
+                <a:cs typeface="+mn-cs"/>
+              </a:rPr>
+              <a:t>FLOOD HAZARD IMPORT TOOL</a:t>
+            </a:r>
+          </a:p>
+        </p:txBody>
+      </p:sp>
+      <p:sp>
+        <p:nvSpPr>
+          <p:cNvPr id="29" name="Action Button: Go Back or Previous 28">
+            <a:hlinkClick r:id="" action="ppaction://noaction" highlightClick="1"/>
+            <a:extLst>
+              <a:ext uri="{FF2B5EF4-FFF2-40B4-BE49-F238E27FC236}">
+                <a16:creationId xmlns:a16="http://schemas.microsoft.com/office/drawing/2014/main" id="{C2A68D98-AA14-4EAD-A08D-946FBF537ECC}"/>
+              </a:ext>
+            </a:extLst>
+          </p:cNvPr>
+          <p:cNvSpPr/>
+          <p:nvPr/>
+        </p:nvSpPr>
+        <p:spPr>
+          <a:xfrm rot="16200000">
+            <a:off x="7092823" y="980216"/>
+            <a:ext cx="174227" cy="194334"/>
+          </a:xfrm>
+          <a:prstGeom prst="actionButtonBackPrevious">
+            <a:avLst/>
+          </a:prstGeom>
+          <a:solidFill>
+            <a:schemeClr val="bg2">
+              <a:lumMod val="90000"/>
+            </a:schemeClr>
+          </a:solidFill>
+          <a:ln>
+            <a:solidFill>
+              <a:schemeClr val="bg1">
+                <a:lumMod val="50000"/>
+              </a:schemeClr>
+            </a:solidFill>
+          </a:ln>
+        </p:spPr>
+        <p:style>
+          <a:lnRef idx="2">
+            <a:schemeClr val="accent1">
+              <a:shade val="50000"/>
+            </a:schemeClr>
+          </a:lnRef>
+          <a:fillRef idx="1">
+            <a:schemeClr val="accent1"/>
+          </a:fillRef>
+          <a:effectRef idx="0">
+            <a:schemeClr val="accent1"/>
+          </a:effectRef>
+          <a:fontRef idx="minor">
+            <a:schemeClr val="lt1"/>
+          </a:fontRef>
+        </p:style>
+        <p:txBody>
+          <a:bodyPr rtlCol="0" anchor="ctr"/>
+          <a:lstStyle/>
+          <a:p>
+            <a:pPr marL="0" marR="0" lvl="0" indent="0" algn="ctr" defTabSz="914400" rtl="0" eaLnBrk="1" fontAlgn="auto" latinLnBrk="0" hangingPunct="1">
+              <a:lnSpc>
+                <a:spcPct val="100000"/>
+              </a:lnSpc>
+              <a:spcBef>
+                <a:spcPts val="0"/>
+              </a:spcBef>
+              <a:spcAft>
+                <a:spcPts val="0"/>
+              </a:spcAft>
+              <a:buClrTx/>
+              <a:buSzTx/>
+              <a:buFontTx/>
+              <a:buNone/>
+              <a:tabLst/>
+              <a:defRPr/>
+            </a:pPr>
+            <a:endParaRPr kumimoji="0" lang="en-US" sz="1800" b="0" i="0" u="none" strike="noStrike" kern="1200" cap="none" spc="0" normalizeH="0" baseline="0" noProof="0">
+              <a:ln>
+                <a:noFill/>
+              </a:ln>
+              <a:solidFill>
+                <a:prstClr val="white"/>
+              </a:solidFill>
+              <a:effectLst/>
+              <a:uLnTx/>
+              <a:uFillTx/>
+              <a:latin typeface="Calibri" panose="020F0502020204030204"/>
+              <a:ea typeface="+mn-ea"/>
+              <a:cs typeface="+mn-cs"/>
+            </a:endParaRPr>
+          </a:p>
+        </p:txBody>
+      </p:sp>
+      <p:sp>
+        <p:nvSpPr>
+          <p:cNvPr id="30" name="Action Button: Go Back or Previous 29">
+            <a:hlinkClick r:id="" action="ppaction://noaction" highlightClick="1"/>
+            <a:extLst>
+              <a:ext uri="{FF2B5EF4-FFF2-40B4-BE49-F238E27FC236}">
+                <a16:creationId xmlns:a16="http://schemas.microsoft.com/office/drawing/2014/main" id="{07F4F258-FE80-453E-A4B1-464901199D48}"/>
+              </a:ext>
+            </a:extLst>
+          </p:cNvPr>
+          <p:cNvSpPr/>
+          <p:nvPr/>
+        </p:nvSpPr>
+        <p:spPr>
+          <a:xfrm rot="16200000">
+            <a:off x="7277647" y="1470097"/>
+            <a:ext cx="174227" cy="194334"/>
+          </a:xfrm>
+          <a:prstGeom prst="actionButtonBackPrevious">
+            <a:avLst/>
+          </a:prstGeom>
+          <a:solidFill>
+            <a:schemeClr val="bg2">
+              <a:lumMod val="90000"/>
+            </a:schemeClr>
+          </a:solidFill>
+          <a:ln>
+            <a:solidFill>
+              <a:schemeClr val="bg1">
+                <a:lumMod val="50000"/>
+              </a:schemeClr>
+            </a:solidFill>
+          </a:ln>
+        </p:spPr>
+        <p:style>
+          <a:lnRef idx="2">
+            <a:schemeClr val="accent1">
+              <a:shade val="50000"/>
+            </a:schemeClr>
+          </a:lnRef>
+          <a:fillRef idx="1">
+            <a:schemeClr val="accent1"/>
+          </a:fillRef>
+          <a:effectRef idx="0">
+            <a:schemeClr val="accent1"/>
+          </a:effectRef>
+          <a:fontRef idx="minor">
+            <a:schemeClr val="lt1"/>
+          </a:fontRef>
+        </p:style>
+        <p:txBody>
+          <a:bodyPr rtlCol="0" anchor="ctr"/>
+          <a:lstStyle/>
+          <a:p>
+            <a:pPr marL="0" marR="0" lvl="0" indent="0" algn="ctr" defTabSz="914400" rtl="0" eaLnBrk="1" fontAlgn="auto" latinLnBrk="0" hangingPunct="1">
+              <a:lnSpc>
+                <a:spcPct val="100000"/>
+              </a:lnSpc>
+              <a:spcBef>
+                <a:spcPts val="0"/>
+              </a:spcBef>
+              <a:spcAft>
+                <a:spcPts val="0"/>
+              </a:spcAft>
+              <a:buClrTx/>
+              <a:buSzTx/>
+              <a:buFontTx/>
+              <a:buNone/>
+              <a:tabLst/>
+              <a:defRPr/>
+            </a:pPr>
+            <a:endParaRPr kumimoji="0" lang="en-US" sz="1800" b="0" i="0" u="none" strike="noStrike" kern="1200" cap="none" spc="0" normalizeH="0" baseline="0" noProof="0">
+              <a:ln>
+                <a:noFill/>
+              </a:ln>
+              <a:solidFill>
+                <a:prstClr val="white"/>
+              </a:solidFill>
+              <a:effectLst/>
+              <a:uLnTx/>
+              <a:uFillTx/>
+              <a:latin typeface="Calibri" panose="020F0502020204030204"/>
+              <a:ea typeface="+mn-ea"/>
+              <a:cs typeface="+mn-cs"/>
+            </a:endParaRPr>
+          </a:p>
+        </p:txBody>
+      </p:sp>
+      <p:sp>
+        <p:nvSpPr>
+          <p:cNvPr id="31" name="Action Button: Go Back or Previous 30">
+            <a:hlinkClick r:id="" action="ppaction://noaction" highlightClick="1"/>
+            <a:extLst>
+              <a:ext uri="{FF2B5EF4-FFF2-40B4-BE49-F238E27FC236}">
+                <a16:creationId xmlns:a16="http://schemas.microsoft.com/office/drawing/2014/main" id="{5536E59D-4694-4C42-AB80-CDB4D09C2A42}"/>
+              </a:ext>
+            </a:extLst>
+          </p:cNvPr>
+          <p:cNvSpPr/>
+          <p:nvPr/>
+        </p:nvSpPr>
+        <p:spPr>
+          <a:xfrm rot="16200000">
+            <a:off x="7399188" y="1713342"/>
+            <a:ext cx="174227" cy="194334"/>
+          </a:xfrm>
+          <a:prstGeom prst="actionButtonBackPrevious">
+            <a:avLst/>
+          </a:prstGeom>
+          <a:solidFill>
+            <a:schemeClr val="bg2">
+              <a:lumMod val="90000"/>
+            </a:schemeClr>
+          </a:solidFill>
+          <a:ln>
+            <a:solidFill>
+              <a:schemeClr val="bg1">
+                <a:lumMod val="50000"/>
+              </a:schemeClr>
+            </a:solidFill>
+          </a:ln>
+        </p:spPr>
+        <p:style>
+          <a:lnRef idx="2">
+            <a:schemeClr val="accent1">
+              <a:shade val="50000"/>
+            </a:schemeClr>
+          </a:lnRef>
+          <a:fillRef idx="1">
+            <a:schemeClr val="accent1"/>
+          </a:fillRef>
+          <a:effectRef idx="0">
+            <a:schemeClr val="accent1"/>
+          </a:effectRef>
+          <a:fontRef idx="minor">
+            <a:schemeClr val="lt1"/>
+          </a:fontRef>
+        </p:style>
+        <p:txBody>
+          <a:bodyPr rtlCol="0" anchor="ctr"/>
+          <a:lstStyle/>
+          <a:p>
+            <a:pPr marL="0" marR="0" lvl="0" indent="0" algn="ctr" defTabSz="914400" rtl="0" eaLnBrk="1" fontAlgn="auto" latinLnBrk="0" hangingPunct="1">
+              <a:lnSpc>
+                <a:spcPct val="100000"/>
+              </a:lnSpc>
+              <a:spcBef>
+                <a:spcPts val="0"/>
+              </a:spcBef>
+              <a:spcAft>
+                <a:spcPts val="0"/>
+              </a:spcAft>
+              <a:buClrTx/>
+              <a:buSzTx/>
+              <a:buFontTx/>
+              <a:buNone/>
+              <a:tabLst/>
+              <a:defRPr/>
+            </a:pPr>
+            <a:endParaRPr kumimoji="0" lang="en-US" sz="1800" b="0" i="0" u="none" strike="noStrike" kern="1200" cap="none" spc="0" normalizeH="0" baseline="0" noProof="0">
+              <a:ln>
+                <a:noFill/>
+              </a:ln>
+              <a:solidFill>
+                <a:prstClr val="white"/>
+              </a:solidFill>
+              <a:effectLst/>
+              <a:uLnTx/>
+              <a:uFillTx/>
+              <a:latin typeface="Calibri" panose="020F0502020204030204"/>
+              <a:ea typeface="+mn-ea"/>
+              <a:cs typeface="+mn-cs"/>
+            </a:endParaRPr>
+          </a:p>
+        </p:txBody>
+      </p:sp>
+      <p:sp>
+        <p:nvSpPr>
+          <p:cNvPr id="32" name="Action Button: Go Back or Previous 31">
+            <a:hlinkClick r:id="" action="ppaction://noaction" highlightClick="1"/>
+            <a:extLst>
+              <a:ext uri="{FF2B5EF4-FFF2-40B4-BE49-F238E27FC236}">
+                <a16:creationId xmlns:a16="http://schemas.microsoft.com/office/drawing/2014/main" id="{BF5CA8AF-3137-4804-9BB6-58650E2C7432}"/>
+              </a:ext>
+            </a:extLst>
+          </p:cNvPr>
+          <p:cNvSpPr/>
+          <p:nvPr/>
+        </p:nvSpPr>
+        <p:spPr>
+          <a:xfrm rot="16200000">
+            <a:off x="4223911" y="443264"/>
+            <a:ext cx="174227" cy="194334"/>
+          </a:xfrm>
+          <a:prstGeom prst="actionButtonBackPrevious">
+            <a:avLst/>
+          </a:prstGeom>
+          <a:solidFill>
+            <a:schemeClr val="bg2">
+              <a:lumMod val="90000"/>
+            </a:schemeClr>
+          </a:solidFill>
+          <a:ln>
+            <a:solidFill>
+              <a:schemeClr val="bg1">
+                <a:lumMod val="50000"/>
+              </a:schemeClr>
+            </a:solidFill>
+          </a:ln>
+        </p:spPr>
+        <p:style>
+          <a:lnRef idx="2">
+            <a:schemeClr val="accent1">
+              <a:shade val="50000"/>
+            </a:schemeClr>
+          </a:lnRef>
+          <a:fillRef idx="1">
+            <a:schemeClr val="accent1"/>
+          </a:fillRef>
+          <a:effectRef idx="0">
+            <a:schemeClr val="accent1"/>
+          </a:effectRef>
+          <a:fontRef idx="minor">
+            <a:schemeClr val="lt1"/>
+          </a:fontRef>
+        </p:style>
+        <p:txBody>
+          <a:bodyPr rtlCol="0" anchor="ctr"/>
+          <a:lstStyle/>
+          <a:p>
+            <a:pPr marL="0" marR="0" lvl="0" indent="0" algn="ctr" defTabSz="914400" rtl="0" eaLnBrk="1" fontAlgn="auto" latinLnBrk="0" hangingPunct="1">
+              <a:lnSpc>
+                <a:spcPct val="100000"/>
+              </a:lnSpc>
+              <a:spcBef>
+                <a:spcPts val="0"/>
+              </a:spcBef>
+              <a:spcAft>
+                <a:spcPts val="0"/>
+              </a:spcAft>
+              <a:buClrTx/>
+              <a:buSzTx/>
+              <a:buFontTx/>
+              <a:buNone/>
+              <a:tabLst/>
+              <a:defRPr/>
+            </a:pPr>
+            <a:endParaRPr kumimoji="0" lang="en-US" sz="1800" b="0" i="0" u="none" strike="noStrike" kern="1200" cap="none" spc="0" normalizeH="0" baseline="0" noProof="0">
+              <a:ln>
+                <a:noFill/>
+              </a:ln>
+              <a:solidFill>
+                <a:prstClr val="white"/>
+              </a:solidFill>
+              <a:effectLst/>
+              <a:uLnTx/>
+              <a:uFillTx/>
+              <a:latin typeface="Calibri" panose="020F0502020204030204"/>
+              <a:ea typeface="+mn-ea"/>
+              <a:cs typeface="+mn-cs"/>
+            </a:endParaRPr>
+          </a:p>
+        </p:txBody>
+      </p:sp>
+      <p:sp>
+        <p:nvSpPr>
+          <p:cNvPr id="33" name="Action Button: Go Back or Previous 32">
+            <a:hlinkClick r:id="" action="ppaction://noaction" highlightClick="1"/>
+            <a:extLst>
+              <a:ext uri="{FF2B5EF4-FFF2-40B4-BE49-F238E27FC236}">
+                <a16:creationId xmlns:a16="http://schemas.microsoft.com/office/drawing/2014/main" id="{57E06BA8-142F-4F46-B4A9-00273CA36A63}"/>
+              </a:ext>
+            </a:extLst>
+          </p:cNvPr>
+          <p:cNvSpPr/>
+          <p:nvPr/>
+        </p:nvSpPr>
+        <p:spPr>
+          <a:xfrm rot="16200000">
+            <a:off x="1347635" y="456542"/>
+            <a:ext cx="174227" cy="194334"/>
+          </a:xfrm>
+          <a:prstGeom prst="actionButtonBackPrevious">
+            <a:avLst/>
+          </a:prstGeom>
+          <a:solidFill>
+            <a:schemeClr val="bg2">
+              <a:lumMod val="90000"/>
+            </a:schemeClr>
+          </a:solidFill>
+          <a:ln>
+            <a:solidFill>
+              <a:schemeClr val="bg1">
+                <a:lumMod val="50000"/>
+              </a:schemeClr>
+            </a:solidFill>
+          </a:ln>
+        </p:spPr>
+        <p:style>
+          <a:lnRef idx="2">
+            <a:schemeClr val="accent1">
+              <a:shade val="50000"/>
+            </a:schemeClr>
+          </a:lnRef>
+          <a:fillRef idx="1">
+            <a:schemeClr val="accent1"/>
+          </a:fillRef>
+          <a:effectRef idx="0">
+            <a:schemeClr val="accent1"/>
+          </a:effectRef>
+          <a:fontRef idx="minor">
+            <a:schemeClr val="lt1"/>
+          </a:fontRef>
+        </p:style>
+        <p:txBody>
+          <a:bodyPr rtlCol="0" anchor="ctr"/>
+          <a:lstStyle/>
+          <a:p>
+            <a:pPr marL="0" marR="0" lvl="0" indent="0" algn="ctr" defTabSz="914400" rtl="0" eaLnBrk="1" fontAlgn="auto" latinLnBrk="0" hangingPunct="1">
+              <a:lnSpc>
+                <a:spcPct val="100000"/>
+              </a:lnSpc>
+              <a:spcBef>
+                <a:spcPts val="0"/>
+              </a:spcBef>
+              <a:spcAft>
+                <a:spcPts val="0"/>
+              </a:spcAft>
+              <a:buClrTx/>
+              <a:buSzTx/>
+              <a:buFontTx/>
+              <a:buNone/>
+              <a:tabLst/>
+              <a:defRPr/>
+            </a:pPr>
+            <a:endParaRPr kumimoji="0" lang="en-US" sz="1800" b="0" i="0" u="none" strike="noStrike" kern="1200" cap="none" spc="0" normalizeH="0" baseline="0" noProof="0">
+              <a:ln>
+                <a:noFill/>
+              </a:ln>
+              <a:solidFill>
+                <a:prstClr val="white"/>
+              </a:solidFill>
+              <a:effectLst/>
+              <a:uLnTx/>
+              <a:uFillTx/>
+              <a:latin typeface="Calibri" panose="020F0502020204030204"/>
+              <a:ea typeface="+mn-ea"/>
+              <a:cs typeface="+mn-cs"/>
+            </a:endParaRPr>
+          </a:p>
+        </p:txBody>
+      </p:sp>
+    </p:spTree>
+    <p:extLst>
+      <p:ext uri="{BB962C8B-B14F-4D97-AF65-F5344CB8AC3E}">
+        <p14:creationId xmlns:p14="http://schemas.microsoft.com/office/powerpoint/2010/main" val="1537243088"/>
+      </p:ext>
+    </p:extLst>
+  </p:cSld>
+  <p:clrMapOvr>
+    <a:masterClrMapping/>
+  </p:clrMapOvr>
+</p:sld>
+</file>
+
+<file path=ppt/slides/slide3.xml><?xml version="1.0" encoding="utf-8"?>
+<p:sld xmlns:a="http://schemas.openxmlformats.org/drawingml/2006/main" xmlns:r="http://schemas.openxmlformats.org/officeDocument/2006/relationships" xmlns:p="http://schemas.openxmlformats.org/presentationml/2006/main">
+  <p:cSld>
+    <p:spTree>
+      <p:nvGrpSpPr>
+        <p:cNvPr id="1" name=""/>
+        <p:cNvGrpSpPr/>
+        <p:nvPr/>
+      </p:nvGrpSpPr>
+      <p:grpSpPr>
+        <a:xfrm>
+          <a:off x="0" y="0"/>
+          <a:ext cx="0" cy="0"/>
+          <a:chOff x="0" y="0"/>
+          <a:chExt cx="0" cy="0"/>
+        </a:xfrm>
+      </p:grpSpPr>
+      <p:sp>
+        <p:nvSpPr>
+          <p:cNvPr id="6" name="TextBox 5">
+            <a:extLst>
+              <a:ext uri="{FF2B5EF4-FFF2-40B4-BE49-F238E27FC236}">
+                <a16:creationId xmlns:a16="http://schemas.microsoft.com/office/drawing/2014/main" id="{6DC8EEEA-C4E4-4146-B1E5-C58153B5CF64}"/>
+              </a:ext>
+            </a:extLst>
+          </p:cNvPr>
+          <p:cNvSpPr txBox="1"/>
+          <p:nvPr/>
+        </p:nvSpPr>
+        <p:spPr>
+          <a:xfrm>
+            <a:off x="539138" y="1711410"/>
+            <a:ext cx="4403065" cy="1569660"/>
+          </a:xfrm>
+          <a:prstGeom prst="rect">
+            <a:avLst/>
+          </a:prstGeom>
+          <a:noFill/>
+        </p:spPr>
+        <p:txBody>
+          <a:bodyPr wrap="none" rtlCol="0">
+            <a:spAutoFit/>
+          </a:bodyPr>
+          <a:lstStyle/>
+          <a:p>
+            <a:pPr marL="0" marR="0" lvl="0" indent="0" algn="l" defTabSz="914400" rtl="0" eaLnBrk="1" fontAlgn="auto" latinLnBrk="0" hangingPunct="1">
+              <a:lnSpc>
+                <a:spcPct val="100000"/>
+              </a:lnSpc>
+              <a:spcBef>
+                <a:spcPts val="0"/>
+              </a:spcBef>
+              <a:spcAft>
+                <a:spcPts val="0"/>
+              </a:spcAft>
+              <a:buClrTx/>
+              <a:buSzTx/>
+              <a:buFontTx/>
+              <a:buNone/>
+              <a:tabLst/>
+              <a:defRPr/>
+            </a:pPr>
+            <a:r>
+              <a:rPr kumimoji="0" lang="en-US" sz="1600" b="1" i="0" u="none" strike="noStrike" kern="1200" cap="none" spc="0" normalizeH="0" baseline="0" noProof="0" dirty="0">
+                <a:ln>
+                  <a:noFill/>
+                </a:ln>
+                <a:solidFill>
+                  <a:prstClr val="black"/>
+                </a:solidFill>
+                <a:effectLst/>
+                <a:uLnTx/>
+                <a:uFillTx/>
+                <a:latin typeface="Calibri" panose="020F0502020204030204"/>
+                <a:ea typeface="+mn-ea"/>
+                <a:cs typeface="+mn-cs"/>
+              </a:rPr>
+              <a:t>3 FLOOD HAZARD SOURCE SEARCH PARAMETERS:</a:t>
+            </a:r>
+            <a:endParaRPr kumimoji="0" lang="en-US" sz="1600" b="0" i="0" u="none" strike="noStrike" kern="1200" cap="none" spc="0" normalizeH="0" baseline="0" noProof="0" dirty="0">
+              <a:ln>
+                <a:noFill/>
+              </a:ln>
+              <a:solidFill>
+                <a:prstClr val="black"/>
+              </a:solidFill>
+              <a:effectLst/>
+              <a:uLnTx/>
+              <a:uFillTx/>
+              <a:latin typeface="Calibri" panose="020F0502020204030204"/>
+              <a:ea typeface="+mn-ea"/>
+              <a:cs typeface="+mn-cs"/>
+            </a:endParaRPr>
+          </a:p>
+          <a:p>
+            <a:pPr marL="0" marR="0" lvl="0" indent="0" algn="l" defTabSz="914400" rtl="0" eaLnBrk="1" fontAlgn="auto" latinLnBrk="0" hangingPunct="1">
+              <a:lnSpc>
+                <a:spcPct val="100000"/>
+              </a:lnSpc>
+              <a:spcBef>
+                <a:spcPts val="0"/>
+              </a:spcBef>
+              <a:spcAft>
+                <a:spcPts val="0"/>
+              </a:spcAft>
+              <a:buClrTx/>
+              <a:buSzTx/>
+              <a:buFontTx/>
+              <a:buNone/>
+              <a:tabLst/>
+              <a:defRPr/>
+            </a:pPr>
+            <a:endParaRPr kumimoji="0" lang="en-US" sz="1600" b="0" i="0" u="none" strike="noStrike" kern="1200" cap="none" spc="0" normalizeH="0" baseline="0" noProof="0" dirty="0">
+              <a:ln>
+                <a:noFill/>
+              </a:ln>
+              <a:solidFill>
+                <a:prstClr val="black"/>
+              </a:solidFill>
+              <a:effectLst/>
+              <a:uLnTx/>
+              <a:uFillTx/>
+              <a:latin typeface="Calibri" panose="020F0502020204030204"/>
+              <a:ea typeface="+mn-ea"/>
+              <a:cs typeface="+mn-cs"/>
+            </a:endParaRPr>
+          </a:p>
+          <a:p>
+            <a:pPr marL="0" marR="0" lvl="0" indent="0" algn="l" defTabSz="914400" rtl="0" eaLnBrk="1" fontAlgn="auto" latinLnBrk="0" hangingPunct="1">
+              <a:lnSpc>
+                <a:spcPct val="100000"/>
+              </a:lnSpc>
+              <a:spcBef>
+                <a:spcPts val="0"/>
+              </a:spcBef>
+              <a:spcAft>
+                <a:spcPts val="0"/>
+              </a:spcAft>
+              <a:buClrTx/>
+              <a:buSzTx/>
+              <a:buFontTx/>
+              <a:buNone/>
+              <a:tabLst/>
+              <a:defRPr/>
+            </a:pPr>
+            <a:r>
+              <a:rPr kumimoji="0" lang="en-US" sz="1600" b="0" i="0" u="none" strike="noStrike" kern="1200" cap="none" spc="0" normalizeH="0" baseline="0" noProof="0" dirty="0">
+                <a:ln>
+                  <a:noFill/>
+                </a:ln>
+                <a:solidFill>
+                  <a:prstClr val="black"/>
+                </a:solidFill>
+                <a:effectLst/>
+                <a:uLnTx/>
+                <a:uFillTx/>
+                <a:latin typeface="Calibri" panose="020F0502020204030204"/>
+                <a:ea typeface="+mn-ea"/>
+                <a:cs typeface="+mn-cs"/>
+              </a:rPr>
+              <a:t>[Year List ]</a:t>
+            </a:r>
+          </a:p>
+          <a:p>
+            <a:pPr marL="0" marR="0" lvl="0" indent="0" algn="l" defTabSz="914400" rtl="0" eaLnBrk="1" fontAlgn="auto" latinLnBrk="0" hangingPunct="1">
+              <a:lnSpc>
+                <a:spcPct val="100000"/>
+              </a:lnSpc>
+              <a:spcBef>
+                <a:spcPts val="0"/>
+              </a:spcBef>
+              <a:spcAft>
+                <a:spcPts val="0"/>
+              </a:spcAft>
+              <a:buClrTx/>
+              <a:buSzTx/>
+              <a:buFontTx/>
+              <a:buNone/>
+              <a:tabLst/>
+              <a:defRPr/>
+            </a:pPr>
+            <a:r>
+              <a:rPr lang="en-US" sz="1600" dirty="0">
+                <a:solidFill>
+                  <a:prstClr val="black"/>
+                </a:solidFill>
+                <a:latin typeface="Calibri" panose="020F0502020204030204"/>
+              </a:rPr>
+              <a:t>[</a:t>
+            </a:r>
+            <a:r>
+              <a:rPr lang="en-US" sz="1600" dirty="0" err="1">
+                <a:solidFill>
+                  <a:prstClr val="black"/>
+                </a:solidFill>
+                <a:latin typeface="Calibri" panose="020F0502020204030204"/>
+              </a:rPr>
+              <a:t>WeatherType</a:t>
+            </a:r>
+            <a:r>
+              <a:rPr lang="en-US" sz="1600" dirty="0">
+                <a:solidFill>
+                  <a:prstClr val="black"/>
+                </a:solidFill>
+                <a:latin typeface="Calibri" panose="020F0502020204030204"/>
+              </a:rPr>
+              <a:t>]</a:t>
+            </a:r>
+            <a:endParaRPr kumimoji="0" lang="en-US" sz="1600" b="0" i="0" u="none" strike="noStrike" kern="1200" cap="none" spc="0" normalizeH="0" baseline="0" noProof="0" dirty="0">
+              <a:ln>
+                <a:noFill/>
+              </a:ln>
+              <a:solidFill>
+                <a:prstClr val="black"/>
+              </a:solidFill>
+              <a:effectLst/>
+              <a:uLnTx/>
+              <a:uFillTx/>
+              <a:latin typeface="Calibri" panose="020F0502020204030204"/>
+              <a:ea typeface="+mn-ea"/>
+              <a:cs typeface="+mn-cs"/>
+            </a:endParaRPr>
+          </a:p>
+          <a:p>
+            <a:pPr marL="0" marR="0" lvl="0" indent="0" algn="l" defTabSz="914400" rtl="0" eaLnBrk="1" fontAlgn="auto" latinLnBrk="0" hangingPunct="1">
+              <a:lnSpc>
+                <a:spcPct val="100000"/>
+              </a:lnSpc>
+              <a:spcBef>
+                <a:spcPts val="0"/>
+              </a:spcBef>
+              <a:spcAft>
+                <a:spcPts val="0"/>
+              </a:spcAft>
+              <a:buClrTx/>
+              <a:buSzTx/>
+              <a:buFontTx/>
+              <a:buNone/>
+              <a:tabLst/>
+              <a:defRPr/>
+            </a:pPr>
+            <a:r>
+              <a:rPr kumimoji="0" lang="en-US" sz="1600" b="0" i="0" u="none" strike="noStrike" kern="1200" cap="none" spc="0" normalizeH="0" baseline="0" noProof="0" dirty="0">
+                <a:ln>
+                  <a:noFill/>
+                </a:ln>
+                <a:solidFill>
+                  <a:prstClr val="black"/>
+                </a:solidFill>
+                <a:effectLst/>
+                <a:uLnTx/>
+                <a:uFillTx/>
+                <a:latin typeface="Calibri" panose="020F0502020204030204"/>
+                <a:ea typeface="+mn-ea"/>
+                <a:cs typeface="+mn-cs"/>
+              </a:rPr>
+              <a:t>[Storm List ]</a:t>
+            </a:r>
+          </a:p>
+          <a:p>
+            <a:pPr marL="0" marR="0" lvl="0" indent="0" algn="l" defTabSz="914400" rtl="0" eaLnBrk="1" fontAlgn="auto" latinLnBrk="0" hangingPunct="1">
+              <a:lnSpc>
+                <a:spcPct val="100000"/>
+              </a:lnSpc>
+              <a:spcBef>
+                <a:spcPts val="0"/>
+              </a:spcBef>
+              <a:spcAft>
+                <a:spcPts val="0"/>
+              </a:spcAft>
+              <a:buClrTx/>
+              <a:buSzTx/>
+              <a:buFontTx/>
+              <a:buNone/>
+              <a:tabLst/>
+              <a:defRPr/>
+            </a:pPr>
+            <a:r>
+              <a:rPr kumimoji="0" lang="en-US" sz="1600" b="0" i="0" u="none" strike="noStrike" kern="1200" cap="none" spc="0" normalizeH="0" baseline="0" noProof="0" dirty="0">
+                <a:ln>
+                  <a:noFill/>
+                </a:ln>
+                <a:solidFill>
+                  <a:prstClr val="black"/>
+                </a:solidFill>
+                <a:effectLst/>
+                <a:uLnTx/>
+                <a:uFillTx/>
+                <a:latin typeface="Calibri" panose="020F0502020204030204"/>
+                <a:ea typeface="+mn-ea"/>
+                <a:cs typeface="+mn-cs"/>
+              </a:rPr>
+              <a:t>[Advisory List]</a:t>
+            </a:r>
+          </a:p>
+        </p:txBody>
+      </p:sp>
+      <p:sp>
+        <p:nvSpPr>
+          <p:cNvPr id="7" name="TextBox 6">
+            <a:extLst>
+              <a:ext uri="{FF2B5EF4-FFF2-40B4-BE49-F238E27FC236}">
+                <a16:creationId xmlns:a16="http://schemas.microsoft.com/office/drawing/2014/main" id="{8C6D17C8-6C55-4CDD-A27A-B2B30C4C2B23}"/>
+              </a:ext>
+            </a:extLst>
+          </p:cNvPr>
+          <p:cNvSpPr txBox="1"/>
+          <p:nvPr/>
+        </p:nvSpPr>
+        <p:spPr>
+          <a:xfrm>
+            <a:off x="6149198" y="109353"/>
+            <a:ext cx="3187539" cy="2554545"/>
+          </a:xfrm>
+          <a:prstGeom prst="rect">
+            <a:avLst/>
+          </a:prstGeom>
+          <a:noFill/>
+        </p:spPr>
+        <p:txBody>
+          <a:bodyPr wrap="none" rtlCol="0">
+            <a:spAutoFit/>
+          </a:bodyPr>
+          <a:lstStyle/>
+          <a:p>
+            <a:pPr marL="0" marR="0" lvl="0" indent="0" algn="l" defTabSz="914400" rtl="0" eaLnBrk="1" fontAlgn="auto" latinLnBrk="0" hangingPunct="1">
+              <a:lnSpc>
+                <a:spcPct val="100000"/>
+              </a:lnSpc>
+              <a:spcBef>
+                <a:spcPts val="0"/>
+              </a:spcBef>
+              <a:spcAft>
+                <a:spcPts val="0"/>
+              </a:spcAft>
+              <a:buClrTx/>
+              <a:buSzTx/>
+              <a:buFontTx/>
+              <a:buNone/>
+              <a:tabLst/>
+              <a:defRPr/>
+            </a:pPr>
+            <a:r>
+              <a:rPr kumimoji="0" lang="en-US" sz="1600" b="1" i="0" u="none" strike="noStrike" kern="1200" cap="none" spc="0" normalizeH="0" baseline="0" noProof="0" dirty="0">
+                <a:ln>
+                  <a:noFill/>
+                </a:ln>
+                <a:solidFill>
+                  <a:prstClr val="black"/>
+                </a:solidFill>
+                <a:effectLst/>
+                <a:uLnTx/>
+                <a:uFillTx/>
+                <a:latin typeface="Calibri" panose="020F0502020204030204"/>
+                <a:ea typeface="+mn-ea"/>
+                <a:cs typeface="+mn-cs"/>
+              </a:rPr>
+              <a:t>4 AVAILABLE FLOOD HAZARD FILES:</a:t>
+            </a:r>
+          </a:p>
+          <a:p>
+            <a:pPr marL="0" marR="0" lvl="0" indent="0" algn="l" defTabSz="914400" rtl="0" eaLnBrk="1" fontAlgn="auto" latinLnBrk="0" hangingPunct="1">
+              <a:lnSpc>
+                <a:spcPct val="100000"/>
+              </a:lnSpc>
+              <a:spcBef>
+                <a:spcPts val="0"/>
+              </a:spcBef>
+              <a:spcAft>
+                <a:spcPts val="0"/>
+              </a:spcAft>
+              <a:buClrTx/>
+              <a:buSzTx/>
+              <a:buFontTx/>
+              <a:buNone/>
+              <a:tabLst/>
+              <a:defRPr/>
+            </a:pPr>
+            <a:r>
+              <a:rPr kumimoji="0" lang="en-US" sz="1600" b="0" i="0" u="none" strike="noStrike" kern="1200" cap="none" spc="0" normalizeH="0" baseline="0" noProof="0" dirty="0">
+                <a:ln>
+                  <a:noFill/>
+                </a:ln>
+                <a:solidFill>
+                  <a:prstClr val="black"/>
+                </a:solidFill>
+                <a:effectLst/>
+                <a:uLnTx/>
+                <a:uFillTx/>
+                <a:latin typeface="Calibri" panose="020F0502020204030204"/>
+                <a:ea typeface="+mn-ea"/>
+                <a:cs typeface="+mn-cs"/>
+              </a:rPr>
+              <a:t>File 1</a:t>
+            </a:r>
+          </a:p>
+          <a:p>
+            <a:pPr marL="0" marR="0" lvl="0" indent="0" algn="l" defTabSz="914400" rtl="0" eaLnBrk="1" fontAlgn="auto" latinLnBrk="0" hangingPunct="1">
+              <a:lnSpc>
+                <a:spcPct val="100000"/>
+              </a:lnSpc>
+              <a:spcBef>
+                <a:spcPts val="0"/>
+              </a:spcBef>
+              <a:spcAft>
+                <a:spcPts val="0"/>
+              </a:spcAft>
+              <a:buClrTx/>
+              <a:buSzTx/>
+              <a:buFontTx/>
+              <a:buNone/>
+              <a:tabLst/>
+              <a:defRPr/>
+            </a:pPr>
+            <a:r>
+              <a:rPr kumimoji="0" lang="en-US" sz="1600" b="0" i="0" u="none" strike="noStrike" kern="1200" cap="none" spc="0" normalizeH="0" baseline="0" noProof="0" dirty="0">
+                <a:ln>
+                  <a:noFill/>
+                </a:ln>
+                <a:solidFill>
+                  <a:prstClr val="black"/>
+                </a:solidFill>
+                <a:effectLst/>
+                <a:uLnTx/>
+                <a:uFillTx/>
+                <a:latin typeface="Calibri" panose="020F0502020204030204"/>
+                <a:ea typeface="+mn-ea"/>
+                <a:cs typeface="+mn-cs"/>
+              </a:rPr>
+              <a:t>File 2</a:t>
+            </a:r>
+          </a:p>
+          <a:p>
+            <a:pPr marL="0" marR="0" lvl="0" indent="0" algn="l" defTabSz="914400" rtl="0" eaLnBrk="1" fontAlgn="auto" latinLnBrk="0" hangingPunct="1">
+              <a:lnSpc>
+                <a:spcPct val="100000"/>
+              </a:lnSpc>
+              <a:spcBef>
+                <a:spcPts val="0"/>
+              </a:spcBef>
+              <a:spcAft>
+                <a:spcPts val="0"/>
+              </a:spcAft>
+              <a:buClrTx/>
+              <a:buSzTx/>
+              <a:buFontTx/>
+              <a:buNone/>
+              <a:tabLst/>
+              <a:defRPr/>
+            </a:pPr>
+            <a:r>
+              <a:rPr kumimoji="0" lang="en-US" sz="1600" b="0" i="0" u="none" strike="noStrike" kern="1200" cap="none" spc="0" normalizeH="0" baseline="0" noProof="0" dirty="0">
+                <a:ln>
+                  <a:noFill/>
+                </a:ln>
+                <a:solidFill>
+                  <a:prstClr val="black"/>
+                </a:solidFill>
+                <a:effectLst/>
+                <a:uLnTx/>
+                <a:uFillTx/>
+                <a:latin typeface="Calibri" panose="020F0502020204030204"/>
+                <a:ea typeface="+mn-ea"/>
+                <a:cs typeface="+mn-cs"/>
+              </a:rPr>
+              <a:t>File 3</a:t>
+            </a:r>
+          </a:p>
+          <a:p>
+            <a:pPr marL="0" marR="0" lvl="0" indent="0" algn="l" defTabSz="914400" rtl="0" eaLnBrk="1" fontAlgn="auto" latinLnBrk="0" hangingPunct="1">
+              <a:lnSpc>
+                <a:spcPct val="100000"/>
+              </a:lnSpc>
+              <a:spcBef>
+                <a:spcPts val="0"/>
+              </a:spcBef>
+              <a:spcAft>
+                <a:spcPts val="0"/>
+              </a:spcAft>
+              <a:buClrTx/>
+              <a:buSzTx/>
+              <a:buFontTx/>
+              <a:buNone/>
+              <a:tabLst/>
+              <a:defRPr/>
+            </a:pPr>
+            <a:r>
+              <a:rPr kumimoji="0" lang="en-US" sz="1600" b="0" i="0" u="none" strike="noStrike" kern="1200" cap="none" spc="0" normalizeH="0" baseline="0" noProof="0" dirty="0">
+                <a:ln>
+                  <a:noFill/>
+                </a:ln>
+                <a:solidFill>
+                  <a:prstClr val="black"/>
+                </a:solidFill>
+                <a:effectLst/>
+                <a:uLnTx/>
+                <a:uFillTx/>
+                <a:latin typeface="Calibri" panose="020F0502020204030204"/>
+                <a:ea typeface="+mn-ea"/>
+                <a:cs typeface="+mn-cs"/>
+              </a:rPr>
+              <a:t>File 4</a:t>
+            </a:r>
+          </a:p>
+          <a:p>
+            <a:pPr marL="0" marR="0" lvl="0" indent="0" algn="l" defTabSz="914400" rtl="0" eaLnBrk="1" fontAlgn="auto" latinLnBrk="0" hangingPunct="1">
+              <a:lnSpc>
+                <a:spcPct val="100000"/>
+              </a:lnSpc>
+              <a:spcBef>
+                <a:spcPts val="0"/>
+              </a:spcBef>
+              <a:spcAft>
+                <a:spcPts val="0"/>
+              </a:spcAft>
+              <a:buClrTx/>
+              <a:buSzTx/>
+              <a:buFontTx/>
+              <a:buNone/>
+              <a:tabLst/>
+              <a:defRPr/>
+            </a:pPr>
+            <a:r>
+              <a:rPr kumimoji="0" lang="en-US" sz="1600" b="0" i="0" u="none" strike="noStrike" kern="1200" cap="none" spc="0" normalizeH="0" baseline="0" noProof="0" dirty="0">
+                <a:ln>
+                  <a:noFill/>
+                </a:ln>
+                <a:solidFill>
+                  <a:prstClr val="black"/>
+                </a:solidFill>
+                <a:effectLst/>
+                <a:uLnTx/>
+                <a:uFillTx/>
+                <a:latin typeface="Calibri" panose="020F0502020204030204"/>
+                <a:ea typeface="+mn-ea"/>
+                <a:cs typeface="+mn-cs"/>
+              </a:rPr>
+              <a:t>File 5</a:t>
+            </a:r>
+          </a:p>
+          <a:p>
+            <a:pPr marL="0" marR="0" lvl="0" indent="0" algn="l" defTabSz="914400" rtl="0" eaLnBrk="1" fontAlgn="auto" latinLnBrk="0" hangingPunct="1">
+              <a:lnSpc>
+                <a:spcPct val="100000"/>
+              </a:lnSpc>
+              <a:spcBef>
+                <a:spcPts val="0"/>
+              </a:spcBef>
+              <a:spcAft>
+                <a:spcPts val="0"/>
+              </a:spcAft>
+              <a:buClrTx/>
+              <a:buSzTx/>
+              <a:buFontTx/>
+              <a:buNone/>
+              <a:tabLst/>
+              <a:defRPr/>
+            </a:pPr>
+            <a:r>
+              <a:rPr kumimoji="0" lang="en-US" sz="1600" b="0" i="0" u="none" strike="noStrike" kern="1200" cap="none" spc="0" normalizeH="0" baseline="0" noProof="0" dirty="0">
+                <a:ln>
+                  <a:noFill/>
+                </a:ln>
+                <a:solidFill>
+                  <a:prstClr val="black"/>
+                </a:solidFill>
+                <a:effectLst/>
+                <a:uLnTx/>
+                <a:uFillTx/>
+                <a:latin typeface="Calibri" panose="020F0502020204030204"/>
+                <a:ea typeface="+mn-ea"/>
+                <a:cs typeface="+mn-cs"/>
+              </a:rPr>
+              <a:t>File 6</a:t>
+            </a:r>
+          </a:p>
+          <a:p>
+            <a:pPr marL="0" marR="0" lvl="0" indent="0" algn="l" defTabSz="914400" rtl="0" eaLnBrk="1" fontAlgn="auto" latinLnBrk="0" hangingPunct="1">
+              <a:lnSpc>
+                <a:spcPct val="100000"/>
+              </a:lnSpc>
+              <a:spcBef>
+                <a:spcPts val="0"/>
+              </a:spcBef>
+              <a:spcAft>
+                <a:spcPts val="0"/>
+              </a:spcAft>
+              <a:buClrTx/>
+              <a:buSzTx/>
+              <a:buFontTx/>
+              <a:buNone/>
+              <a:tabLst/>
+              <a:defRPr/>
+            </a:pPr>
+            <a:r>
+              <a:rPr kumimoji="0" lang="en-US" sz="1600" b="0" i="0" u="none" strike="noStrike" kern="1200" cap="none" spc="0" normalizeH="0" baseline="0" noProof="0" dirty="0">
+                <a:ln>
+                  <a:noFill/>
+                </a:ln>
+                <a:solidFill>
+                  <a:prstClr val="black"/>
+                </a:solidFill>
+                <a:effectLst/>
+                <a:uLnTx/>
+                <a:uFillTx/>
+                <a:latin typeface="Calibri" panose="020F0502020204030204"/>
+                <a:ea typeface="+mn-ea"/>
+                <a:cs typeface="+mn-cs"/>
+              </a:rPr>
+              <a:t>File 7</a:t>
+            </a:r>
+          </a:p>
+          <a:p>
+            <a:pPr marL="0" marR="0" lvl="0" indent="0" algn="l" defTabSz="914400" rtl="0" eaLnBrk="1" fontAlgn="auto" latinLnBrk="0" hangingPunct="1">
+              <a:lnSpc>
+                <a:spcPct val="100000"/>
+              </a:lnSpc>
+              <a:spcBef>
+                <a:spcPts val="0"/>
+              </a:spcBef>
+              <a:spcAft>
+                <a:spcPts val="0"/>
+              </a:spcAft>
+              <a:buClrTx/>
+              <a:buSzTx/>
+              <a:buFontTx/>
+              <a:buNone/>
+              <a:tabLst/>
+              <a:defRPr/>
+            </a:pPr>
+            <a:r>
+              <a:rPr kumimoji="0" lang="en-US" sz="1600" b="0" i="0" u="none" strike="noStrike" kern="1200" cap="none" spc="0" normalizeH="0" baseline="0" noProof="0" dirty="0">
+                <a:ln>
+                  <a:noFill/>
+                </a:ln>
+                <a:solidFill>
+                  <a:prstClr val="black"/>
+                </a:solidFill>
+                <a:effectLst/>
+                <a:uLnTx/>
+                <a:uFillTx/>
+                <a:latin typeface="Calibri" panose="020F0502020204030204"/>
+                <a:ea typeface="+mn-ea"/>
+                <a:cs typeface="+mn-cs"/>
+              </a:rPr>
+              <a:t>File 8</a:t>
+            </a:r>
+          </a:p>
+          <a:p>
+            <a:pPr marL="0" marR="0" lvl="0" indent="0" algn="l" defTabSz="914400" rtl="0" eaLnBrk="1" fontAlgn="auto" latinLnBrk="0" hangingPunct="1">
+              <a:lnSpc>
+                <a:spcPct val="100000"/>
+              </a:lnSpc>
+              <a:spcBef>
+                <a:spcPts val="0"/>
+              </a:spcBef>
+              <a:spcAft>
+                <a:spcPts val="0"/>
+              </a:spcAft>
+              <a:buClrTx/>
+              <a:buSzTx/>
+              <a:buFontTx/>
+              <a:buNone/>
+              <a:tabLst/>
+              <a:defRPr/>
+            </a:pPr>
+            <a:r>
+              <a:rPr lang="en-US" sz="1600" dirty="0">
+                <a:solidFill>
+                  <a:prstClr val="black"/>
+                </a:solidFill>
+                <a:latin typeface="Calibri" panose="020F0502020204030204"/>
+              </a:rPr>
+              <a:t>File 9</a:t>
+            </a:r>
+            <a:endParaRPr kumimoji="0" lang="en-US" sz="1600" b="0" i="0" u="none" strike="noStrike" kern="1200" cap="none" spc="0" normalizeH="0" baseline="0" noProof="0" dirty="0">
+              <a:ln>
+                <a:noFill/>
+              </a:ln>
+              <a:solidFill>
+                <a:prstClr val="black"/>
+              </a:solidFill>
+              <a:effectLst/>
+              <a:uLnTx/>
+              <a:uFillTx/>
+              <a:latin typeface="Calibri" panose="020F0502020204030204"/>
+              <a:ea typeface="+mn-ea"/>
+              <a:cs typeface="+mn-cs"/>
+            </a:endParaRPr>
+          </a:p>
+        </p:txBody>
+      </p:sp>
+      <p:sp>
+        <p:nvSpPr>
+          <p:cNvPr id="8" name="TextBox 7">
+            <a:extLst>
+              <a:ext uri="{FF2B5EF4-FFF2-40B4-BE49-F238E27FC236}">
+                <a16:creationId xmlns:a16="http://schemas.microsoft.com/office/drawing/2014/main" id="{C6C44682-27FD-46EE-9272-EE6502C9DADE}"/>
+              </a:ext>
+            </a:extLst>
+          </p:cNvPr>
+          <p:cNvSpPr txBox="1"/>
+          <p:nvPr/>
+        </p:nvSpPr>
+        <p:spPr>
+          <a:xfrm>
+            <a:off x="6137846" y="2962878"/>
+            <a:ext cx="2747932" cy="2800767"/>
+          </a:xfrm>
+          <a:prstGeom prst="rect">
+            <a:avLst/>
+          </a:prstGeom>
+          <a:noFill/>
+        </p:spPr>
+        <p:txBody>
+          <a:bodyPr wrap="none" rtlCol="0">
+            <a:spAutoFit/>
+          </a:bodyPr>
+          <a:lstStyle/>
+          <a:p>
+            <a:pPr marL="0" marR="0" lvl="0" indent="0" algn="l" defTabSz="914400" rtl="0" eaLnBrk="1" fontAlgn="auto" latinLnBrk="0" hangingPunct="1">
+              <a:lnSpc>
+                <a:spcPct val="100000"/>
+              </a:lnSpc>
+              <a:spcBef>
+                <a:spcPts val="0"/>
+              </a:spcBef>
+              <a:spcAft>
+                <a:spcPts val="0"/>
+              </a:spcAft>
+              <a:buClrTx/>
+              <a:buSzTx/>
+              <a:buFontTx/>
+              <a:buNone/>
+              <a:tabLst/>
+              <a:defRPr/>
+            </a:pPr>
+            <a:r>
+              <a:rPr kumimoji="0" lang="en-US" sz="1600" b="1" i="0" u="none" strike="noStrike" kern="1200" cap="none" spc="0" normalizeH="0" baseline="0" noProof="0" dirty="0">
+                <a:ln>
+                  <a:noFill/>
+                </a:ln>
+                <a:solidFill>
+                  <a:prstClr val="black"/>
+                </a:solidFill>
+                <a:effectLst/>
+                <a:uLnTx/>
+                <a:uFillTx/>
+                <a:latin typeface="Calibri" panose="020F0502020204030204"/>
+                <a:ea typeface="+mn-ea"/>
+                <a:cs typeface="+mn-cs"/>
+              </a:rPr>
+              <a:t>SELECTED FILE PROPERTIES (</a:t>
+            </a:r>
+            <a:r>
+              <a:rPr kumimoji="0" lang="en-US" sz="1600" b="1" i="0" u="none" strike="noStrike" kern="1200" cap="none" spc="0" normalizeH="0" baseline="0" noProof="0" dirty="0" err="1">
+                <a:ln>
+                  <a:noFill/>
+                </a:ln>
+                <a:solidFill>
+                  <a:prstClr val="black"/>
+                </a:solidFill>
+                <a:effectLst/>
+                <a:uLnTx/>
+                <a:uFillTx/>
+                <a:latin typeface="Calibri" panose="020F0502020204030204"/>
+                <a:ea typeface="+mn-ea"/>
+                <a:cs typeface="+mn-cs"/>
+              </a:rPr>
+              <a:t>i</a:t>
+            </a:r>
+            <a:r>
+              <a:rPr kumimoji="0" lang="en-US" sz="1600" b="1" i="0" u="none" strike="noStrike" kern="1200" cap="none" spc="0" normalizeH="0" baseline="0" noProof="0" dirty="0">
+                <a:ln>
+                  <a:noFill/>
+                </a:ln>
+                <a:solidFill>
+                  <a:prstClr val="black"/>
+                </a:solidFill>
+                <a:effectLst/>
+                <a:uLnTx/>
+                <a:uFillTx/>
+                <a:latin typeface="Calibri" panose="020F0502020204030204"/>
+                <a:ea typeface="+mn-ea"/>
+                <a:cs typeface="+mn-cs"/>
+              </a:rPr>
+              <a:t>):</a:t>
+            </a:r>
+          </a:p>
+          <a:p>
+            <a:pPr marL="0" marR="0" lvl="0" indent="0" algn="l" defTabSz="914400" rtl="0" eaLnBrk="1" fontAlgn="auto" latinLnBrk="0" hangingPunct="1">
+              <a:lnSpc>
+                <a:spcPct val="100000"/>
+              </a:lnSpc>
+              <a:spcBef>
+                <a:spcPts val="0"/>
+              </a:spcBef>
+              <a:spcAft>
+                <a:spcPts val="0"/>
+              </a:spcAft>
+              <a:buClrTx/>
+              <a:buSzTx/>
+              <a:buFontTx/>
+              <a:buNone/>
+              <a:tabLst/>
+              <a:defRPr/>
+            </a:pPr>
+            <a:r>
+              <a:rPr kumimoji="0" lang="en-US" sz="1600" b="0" i="0" u="none" strike="noStrike" kern="1200" cap="none" spc="0" normalizeH="0" baseline="0" noProof="0" dirty="0">
+                <a:ln>
+                  <a:noFill/>
+                </a:ln>
+                <a:solidFill>
+                  <a:prstClr val="black"/>
+                </a:solidFill>
+                <a:effectLst/>
+                <a:uLnTx/>
+                <a:uFillTx/>
+                <a:latin typeface="Calibri" panose="020F0502020204030204"/>
+                <a:ea typeface="+mn-ea"/>
+                <a:cs typeface="+mn-cs"/>
+              </a:rPr>
+              <a:t>Key | Value </a:t>
+            </a:r>
+          </a:p>
+          <a:p>
+            <a:pPr marL="0" marR="0" lvl="0" indent="0" algn="l" defTabSz="914400" rtl="0" eaLnBrk="1" fontAlgn="auto" latinLnBrk="0" hangingPunct="1">
+              <a:lnSpc>
+                <a:spcPct val="100000"/>
+              </a:lnSpc>
+              <a:spcBef>
+                <a:spcPts val="0"/>
+              </a:spcBef>
+              <a:spcAft>
+                <a:spcPts val="0"/>
+              </a:spcAft>
+              <a:buClrTx/>
+              <a:buSzTx/>
+              <a:buFontTx/>
+              <a:buNone/>
+              <a:tabLst/>
+              <a:defRPr/>
+            </a:pPr>
+            <a:r>
+              <a:rPr kumimoji="0" lang="en-US" sz="1600" b="0" i="0" u="none" strike="noStrike" kern="1200" cap="none" spc="0" normalizeH="0" baseline="0" noProof="0" dirty="0">
+                <a:ln>
+                  <a:noFill/>
+                </a:ln>
+                <a:solidFill>
+                  <a:prstClr val="black"/>
+                </a:solidFill>
+                <a:effectLst/>
+                <a:uLnTx/>
+                <a:uFillTx/>
+                <a:latin typeface="Calibri" panose="020F0502020204030204"/>
+                <a:ea typeface="+mn-ea"/>
+                <a:cs typeface="+mn-cs"/>
+              </a:rPr>
+              <a:t>Key | Value</a:t>
+            </a:r>
+          </a:p>
+          <a:p>
+            <a:pPr marL="0" marR="0" lvl="0" indent="0" algn="l" defTabSz="914400" rtl="0" eaLnBrk="1" fontAlgn="auto" latinLnBrk="0" hangingPunct="1">
+              <a:lnSpc>
+                <a:spcPct val="100000"/>
+              </a:lnSpc>
+              <a:spcBef>
+                <a:spcPts val="0"/>
+              </a:spcBef>
+              <a:spcAft>
+                <a:spcPts val="0"/>
+              </a:spcAft>
+              <a:buClrTx/>
+              <a:buSzTx/>
+              <a:buFontTx/>
+              <a:buNone/>
+              <a:tabLst/>
+              <a:defRPr/>
+            </a:pPr>
+            <a:r>
+              <a:rPr kumimoji="0" lang="en-US" sz="1600" b="0" i="0" u="none" strike="noStrike" kern="1200" cap="none" spc="0" normalizeH="0" baseline="0" noProof="0" dirty="0">
+                <a:ln>
+                  <a:noFill/>
+                </a:ln>
+                <a:solidFill>
+                  <a:prstClr val="black"/>
+                </a:solidFill>
+                <a:effectLst/>
+                <a:uLnTx/>
+                <a:uFillTx/>
+                <a:latin typeface="Calibri" panose="020F0502020204030204"/>
+                <a:ea typeface="+mn-ea"/>
+                <a:cs typeface="+mn-cs"/>
+              </a:rPr>
+              <a:t>Key | Value</a:t>
+            </a:r>
+          </a:p>
+          <a:p>
+            <a:pPr marL="0" marR="0" lvl="0" indent="0" algn="l" defTabSz="914400" rtl="0" eaLnBrk="1" fontAlgn="auto" latinLnBrk="0" hangingPunct="1">
+              <a:lnSpc>
+                <a:spcPct val="100000"/>
+              </a:lnSpc>
+              <a:spcBef>
+                <a:spcPts val="0"/>
+              </a:spcBef>
+              <a:spcAft>
+                <a:spcPts val="0"/>
+              </a:spcAft>
+              <a:buClrTx/>
+              <a:buSzTx/>
+              <a:buFontTx/>
+              <a:buNone/>
+              <a:tabLst/>
+              <a:defRPr/>
+            </a:pPr>
+            <a:r>
+              <a:rPr kumimoji="0" lang="en-US" sz="1600" b="0" i="0" u="none" strike="noStrike" kern="1200" cap="none" spc="0" normalizeH="0" baseline="0" noProof="0" dirty="0">
+                <a:ln>
+                  <a:noFill/>
+                </a:ln>
+                <a:solidFill>
+                  <a:prstClr val="black"/>
+                </a:solidFill>
+                <a:effectLst/>
+                <a:uLnTx/>
+                <a:uFillTx/>
+                <a:latin typeface="Calibri" panose="020F0502020204030204"/>
+                <a:ea typeface="+mn-ea"/>
+                <a:cs typeface="+mn-cs"/>
+              </a:rPr>
+              <a:t>Key</a:t>
+            </a:r>
+            <a:r>
+              <a:rPr kumimoji="0" lang="en-US" sz="1000" b="0" i="0" u="none" strike="noStrike" kern="1200" cap="none" spc="0" normalizeH="0" baseline="0" noProof="0" dirty="0">
+                <a:ln>
+                  <a:noFill/>
+                </a:ln>
+                <a:solidFill>
+                  <a:prstClr val="black"/>
+                </a:solidFill>
+                <a:effectLst/>
+                <a:uLnTx/>
+                <a:uFillTx/>
+                <a:latin typeface="Calibri" panose="020F0502020204030204"/>
+                <a:ea typeface="+mn-ea"/>
+                <a:cs typeface="+mn-cs"/>
+              </a:rPr>
+              <a:t> </a:t>
+            </a:r>
+            <a:r>
+              <a:rPr kumimoji="0" lang="en-US" sz="1600" b="0" i="0" u="none" strike="noStrike" kern="1200" cap="none" spc="0" normalizeH="0" baseline="0" noProof="0" dirty="0">
+                <a:ln>
+                  <a:noFill/>
+                </a:ln>
+                <a:solidFill>
+                  <a:prstClr val="black"/>
+                </a:solidFill>
+                <a:effectLst/>
+                <a:uLnTx/>
+                <a:uFillTx/>
+                <a:latin typeface="Calibri" panose="020F0502020204030204"/>
+                <a:ea typeface="+mn-ea"/>
+                <a:cs typeface="+mn-cs"/>
+              </a:rPr>
+              <a:t>| Value</a:t>
+            </a:r>
+          </a:p>
+          <a:p>
+            <a:pPr marL="0" marR="0" lvl="0" indent="0" algn="l" defTabSz="914400" rtl="0" eaLnBrk="1" fontAlgn="auto" latinLnBrk="0" hangingPunct="1">
+              <a:lnSpc>
+                <a:spcPct val="100000"/>
+              </a:lnSpc>
+              <a:spcBef>
+                <a:spcPts val="0"/>
+              </a:spcBef>
+              <a:spcAft>
+                <a:spcPts val="0"/>
+              </a:spcAft>
+              <a:buClrTx/>
+              <a:buSzTx/>
+              <a:buFontTx/>
+              <a:buNone/>
+              <a:tabLst/>
+              <a:defRPr/>
+            </a:pPr>
+            <a:r>
+              <a:rPr kumimoji="0" lang="en-US" sz="1600" b="0" i="0" u="none" strike="noStrike" kern="1200" cap="none" spc="0" normalizeH="0" baseline="0" noProof="0" dirty="0">
+                <a:ln>
+                  <a:noFill/>
+                </a:ln>
+                <a:solidFill>
+                  <a:prstClr val="black"/>
+                </a:solidFill>
+                <a:effectLst/>
+                <a:uLnTx/>
+                <a:uFillTx/>
+                <a:latin typeface="Calibri" panose="020F0502020204030204"/>
+                <a:ea typeface="+mn-ea"/>
+                <a:cs typeface="+mn-cs"/>
+              </a:rPr>
+              <a:t>Key | Value </a:t>
+            </a:r>
+          </a:p>
+          <a:p>
+            <a:pPr marL="0" marR="0" lvl="0" indent="0" algn="l" defTabSz="914400" rtl="0" eaLnBrk="1" fontAlgn="auto" latinLnBrk="0" hangingPunct="1">
+              <a:lnSpc>
+                <a:spcPct val="100000"/>
+              </a:lnSpc>
+              <a:spcBef>
+                <a:spcPts val="0"/>
+              </a:spcBef>
+              <a:spcAft>
+                <a:spcPts val="0"/>
+              </a:spcAft>
+              <a:buClrTx/>
+              <a:buSzTx/>
+              <a:buFontTx/>
+              <a:buNone/>
+              <a:tabLst/>
+              <a:defRPr/>
+            </a:pPr>
+            <a:r>
+              <a:rPr kumimoji="0" lang="en-US" sz="1600" b="0" i="0" u="none" strike="noStrike" kern="1200" cap="none" spc="0" normalizeH="0" baseline="0" noProof="0" dirty="0">
+                <a:ln>
+                  <a:noFill/>
+                </a:ln>
+                <a:solidFill>
+                  <a:prstClr val="black"/>
+                </a:solidFill>
+                <a:effectLst/>
+                <a:uLnTx/>
+                <a:uFillTx/>
+                <a:latin typeface="Calibri" panose="020F0502020204030204"/>
+                <a:ea typeface="+mn-ea"/>
+                <a:cs typeface="+mn-cs"/>
+              </a:rPr>
+              <a:t>Key | Value</a:t>
+            </a:r>
+          </a:p>
+          <a:p>
+            <a:pPr marL="0" marR="0" lvl="0" indent="0" algn="l" defTabSz="914400" rtl="0" eaLnBrk="1" fontAlgn="auto" latinLnBrk="0" hangingPunct="1">
+              <a:lnSpc>
+                <a:spcPct val="100000"/>
+              </a:lnSpc>
+              <a:spcBef>
+                <a:spcPts val="0"/>
+              </a:spcBef>
+              <a:spcAft>
+                <a:spcPts val="0"/>
+              </a:spcAft>
+              <a:buClrTx/>
+              <a:buSzTx/>
+              <a:buFontTx/>
+              <a:buNone/>
+              <a:tabLst/>
+              <a:defRPr/>
+            </a:pPr>
+            <a:r>
+              <a:rPr kumimoji="0" lang="en-US" sz="1600" b="0" i="0" u="none" strike="noStrike" kern="1200" cap="none" spc="0" normalizeH="0" baseline="0" noProof="0" dirty="0">
+                <a:ln>
+                  <a:noFill/>
+                </a:ln>
+                <a:solidFill>
+                  <a:prstClr val="black"/>
+                </a:solidFill>
+                <a:effectLst/>
+                <a:uLnTx/>
+                <a:uFillTx/>
+                <a:latin typeface="Calibri" panose="020F0502020204030204"/>
+                <a:ea typeface="+mn-ea"/>
+                <a:cs typeface="+mn-cs"/>
+              </a:rPr>
+              <a:t>Key | Value</a:t>
+            </a:r>
+          </a:p>
+          <a:p>
+            <a:pPr marL="0" marR="0" lvl="0" indent="0" algn="l" defTabSz="914400" rtl="0" eaLnBrk="1" fontAlgn="auto" latinLnBrk="0" hangingPunct="1">
+              <a:lnSpc>
+                <a:spcPct val="100000"/>
+              </a:lnSpc>
+              <a:spcBef>
+                <a:spcPts val="0"/>
+              </a:spcBef>
+              <a:spcAft>
+                <a:spcPts val="0"/>
+              </a:spcAft>
+              <a:buClrTx/>
+              <a:buSzTx/>
+              <a:buFontTx/>
+              <a:buNone/>
+              <a:tabLst/>
+              <a:defRPr/>
+            </a:pPr>
+            <a:r>
+              <a:rPr kumimoji="0" lang="en-US" sz="1600" b="0" i="0" u="none" strike="noStrike" kern="1200" cap="none" spc="0" normalizeH="0" baseline="0" noProof="0" dirty="0">
+                <a:ln>
+                  <a:noFill/>
+                </a:ln>
+                <a:solidFill>
+                  <a:prstClr val="black"/>
+                </a:solidFill>
+                <a:effectLst/>
+                <a:uLnTx/>
+                <a:uFillTx/>
+                <a:latin typeface="Calibri" panose="020F0502020204030204"/>
+                <a:ea typeface="+mn-ea"/>
+                <a:cs typeface="+mn-cs"/>
+              </a:rPr>
+              <a:t>Key</a:t>
+            </a:r>
+            <a:r>
+              <a:rPr kumimoji="0" lang="en-US" sz="1000" b="0" i="0" u="none" strike="noStrike" kern="1200" cap="none" spc="0" normalizeH="0" baseline="0" noProof="0" dirty="0">
+                <a:ln>
+                  <a:noFill/>
+                </a:ln>
+                <a:solidFill>
+                  <a:prstClr val="black"/>
+                </a:solidFill>
+                <a:effectLst/>
+                <a:uLnTx/>
+                <a:uFillTx/>
+                <a:latin typeface="Calibri" panose="020F0502020204030204"/>
+                <a:ea typeface="+mn-ea"/>
+                <a:cs typeface="+mn-cs"/>
+              </a:rPr>
+              <a:t> </a:t>
+            </a:r>
+            <a:r>
+              <a:rPr kumimoji="0" lang="en-US" sz="1600" b="0" i="0" u="none" strike="noStrike" kern="1200" cap="none" spc="0" normalizeH="0" baseline="0" noProof="0" dirty="0">
+                <a:ln>
+                  <a:noFill/>
+                </a:ln>
+                <a:solidFill>
+                  <a:prstClr val="black"/>
+                </a:solidFill>
+                <a:effectLst/>
+                <a:uLnTx/>
+                <a:uFillTx/>
+                <a:latin typeface="Calibri" panose="020F0502020204030204"/>
+                <a:ea typeface="+mn-ea"/>
+                <a:cs typeface="+mn-cs"/>
+              </a:rPr>
+              <a:t>| Value</a:t>
+            </a:r>
+          </a:p>
+          <a:p>
+            <a:r>
+              <a:rPr kumimoji="0" lang="en-US" sz="1600" b="0" i="0" u="none" strike="noStrike" kern="1200" cap="none" spc="0" normalizeH="0" baseline="0" noProof="0" dirty="0">
+                <a:ln>
+                  <a:noFill/>
+                </a:ln>
+                <a:solidFill>
+                  <a:prstClr val="black"/>
+                </a:solidFill>
+                <a:effectLst/>
+                <a:uLnTx/>
+                <a:uFillTx/>
+                <a:latin typeface="Calibri" panose="020F0502020204030204"/>
+                <a:ea typeface="+mn-ea"/>
+                <a:cs typeface="+mn-cs"/>
+              </a:rPr>
+              <a:t>Key</a:t>
+            </a:r>
+            <a:r>
+              <a:rPr kumimoji="0" lang="en-US" sz="1000" b="0" i="0" u="none" strike="noStrike" kern="1200" cap="none" spc="0" normalizeH="0" baseline="0" noProof="0" dirty="0">
+                <a:ln>
+                  <a:noFill/>
+                </a:ln>
+                <a:solidFill>
+                  <a:prstClr val="black"/>
+                </a:solidFill>
+                <a:effectLst/>
+                <a:uLnTx/>
+                <a:uFillTx/>
+                <a:latin typeface="Calibri" panose="020F0502020204030204"/>
+                <a:ea typeface="+mn-ea"/>
+                <a:cs typeface="+mn-cs"/>
+              </a:rPr>
+              <a:t> </a:t>
+            </a:r>
+            <a:r>
+              <a:rPr kumimoji="0" lang="en-US" sz="1600" b="0" i="0" u="none" strike="noStrike" kern="1200" cap="none" spc="0" normalizeH="0" baseline="0" noProof="0" dirty="0">
+                <a:ln>
+                  <a:noFill/>
+                </a:ln>
+                <a:solidFill>
+                  <a:prstClr val="black"/>
+                </a:solidFill>
+                <a:effectLst/>
+                <a:uLnTx/>
+                <a:uFillTx/>
+                <a:latin typeface="Calibri" panose="020F0502020204030204"/>
+                <a:ea typeface="+mn-ea"/>
+                <a:cs typeface="+mn-cs"/>
+              </a:rPr>
+              <a:t>| Value</a:t>
+            </a:r>
+          </a:p>
+          <a:p>
+            <a:pPr marL="0" marR="0" lvl="0" indent="0" algn="l" defTabSz="914400" rtl="0" eaLnBrk="1" fontAlgn="auto" latinLnBrk="0" hangingPunct="1">
+              <a:lnSpc>
+                <a:spcPct val="100000"/>
+              </a:lnSpc>
+              <a:spcBef>
+                <a:spcPts val="0"/>
+              </a:spcBef>
+              <a:spcAft>
+                <a:spcPts val="0"/>
+              </a:spcAft>
+              <a:buClrTx/>
+              <a:buSzTx/>
+              <a:buFontTx/>
+              <a:buNone/>
+              <a:tabLst/>
+              <a:defRPr/>
+            </a:pPr>
+            <a:endParaRPr kumimoji="0" lang="en-US" sz="1600" b="0" i="0" u="none" strike="noStrike" kern="1200" cap="none" spc="0" normalizeH="0" baseline="0" noProof="0" dirty="0">
+              <a:ln>
+                <a:noFill/>
+              </a:ln>
+              <a:solidFill>
+                <a:prstClr val="black"/>
+              </a:solidFill>
+              <a:effectLst/>
+              <a:uLnTx/>
+              <a:uFillTx/>
+              <a:latin typeface="Calibri" panose="020F0502020204030204"/>
+              <a:ea typeface="+mn-ea"/>
+              <a:cs typeface="+mn-cs"/>
+            </a:endParaRPr>
+          </a:p>
+        </p:txBody>
+      </p:sp>
+      <p:sp>
+        <p:nvSpPr>
+          <p:cNvPr id="9" name="TextBox 8">
+            <a:extLst>
+              <a:ext uri="{FF2B5EF4-FFF2-40B4-BE49-F238E27FC236}">
+                <a16:creationId xmlns:a16="http://schemas.microsoft.com/office/drawing/2014/main" id="{42A7B356-BA01-454A-B5DC-75AC712C60D6}"/>
+              </a:ext>
+            </a:extLst>
+          </p:cNvPr>
+          <p:cNvSpPr txBox="1"/>
+          <p:nvPr/>
+        </p:nvSpPr>
+        <p:spPr>
+          <a:xfrm>
+            <a:off x="6190598" y="5807437"/>
+            <a:ext cx="3536481" cy="369332"/>
+          </a:xfrm>
+          <a:prstGeom prst="rect">
+            <a:avLst/>
+          </a:prstGeom>
+          <a:solidFill>
+            <a:schemeClr val="bg1">
+              <a:lumMod val="85000"/>
+            </a:schemeClr>
+          </a:solidFill>
+        </p:spPr>
+        <p:txBody>
+          <a:bodyPr wrap="none" rtlCol="0">
+            <a:spAutoFit/>
+          </a:bodyPr>
+          <a:lstStyle/>
+          <a:p>
+            <a:pPr marL="0" marR="0" lvl="0" indent="0" algn="l" defTabSz="914400" rtl="0" eaLnBrk="1" fontAlgn="auto" latinLnBrk="0" hangingPunct="1">
+              <a:lnSpc>
+                <a:spcPct val="100000"/>
+              </a:lnSpc>
+              <a:spcBef>
+                <a:spcPts val="0"/>
+              </a:spcBef>
+              <a:spcAft>
+                <a:spcPts val="0"/>
+              </a:spcAft>
+              <a:buClrTx/>
+              <a:buSzTx/>
+              <a:buFontTx/>
+              <a:buNone/>
+              <a:tabLst/>
+              <a:defRPr/>
+            </a:pPr>
+            <a:r>
+              <a:rPr kumimoji="0" lang="en-US" sz="1800" b="1" i="0" u="none" strike="noStrike" kern="1200" cap="none" spc="0" normalizeH="0" baseline="0" noProof="0" dirty="0">
+                <a:ln>
+                  <a:noFill/>
+                </a:ln>
+                <a:solidFill>
+                  <a:prstClr val="black"/>
+                </a:solidFill>
+                <a:effectLst/>
+                <a:uLnTx/>
+                <a:uFillTx/>
+                <a:latin typeface="Calibri" panose="020F0502020204030204"/>
+                <a:ea typeface="+mn-ea"/>
+                <a:cs typeface="+mn-cs"/>
+              </a:rPr>
+              <a:t>Download and Import Selected File</a:t>
+            </a:r>
+          </a:p>
+        </p:txBody>
+      </p:sp>
+      <p:sp>
+        <p:nvSpPr>
+          <p:cNvPr id="10" name="TextBox 9">
+            <a:extLst>
+              <a:ext uri="{FF2B5EF4-FFF2-40B4-BE49-F238E27FC236}">
+                <a16:creationId xmlns:a16="http://schemas.microsoft.com/office/drawing/2014/main" id="{72F5DF42-2774-4247-B36C-150C5ED718F2}"/>
+              </a:ext>
+            </a:extLst>
+          </p:cNvPr>
+          <p:cNvSpPr txBox="1"/>
+          <p:nvPr/>
+        </p:nvSpPr>
+        <p:spPr>
+          <a:xfrm>
+            <a:off x="11411995" y="6344166"/>
+            <a:ext cx="603050" cy="369332"/>
+          </a:xfrm>
+          <a:prstGeom prst="rect">
+            <a:avLst/>
+          </a:prstGeom>
+          <a:solidFill>
+            <a:schemeClr val="bg1">
+              <a:lumMod val="85000"/>
+            </a:schemeClr>
+          </a:solidFill>
+        </p:spPr>
+        <p:txBody>
+          <a:bodyPr wrap="none" rtlCol="0">
+            <a:spAutoFit/>
+          </a:bodyPr>
+          <a:lstStyle/>
+          <a:p>
+            <a:pPr marL="0" marR="0" lvl="0" indent="0" algn="l" defTabSz="914400" rtl="0" eaLnBrk="1" fontAlgn="auto" latinLnBrk="0" hangingPunct="1">
+              <a:lnSpc>
+                <a:spcPct val="100000"/>
+              </a:lnSpc>
+              <a:spcBef>
+                <a:spcPts val="0"/>
+              </a:spcBef>
+              <a:spcAft>
+                <a:spcPts val="0"/>
+              </a:spcAft>
+              <a:buClrTx/>
+              <a:buSzTx/>
+              <a:buFontTx/>
+              <a:buNone/>
+              <a:tabLst/>
+              <a:defRPr/>
+            </a:pPr>
+            <a:r>
+              <a:rPr kumimoji="0" lang="en-US" sz="1800" b="1" i="0" u="none" strike="noStrike" kern="1200" cap="none" spc="0" normalizeH="0" baseline="0" noProof="0" dirty="0">
+                <a:ln>
+                  <a:noFill/>
+                </a:ln>
+                <a:solidFill>
+                  <a:prstClr val="black"/>
+                </a:solidFill>
+                <a:effectLst/>
+                <a:uLnTx/>
+                <a:uFillTx/>
+                <a:latin typeface="Calibri" panose="020F0502020204030204"/>
+                <a:ea typeface="+mn-ea"/>
+                <a:cs typeface="+mn-cs"/>
+              </a:rPr>
+              <a:t>Quit</a:t>
+            </a:r>
+          </a:p>
+        </p:txBody>
+      </p:sp>
+      <p:sp>
+        <p:nvSpPr>
+          <p:cNvPr id="15" name="TextBox 14">
+            <a:extLst>
+              <a:ext uri="{FF2B5EF4-FFF2-40B4-BE49-F238E27FC236}">
+                <a16:creationId xmlns:a16="http://schemas.microsoft.com/office/drawing/2014/main" id="{6749643B-11B9-4DF3-AE9A-F000EDB38152}"/>
+              </a:ext>
+            </a:extLst>
+          </p:cNvPr>
+          <p:cNvSpPr txBox="1"/>
+          <p:nvPr/>
+        </p:nvSpPr>
+        <p:spPr>
+          <a:xfrm>
+            <a:off x="6198174" y="6344166"/>
+            <a:ext cx="4189865" cy="369332"/>
+          </a:xfrm>
+          <a:prstGeom prst="rect">
+            <a:avLst/>
+          </a:prstGeom>
+          <a:solidFill>
+            <a:schemeClr val="bg1">
+              <a:lumMod val="85000"/>
+            </a:schemeClr>
+          </a:solidFill>
+        </p:spPr>
+        <p:txBody>
+          <a:bodyPr wrap="none" rtlCol="0">
+            <a:spAutoFit/>
+          </a:bodyPr>
+          <a:lstStyle/>
+          <a:p>
+            <a:pPr marL="0" marR="0" lvl="0" indent="0" algn="l" defTabSz="914400" rtl="0" eaLnBrk="1" fontAlgn="auto" latinLnBrk="0" hangingPunct="1">
+              <a:lnSpc>
+                <a:spcPct val="100000"/>
+              </a:lnSpc>
+              <a:spcBef>
+                <a:spcPts val="0"/>
+              </a:spcBef>
+              <a:spcAft>
+                <a:spcPts val="0"/>
+              </a:spcAft>
+              <a:buClrTx/>
+              <a:buSzTx/>
+              <a:buFontTx/>
+              <a:buNone/>
+              <a:tabLst/>
+              <a:defRPr/>
+            </a:pPr>
+            <a:r>
+              <a:rPr kumimoji="0" lang="en-US" sz="1800" b="1" i="0" u="none" strike="noStrike" kern="1200" cap="none" spc="0" normalizeH="0" baseline="0" noProof="0" dirty="0">
+                <a:ln>
+                  <a:noFill/>
+                </a:ln>
+                <a:solidFill>
+                  <a:prstClr val="black"/>
+                </a:solidFill>
+                <a:effectLst/>
+                <a:uLnTx/>
+                <a:uFillTx/>
+                <a:latin typeface="Calibri" panose="020F0502020204030204"/>
+                <a:ea typeface="+mn-ea"/>
+                <a:cs typeface="+mn-cs"/>
+              </a:rPr>
+              <a:t>Browse </a:t>
+            </a:r>
+            <a:r>
+              <a:rPr lang="en-US" b="1" dirty="0">
+                <a:solidFill>
+                  <a:prstClr val="black"/>
+                </a:solidFill>
+                <a:latin typeface="Calibri" panose="020F0502020204030204"/>
+              </a:rPr>
+              <a:t>for</a:t>
+            </a:r>
+            <a:r>
+              <a:rPr kumimoji="0" lang="en-US" sz="1800" b="1" i="0" u="none" strike="noStrike" kern="1200" cap="none" spc="0" normalizeH="0" baseline="0" noProof="0" dirty="0">
+                <a:ln>
+                  <a:noFill/>
+                </a:ln>
+                <a:solidFill>
+                  <a:prstClr val="black"/>
+                </a:solidFill>
+                <a:effectLst/>
+                <a:uLnTx/>
+                <a:uFillTx/>
+                <a:latin typeface="Calibri" panose="020F0502020204030204"/>
+                <a:ea typeface="+mn-ea"/>
+                <a:cs typeface="+mn-cs"/>
+              </a:rPr>
+              <a:t> Existing Hazard Data to Import</a:t>
+            </a:r>
+          </a:p>
+        </p:txBody>
+      </p:sp>
+      <p:sp>
+        <p:nvSpPr>
+          <p:cNvPr id="16" name="TextBox 15">
+            <a:extLst>
+              <a:ext uri="{FF2B5EF4-FFF2-40B4-BE49-F238E27FC236}">
+                <a16:creationId xmlns:a16="http://schemas.microsoft.com/office/drawing/2014/main" id="{35818BCF-1B87-42D4-9373-4C366C4E80FA}"/>
+              </a:ext>
+            </a:extLst>
+          </p:cNvPr>
+          <p:cNvSpPr txBox="1"/>
+          <p:nvPr/>
+        </p:nvSpPr>
+        <p:spPr>
+          <a:xfrm>
+            <a:off x="524121" y="5513169"/>
+            <a:ext cx="4100994" cy="1200329"/>
+          </a:xfrm>
+          <a:prstGeom prst="rect">
+            <a:avLst/>
+          </a:prstGeom>
+          <a:noFill/>
+        </p:spPr>
+        <p:txBody>
+          <a:bodyPr wrap="none" rtlCol="0">
+            <a:spAutoFit/>
+          </a:bodyPr>
+          <a:lstStyle/>
+          <a:p>
+            <a:pPr marL="0" marR="0" lvl="0" indent="0" algn="l" defTabSz="914400" rtl="0" eaLnBrk="1" fontAlgn="auto" latinLnBrk="0" hangingPunct="1">
+              <a:lnSpc>
+                <a:spcPct val="100000"/>
+              </a:lnSpc>
+              <a:spcBef>
+                <a:spcPts val="0"/>
+              </a:spcBef>
+              <a:spcAft>
+                <a:spcPts val="0"/>
+              </a:spcAft>
+              <a:buClrTx/>
+              <a:buSzTx/>
+              <a:buFontTx/>
+              <a:buNone/>
+              <a:tabLst/>
+              <a:defRPr/>
+            </a:pPr>
+            <a:r>
+              <a:rPr kumimoji="0" lang="en-US" sz="1600" b="1" i="0" u="none" strike="noStrike" kern="1200" cap="none" spc="0" normalizeH="0" baseline="0" noProof="0" dirty="0">
+                <a:ln>
+                  <a:noFill/>
+                </a:ln>
+                <a:solidFill>
+                  <a:prstClr val="black"/>
+                </a:solidFill>
+                <a:effectLst/>
+                <a:uLnTx/>
+                <a:uFillTx/>
+                <a:latin typeface="Calibri" panose="020F0502020204030204"/>
+                <a:ea typeface="+mn-ea"/>
+                <a:cs typeface="+mn-cs"/>
+              </a:rPr>
+              <a:t>OPTIONS:</a:t>
+            </a:r>
+          </a:p>
+          <a:p>
+            <a:pPr marL="0" marR="0" lvl="0" indent="0" algn="l" defTabSz="914400" rtl="0" eaLnBrk="1" fontAlgn="auto" latinLnBrk="0" hangingPunct="1">
+              <a:lnSpc>
+                <a:spcPct val="100000"/>
+              </a:lnSpc>
+              <a:spcBef>
+                <a:spcPts val="0"/>
+              </a:spcBef>
+              <a:spcAft>
+                <a:spcPts val="0"/>
+              </a:spcAft>
+              <a:buClrTx/>
+              <a:buSzTx/>
+              <a:buFontTx/>
+              <a:buNone/>
+              <a:tabLst/>
+              <a:defRPr/>
+            </a:pPr>
+            <a:r>
+              <a:rPr kumimoji="0" lang="en-US" sz="1400" b="0" i="0" u="none" strike="noStrike" kern="1200" cap="none" spc="0" normalizeH="0" baseline="0" noProof="0" dirty="0">
+                <a:ln>
+                  <a:noFill/>
+                </a:ln>
+                <a:solidFill>
+                  <a:prstClr val="black"/>
+                </a:solidFill>
+                <a:effectLst/>
+                <a:uLnTx/>
+                <a:uFillTx/>
+                <a:latin typeface="Calibri" panose="020F0502020204030204"/>
+                <a:ea typeface="+mn-ea"/>
+                <a:cs typeface="+mn-cs"/>
+              </a:rPr>
+              <a:t>[x]  Project to UTM Zone</a:t>
+            </a:r>
+          </a:p>
+          <a:p>
+            <a:pPr marL="0" marR="0" lvl="0" indent="0" algn="l" defTabSz="914400" rtl="0" eaLnBrk="1" fontAlgn="auto" latinLnBrk="0" hangingPunct="1">
+              <a:lnSpc>
+                <a:spcPct val="100000"/>
+              </a:lnSpc>
+              <a:spcBef>
+                <a:spcPts val="0"/>
+              </a:spcBef>
+              <a:spcAft>
+                <a:spcPts val="0"/>
+              </a:spcAft>
+              <a:buClrTx/>
+              <a:buSzTx/>
+              <a:buFontTx/>
+              <a:buNone/>
+              <a:tabLst/>
+              <a:defRPr/>
+            </a:pPr>
+            <a:r>
+              <a:rPr kumimoji="0" lang="en-US" sz="1400" b="0" i="0" u="none" strike="noStrike" kern="1200" cap="none" spc="0" normalizeH="0" baseline="0" noProof="0" dirty="0">
+                <a:ln>
+                  <a:noFill/>
+                </a:ln>
+                <a:solidFill>
+                  <a:prstClr val="black"/>
+                </a:solidFill>
+                <a:effectLst/>
+                <a:uLnTx/>
+                <a:uFillTx/>
+                <a:latin typeface="Calibri" panose="020F0502020204030204"/>
+                <a:ea typeface="+mn-ea"/>
+                <a:cs typeface="+mn-cs"/>
+              </a:rPr>
+              <a:t>[Feet ]     Input Depth Units </a:t>
+            </a:r>
+            <a:r>
+              <a:rPr kumimoji="0" lang="en-US" sz="1400" b="0" i="0" u="none" strike="noStrike" kern="1200" cap="none" spc="0" normalizeH="0" baseline="0" noProof="0" dirty="0">
+                <a:ln>
+                  <a:noFill/>
+                </a:ln>
+                <a:solidFill>
+                  <a:srgbClr val="FF0000"/>
+                </a:solidFill>
+                <a:effectLst/>
+                <a:uLnTx/>
+                <a:uFillTx/>
+                <a:latin typeface="Calibri" panose="020F0502020204030204"/>
+                <a:ea typeface="+mn-ea"/>
+                <a:cs typeface="+mn-cs"/>
+              </a:rPr>
+              <a:t>(ft, m, cm; feet by default)</a:t>
+            </a:r>
+          </a:p>
+          <a:p>
+            <a:pPr marL="0" marR="0" lvl="0" indent="0" algn="l" defTabSz="914400" rtl="0" eaLnBrk="1" fontAlgn="auto" latinLnBrk="0" hangingPunct="1">
+              <a:lnSpc>
+                <a:spcPct val="100000"/>
+              </a:lnSpc>
+              <a:spcBef>
+                <a:spcPts val="0"/>
+              </a:spcBef>
+              <a:spcAft>
+                <a:spcPts val="0"/>
+              </a:spcAft>
+              <a:buClrTx/>
+              <a:buSzTx/>
+              <a:buFontTx/>
+              <a:buNone/>
+              <a:tabLst/>
+              <a:defRPr/>
+            </a:pPr>
+            <a:r>
+              <a:rPr kumimoji="0" lang="en-US" sz="1400" b="0" i="0" u="none" strike="noStrike" kern="1200" cap="none" spc="0" normalizeH="0" baseline="0" noProof="0" dirty="0">
+                <a:ln>
+                  <a:noFill/>
+                </a:ln>
+                <a:solidFill>
+                  <a:prstClr val="black"/>
+                </a:solidFill>
+                <a:effectLst/>
+                <a:uLnTx/>
+                <a:uFillTx/>
+                <a:latin typeface="Calibri" panose="020F0502020204030204"/>
+                <a:ea typeface="+mn-ea"/>
+                <a:cs typeface="+mn-cs"/>
+              </a:rPr>
+              <a:t>[x]  Overwrite Existing Hazard Data</a:t>
+            </a:r>
+          </a:p>
+          <a:p>
+            <a:pPr marL="0" marR="0" lvl="0" indent="0" algn="l" defTabSz="914400" rtl="0" eaLnBrk="1" fontAlgn="auto" latinLnBrk="0" hangingPunct="1">
+              <a:lnSpc>
+                <a:spcPct val="100000"/>
+              </a:lnSpc>
+              <a:spcBef>
+                <a:spcPts val="0"/>
+              </a:spcBef>
+              <a:spcAft>
+                <a:spcPts val="0"/>
+              </a:spcAft>
+              <a:buClrTx/>
+              <a:buSzTx/>
+              <a:buFontTx/>
+              <a:buNone/>
+              <a:tabLst/>
+              <a:defRPr/>
+            </a:pPr>
+            <a:r>
+              <a:rPr kumimoji="0" lang="en-US" sz="1400" b="0" i="0" u="none" strike="noStrike" kern="1200" cap="none" spc="0" normalizeH="0" baseline="0" noProof="0" dirty="0">
+                <a:ln>
+                  <a:noFill/>
+                </a:ln>
+                <a:solidFill>
+                  <a:prstClr val="black"/>
+                </a:solidFill>
+                <a:effectLst/>
+                <a:uLnTx/>
+                <a:uFillTx/>
+                <a:latin typeface="Calibri" panose="020F0502020204030204"/>
+                <a:ea typeface="+mn-ea"/>
+                <a:cs typeface="+mn-cs"/>
+              </a:rPr>
+              <a:t>[_] Clip to Study Region</a:t>
+            </a:r>
+            <a:endParaRPr kumimoji="0" lang="en-US" sz="1400" b="0" u="none" strike="noStrike" kern="1200" cap="none" spc="0" normalizeH="0" baseline="0" noProof="0" dirty="0">
+              <a:ln>
+                <a:noFill/>
+              </a:ln>
+              <a:effectLst/>
+              <a:uLnTx/>
+              <a:uFillTx/>
+              <a:latin typeface="Calibri" panose="020F0502020204030204"/>
+              <a:ea typeface="+mn-ea"/>
+              <a:cs typeface="+mn-cs"/>
+            </a:endParaRPr>
+          </a:p>
+        </p:txBody>
+      </p:sp>
+      <p:sp>
+        <p:nvSpPr>
+          <p:cNvPr id="17" name="TextBox 16">
+            <a:extLst>
+              <a:ext uri="{FF2B5EF4-FFF2-40B4-BE49-F238E27FC236}">
+                <a16:creationId xmlns:a16="http://schemas.microsoft.com/office/drawing/2014/main" id="{F3CA7781-646B-43E8-8D76-5E0D4B6CF282}"/>
+              </a:ext>
+            </a:extLst>
+          </p:cNvPr>
+          <p:cNvSpPr txBox="1"/>
+          <p:nvPr/>
+        </p:nvSpPr>
+        <p:spPr>
+          <a:xfrm>
+            <a:off x="8747043" y="2797991"/>
+            <a:ext cx="2534796" cy="461665"/>
+          </a:xfrm>
+          <a:prstGeom prst="rect">
+            <a:avLst/>
+          </a:prstGeom>
+          <a:noFill/>
+        </p:spPr>
+        <p:txBody>
+          <a:bodyPr wrap="none" rtlCol="0">
+            <a:spAutoFit/>
+          </a:bodyPr>
+          <a:lstStyle/>
+          <a:p>
+            <a:pPr marL="0" marR="0" lvl="0" indent="0" algn="l" defTabSz="914400" rtl="0" eaLnBrk="1" fontAlgn="auto" latinLnBrk="0" hangingPunct="1">
+              <a:lnSpc>
+                <a:spcPct val="100000"/>
+              </a:lnSpc>
+              <a:spcBef>
+                <a:spcPts val="0"/>
+              </a:spcBef>
+              <a:spcAft>
+                <a:spcPts val="0"/>
+              </a:spcAft>
+              <a:buClrTx/>
+              <a:buSzTx/>
+              <a:buFontTx/>
+              <a:buNone/>
+              <a:tabLst/>
+              <a:defRPr/>
+            </a:pPr>
+            <a:r>
+              <a:rPr kumimoji="0" lang="en-US" sz="1200" b="0" i="0" u="none" strike="noStrike" kern="1200" cap="none" spc="0" normalizeH="0" baseline="0" noProof="0" dirty="0">
+                <a:ln>
+                  <a:noFill/>
+                </a:ln>
+                <a:solidFill>
+                  <a:srgbClr val="FF0000"/>
+                </a:solidFill>
+                <a:effectLst/>
+                <a:uLnTx/>
+                <a:uFillTx/>
+                <a:latin typeface="Calibri" panose="020F0502020204030204"/>
+                <a:ea typeface="+mn-ea"/>
+                <a:cs typeface="+mn-cs"/>
+              </a:rPr>
+              <a:t>(</a:t>
+            </a:r>
+            <a:r>
+              <a:rPr kumimoji="0" lang="en-US" sz="1200" b="0" i="0" u="none" strike="noStrike" kern="1200" cap="none" spc="0" normalizeH="0" baseline="0" noProof="0" dirty="0" err="1">
+                <a:ln>
+                  <a:noFill/>
+                </a:ln>
+                <a:solidFill>
+                  <a:srgbClr val="FF0000"/>
+                </a:solidFill>
+                <a:effectLst/>
+                <a:uLnTx/>
+                <a:uFillTx/>
+                <a:latin typeface="Calibri" panose="020F0502020204030204"/>
+                <a:ea typeface="+mn-ea"/>
+                <a:cs typeface="+mn-cs"/>
+              </a:rPr>
+              <a:t>i</a:t>
+            </a:r>
+            <a:r>
+              <a:rPr kumimoji="0" lang="en-US" sz="1200" b="0" i="0" u="none" strike="noStrike" kern="1200" cap="none" spc="0" normalizeH="0" baseline="0" noProof="0" dirty="0">
+                <a:ln>
+                  <a:noFill/>
+                </a:ln>
+                <a:solidFill>
+                  <a:srgbClr val="FF0000"/>
+                </a:solidFill>
+                <a:effectLst/>
+                <a:uLnTx/>
+                <a:uFillTx/>
+                <a:latin typeface="Calibri" panose="020F0502020204030204"/>
+                <a:ea typeface="+mn-ea"/>
+                <a:cs typeface="+mn-cs"/>
+              </a:rPr>
+              <a:t>) button to new window, hover text, </a:t>
+            </a:r>
+          </a:p>
+          <a:p>
+            <a:pPr marL="0" marR="0" lvl="0" indent="0" algn="l" defTabSz="914400" rtl="0" eaLnBrk="1" fontAlgn="auto" latinLnBrk="0" hangingPunct="1">
+              <a:lnSpc>
+                <a:spcPct val="100000"/>
+              </a:lnSpc>
+              <a:spcBef>
+                <a:spcPts val="0"/>
+              </a:spcBef>
+              <a:spcAft>
+                <a:spcPts val="0"/>
+              </a:spcAft>
+              <a:buClrTx/>
+              <a:buSzTx/>
+              <a:buFontTx/>
+              <a:buNone/>
+              <a:tabLst/>
+              <a:defRPr/>
+            </a:pPr>
+            <a:r>
+              <a:rPr kumimoji="0" lang="en-US" sz="1200" b="0" i="0" u="none" strike="noStrike" kern="1200" cap="none" spc="0" normalizeH="0" baseline="0" noProof="0" dirty="0">
+                <a:ln>
+                  <a:noFill/>
+                </a:ln>
+                <a:solidFill>
+                  <a:srgbClr val="FF0000"/>
+                </a:solidFill>
+                <a:effectLst/>
+                <a:uLnTx/>
+                <a:uFillTx/>
+                <a:latin typeface="Calibri" panose="020F0502020204030204"/>
+                <a:ea typeface="+mn-ea"/>
+                <a:cs typeface="+mn-cs"/>
+              </a:rPr>
+              <a:t>doc with more info on each key/value</a:t>
+            </a:r>
+          </a:p>
+        </p:txBody>
+      </p:sp>
+      <p:sp>
+        <p:nvSpPr>
+          <p:cNvPr id="2" name="Action Button: Go Back or Previous 1">
+            <a:hlinkClick r:id="" action="ppaction://noaction" highlightClick="1"/>
+            <a:extLst>
+              <a:ext uri="{FF2B5EF4-FFF2-40B4-BE49-F238E27FC236}">
+                <a16:creationId xmlns:a16="http://schemas.microsoft.com/office/drawing/2014/main" id="{BA250048-9B14-4F05-8519-AE97E68FCCE0}"/>
+              </a:ext>
+            </a:extLst>
+          </p:cNvPr>
+          <p:cNvSpPr/>
+          <p:nvPr/>
+        </p:nvSpPr>
+        <p:spPr>
+          <a:xfrm rot="5400000">
+            <a:off x="11746757" y="414604"/>
+            <a:ext cx="200024" cy="187483"/>
+          </a:xfrm>
+          <a:prstGeom prst="actionButtonBackPrevious">
+            <a:avLst/>
+          </a:prstGeom>
+        </p:spPr>
+        <p:style>
+          <a:lnRef idx="2">
+            <a:schemeClr val="accent1">
+              <a:shade val="50000"/>
+            </a:schemeClr>
+          </a:lnRef>
+          <a:fillRef idx="1">
+            <a:schemeClr val="accent1"/>
+          </a:fillRef>
+          <a:effectRef idx="0">
+            <a:schemeClr val="accent1"/>
+          </a:effectRef>
+          <a:fontRef idx="minor">
+            <a:schemeClr val="lt1"/>
+          </a:fontRef>
+        </p:style>
+        <p:txBody>
+          <a:bodyPr rtlCol="0" anchor="ctr"/>
+          <a:lstStyle/>
+          <a:p>
+            <a:pPr marL="0" marR="0" lvl="0" indent="0" algn="ctr" defTabSz="914400" rtl="0" eaLnBrk="1" fontAlgn="auto" latinLnBrk="0" hangingPunct="1">
+              <a:lnSpc>
+                <a:spcPct val="100000"/>
+              </a:lnSpc>
+              <a:spcBef>
+                <a:spcPts val="0"/>
+              </a:spcBef>
+              <a:spcAft>
+                <a:spcPts val="0"/>
+              </a:spcAft>
+              <a:buClrTx/>
+              <a:buSzTx/>
+              <a:buFontTx/>
+              <a:buNone/>
+              <a:tabLst/>
+              <a:defRPr/>
+            </a:pPr>
+            <a:endParaRPr kumimoji="0" lang="en-US" sz="1800" b="0" i="0" u="none" strike="noStrike" kern="1200" cap="none" spc="0" normalizeH="0" baseline="0" noProof="0">
+              <a:ln>
+                <a:noFill/>
+              </a:ln>
+              <a:solidFill>
+                <a:prstClr val="white"/>
+              </a:solidFill>
+              <a:effectLst/>
+              <a:uLnTx/>
+              <a:uFillTx/>
+              <a:latin typeface="Calibri" panose="020F0502020204030204"/>
+              <a:ea typeface="+mn-ea"/>
+              <a:cs typeface="+mn-cs"/>
+            </a:endParaRPr>
+          </a:p>
+        </p:txBody>
+      </p:sp>
+      <p:sp>
+        <p:nvSpPr>
+          <p:cNvPr id="20" name="Action Button: Go Back or Previous 19">
+            <a:hlinkClick r:id="" action="ppaction://noaction" highlightClick="1"/>
+            <a:extLst>
+              <a:ext uri="{FF2B5EF4-FFF2-40B4-BE49-F238E27FC236}">
+                <a16:creationId xmlns:a16="http://schemas.microsoft.com/office/drawing/2014/main" id="{961DE366-0362-4A86-9D55-66006D3255CA}"/>
+              </a:ext>
+            </a:extLst>
+          </p:cNvPr>
+          <p:cNvSpPr/>
+          <p:nvPr/>
+        </p:nvSpPr>
+        <p:spPr>
+          <a:xfrm rot="16200000">
+            <a:off x="11746758" y="2573901"/>
+            <a:ext cx="200024" cy="187483"/>
+          </a:xfrm>
+          <a:prstGeom prst="actionButtonBackPrevious">
+            <a:avLst/>
+          </a:prstGeom>
+        </p:spPr>
+        <p:style>
+          <a:lnRef idx="2">
+            <a:schemeClr val="accent1">
+              <a:shade val="50000"/>
+            </a:schemeClr>
+          </a:lnRef>
+          <a:fillRef idx="1">
+            <a:schemeClr val="accent1"/>
+          </a:fillRef>
+          <a:effectRef idx="0">
+            <a:schemeClr val="accent1"/>
+          </a:effectRef>
+          <a:fontRef idx="minor">
+            <a:schemeClr val="lt1"/>
+          </a:fontRef>
+        </p:style>
+        <p:txBody>
+          <a:bodyPr rtlCol="0" anchor="ctr"/>
+          <a:lstStyle/>
+          <a:p>
+            <a:pPr marL="0" marR="0" lvl="0" indent="0" algn="ctr" defTabSz="914400" rtl="0" eaLnBrk="1" fontAlgn="auto" latinLnBrk="0" hangingPunct="1">
+              <a:lnSpc>
+                <a:spcPct val="100000"/>
+              </a:lnSpc>
+              <a:spcBef>
+                <a:spcPts val="0"/>
+              </a:spcBef>
+              <a:spcAft>
+                <a:spcPts val="0"/>
+              </a:spcAft>
+              <a:buClrTx/>
+              <a:buSzTx/>
+              <a:buFontTx/>
+              <a:buNone/>
+              <a:tabLst/>
+              <a:defRPr/>
+            </a:pPr>
+            <a:endParaRPr kumimoji="0" lang="en-US" sz="1800" b="0" i="0" u="none" strike="noStrike" kern="1200" cap="none" spc="0" normalizeH="0" baseline="0" noProof="0">
+              <a:ln>
+                <a:noFill/>
+              </a:ln>
+              <a:solidFill>
+                <a:prstClr val="white"/>
+              </a:solidFill>
+              <a:effectLst/>
+              <a:uLnTx/>
+              <a:uFillTx/>
+              <a:latin typeface="Calibri" panose="020F0502020204030204"/>
+              <a:ea typeface="+mn-ea"/>
+              <a:cs typeface="+mn-cs"/>
+            </a:endParaRPr>
+          </a:p>
+        </p:txBody>
+      </p:sp>
+      <p:sp>
+        <p:nvSpPr>
+          <p:cNvPr id="21" name="Action Button: Go Back or Previous 20">
+            <a:hlinkClick r:id="" action="ppaction://noaction" highlightClick="1"/>
+            <a:extLst>
+              <a:ext uri="{FF2B5EF4-FFF2-40B4-BE49-F238E27FC236}">
+                <a16:creationId xmlns:a16="http://schemas.microsoft.com/office/drawing/2014/main" id="{4F4745ED-05DA-45C4-B715-7FA106BE7AE0}"/>
+              </a:ext>
+            </a:extLst>
+          </p:cNvPr>
+          <p:cNvSpPr/>
+          <p:nvPr/>
+        </p:nvSpPr>
+        <p:spPr>
+          <a:xfrm rot="5400000">
+            <a:off x="11824672" y="3265927"/>
+            <a:ext cx="200024" cy="187483"/>
+          </a:xfrm>
+          <a:prstGeom prst="actionButtonBackPrevious">
+            <a:avLst/>
+          </a:prstGeom>
+        </p:spPr>
+        <p:style>
+          <a:lnRef idx="2">
+            <a:schemeClr val="accent1">
+              <a:shade val="50000"/>
+            </a:schemeClr>
+          </a:lnRef>
+          <a:fillRef idx="1">
+            <a:schemeClr val="accent1"/>
+          </a:fillRef>
+          <a:effectRef idx="0">
+            <a:schemeClr val="accent1"/>
+          </a:effectRef>
+          <a:fontRef idx="minor">
+            <a:schemeClr val="lt1"/>
+          </a:fontRef>
+        </p:style>
+        <p:txBody>
+          <a:bodyPr rtlCol="0" anchor="ctr"/>
+          <a:lstStyle/>
+          <a:p>
+            <a:pPr marL="0" marR="0" lvl="0" indent="0" algn="ctr" defTabSz="914400" rtl="0" eaLnBrk="1" fontAlgn="auto" latinLnBrk="0" hangingPunct="1">
+              <a:lnSpc>
+                <a:spcPct val="100000"/>
+              </a:lnSpc>
+              <a:spcBef>
+                <a:spcPts val="0"/>
+              </a:spcBef>
+              <a:spcAft>
+                <a:spcPts val="0"/>
+              </a:spcAft>
+              <a:buClrTx/>
+              <a:buSzTx/>
+              <a:buFontTx/>
+              <a:buNone/>
+              <a:tabLst/>
+              <a:defRPr/>
+            </a:pPr>
+            <a:endParaRPr kumimoji="0" lang="en-US" sz="1800" b="0" i="0" u="none" strike="noStrike" kern="1200" cap="none" spc="0" normalizeH="0" baseline="0" noProof="0">
+              <a:ln>
+                <a:noFill/>
+              </a:ln>
+              <a:solidFill>
+                <a:prstClr val="white"/>
+              </a:solidFill>
+              <a:effectLst/>
+              <a:uLnTx/>
+              <a:uFillTx/>
+              <a:latin typeface="Calibri" panose="020F0502020204030204"/>
+              <a:ea typeface="+mn-ea"/>
+              <a:cs typeface="+mn-cs"/>
+            </a:endParaRPr>
+          </a:p>
+        </p:txBody>
+      </p:sp>
+      <p:sp>
+        <p:nvSpPr>
+          <p:cNvPr id="22" name="Action Button: Go Back or Previous 21">
+            <a:hlinkClick r:id="" action="ppaction://noaction" highlightClick="1"/>
+            <a:extLst>
+              <a:ext uri="{FF2B5EF4-FFF2-40B4-BE49-F238E27FC236}">
+                <a16:creationId xmlns:a16="http://schemas.microsoft.com/office/drawing/2014/main" id="{C2782C51-0FFE-49F6-B8BA-00FAAF94A7C6}"/>
+              </a:ext>
+            </a:extLst>
+          </p:cNvPr>
+          <p:cNvSpPr/>
+          <p:nvPr/>
+        </p:nvSpPr>
+        <p:spPr>
+          <a:xfrm rot="16200000">
+            <a:off x="11824672" y="5445428"/>
+            <a:ext cx="200024" cy="187483"/>
+          </a:xfrm>
+          <a:prstGeom prst="actionButtonBackPrevious">
+            <a:avLst/>
+          </a:prstGeom>
+        </p:spPr>
+        <p:style>
+          <a:lnRef idx="2">
+            <a:schemeClr val="accent1">
+              <a:shade val="50000"/>
+            </a:schemeClr>
+          </a:lnRef>
+          <a:fillRef idx="1">
+            <a:schemeClr val="accent1"/>
+          </a:fillRef>
+          <a:effectRef idx="0">
+            <a:schemeClr val="accent1"/>
+          </a:effectRef>
+          <a:fontRef idx="minor">
+            <a:schemeClr val="lt1"/>
+          </a:fontRef>
+        </p:style>
+        <p:txBody>
+          <a:bodyPr rtlCol="0" anchor="ctr"/>
+          <a:lstStyle/>
+          <a:p>
+            <a:pPr marL="0" marR="0" lvl="0" indent="0" algn="ctr" defTabSz="914400" rtl="0" eaLnBrk="1" fontAlgn="auto" latinLnBrk="0" hangingPunct="1">
+              <a:lnSpc>
+                <a:spcPct val="100000"/>
+              </a:lnSpc>
+              <a:spcBef>
+                <a:spcPts val="0"/>
+              </a:spcBef>
+              <a:spcAft>
+                <a:spcPts val="0"/>
+              </a:spcAft>
+              <a:buClrTx/>
+              <a:buSzTx/>
+              <a:buFontTx/>
+              <a:buNone/>
+              <a:tabLst/>
+              <a:defRPr/>
+            </a:pPr>
+            <a:endParaRPr kumimoji="0" lang="en-US" sz="1800" b="0" i="0" u="none" strike="noStrike" kern="1200" cap="none" spc="0" normalizeH="0" baseline="0" noProof="0">
+              <a:ln>
+                <a:noFill/>
+              </a:ln>
+              <a:solidFill>
+                <a:prstClr val="white"/>
+              </a:solidFill>
+              <a:effectLst/>
+              <a:uLnTx/>
+              <a:uFillTx/>
+              <a:latin typeface="Calibri" panose="020F0502020204030204"/>
+              <a:ea typeface="+mn-ea"/>
+              <a:cs typeface="+mn-cs"/>
+            </a:endParaRPr>
+          </a:p>
+        </p:txBody>
+      </p:sp>
+      <p:sp>
+        <p:nvSpPr>
+          <p:cNvPr id="3" name="Rectangle 2">
+            <a:extLst>
+              <a:ext uri="{FF2B5EF4-FFF2-40B4-BE49-F238E27FC236}">
+                <a16:creationId xmlns:a16="http://schemas.microsoft.com/office/drawing/2014/main" id="{02E1F631-8149-47B2-8123-29FCFE368443}"/>
+              </a:ext>
+            </a:extLst>
+          </p:cNvPr>
+          <p:cNvSpPr/>
+          <p:nvPr/>
+        </p:nvSpPr>
+        <p:spPr>
+          <a:xfrm>
+            <a:off x="6190598" y="408333"/>
+            <a:ext cx="5765673" cy="2375421"/>
+          </a:xfrm>
+          <a:prstGeom prst="rect">
+            <a:avLst/>
+          </a:prstGeom>
+          <a:noFill/>
+        </p:spPr>
+        <p:style>
+          <a:lnRef idx="2">
+            <a:schemeClr val="accent1">
+              <a:shade val="50000"/>
+            </a:schemeClr>
+          </a:lnRef>
+          <a:fillRef idx="1">
+            <a:schemeClr val="accent1"/>
+          </a:fillRef>
+          <a:effectRef idx="0">
+            <a:schemeClr val="accent1"/>
+          </a:effectRef>
+          <a:fontRef idx="minor">
+            <a:schemeClr val="lt1"/>
+          </a:fontRef>
+        </p:style>
+        <p:txBody>
+          <a:bodyPr rtlCol="0" anchor="ctr"/>
+          <a:lstStyle/>
+          <a:p>
+            <a:pPr marL="0" marR="0" lvl="0" indent="0" algn="ctr" defTabSz="914400" rtl="0" eaLnBrk="1" fontAlgn="auto" latinLnBrk="0" hangingPunct="1">
+              <a:lnSpc>
+                <a:spcPct val="100000"/>
+              </a:lnSpc>
+              <a:spcBef>
+                <a:spcPts val="0"/>
+              </a:spcBef>
+              <a:spcAft>
+                <a:spcPts val="0"/>
+              </a:spcAft>
+              <a:buClrTx/>
+              <a:buSzTx/>
+              <a:buFontTx/>
+              <a:buNone/>
+              <a:tabLst/>
+              <a:defRPr/>
+            </a:pPr>
+            <a:endParaRPr kumimoji="0" lang="en-US" sz="1800" b="0" i="0" u="none" strike="noStrike" kern="1200" cap="none" spc="0" normalizeH="0" baseline="0" noProof="0">
+              <a:ln>
+                <a:noFill/>
+              </a:ln>
+              <a:solidFill>
+                <a:prstClr val="white"/>
+              </a:solidFill>
+              <a:effectLst/>
+              <a:uLnTx/>
+              <a:uFillTx/>
+              <a:latin typeface="Calibri" panose="020F0502020204030204"/>
+              <a:ea typeface="+mn-ea"/>
+              <a:cs typeface="+mn-cs"/>
+            </a:endParaRPr>
+          </a:p>
+        </p:txBody>
+      </p:sp>
+      <p:sp>
+        <p:nvSpPr>
+          <p:cNvPr id="23" name="Rectangle 22">
+            <a:extLst>
+              <a:ext uri="{FF2B5EF4-FFF2-40B4-BE49-F238E27FC236}">
+                <a16:creationId xmlns:a16="http://schemas.microsoft.com/office/drawing/2014/main" id="{D8A1A327-AD93-49BD-B55F-510209035EEA}"/>
+              </a:ext>
+            </a:extLst>
+          </p:cNvPr>
+          <p:cNvSpPr/>
+          <p:nvPr/>
+        </p:nvSpPr>
+        <p:spPr>
+          <a:xfrm>
+            <a:off x="6190598" y="3242859"/>
+            <a:ext cx="5828644" cy="2397182"/>
+          </a:xfrm>
+          <a:prstGeom prst="rect">
+            <a:avLst/>
+          </a:prstGeom>
+          <a:noFill/>
+        </p:spPr>
+        <p:style>
+          <a:lnRef idx="2">
+            <a:schemeClr val="accent1">
+              <a:shade val="50000"/>
+            </a:schemeClr>
+          </a:lnRef>
+          <a:fillRef idx="1">
+            <a:schemeClr val="accent1"/>
+          </a:fillRef>
+          <a:effectRef idx="0">
+            <a:schemeClr val="accent1"/>
+          </a:effectRef>
+          <a:fontRef idx="minor">
+            <a:schemeClr val="lt1"/>
+          </a:fontRef>
+        </p:style>
+        <p:txBody>
+          <a:bodyPr rtlCol="0" anchor="ctr"/>
+          <a:lstStyle/>
+          <a:p>
+            <a:pPr marL="0" marR="0" lvl="0" indent="0" algn="ctr" defTabSz="914400" rtl="0" eaLnBrk="1" fontAlgn="auto" latinLnBrk="0" hangingPunct="1">
+              <a:lnSpc>
+                <a:spcPct val="100000"/>
+              </a:lnSpc>
+              <a:spcBef>
+                <a:spcPts val="0"/>
+              </a:spcBef>
+              <a:spcAft>
+                <a:spcPts val="0"/>
+              </a:spcAft>
+              <a:buClrTx/>
+              <a:buSzTx/>
+              <a:buFontTx/>
+              <a:buNone/>
+              <a:tabLst/>
+              <a:defRPr/>
+            </a:pPr>
+            <a:endParaRPr kumimoji="0" lang="en-US" sz="1800" b="0" i="0" u="none" strike="noStrike" kern="1200" cap="none" spc="0" normalizeH="0" baseline="0" noProof="0">
+              <a:ln>
+                <a:noFill/>
+              </a:ln>
+              <a:solidFill>
+                <a:prstClr val="white"/>
+              </a:solidFill>
+              <a:effectLst/>
+              <a:uLnTx/>
+              <a:uFillTx/>
+              <a:latin typeface="Calibri" panose="020F0502020204030204"/>
+              <a:ea typeface="+mn-ea"/>
+              <a:cs typeface="+mn-cs"/>
+            </a:endParaRPr>
+          </a:p>
+        </p:txBody>
+      </p:sp>
+      <p:sp>
+        <p:nvSpPr>
+          <p:cNvPr id="26" name="TextBox 25">
+            <a:extLst>
+              <a:ext uri="{FF2B5EF4-FFF2-40B4-BE49-F238E27FC236}">
+                <a16:creationId xmlns:a16="http://schemas.microsoft.com/office/drawing/2014/main" id="{F2FC5854-C924-43DA-B3F6-1DA873DED66D}"/>
+              </a:ext>
+            </a:extLst>
+          </p:cNvPr>
+          <p:cNvSpPr txBox="1"/>
+          <p:nvPr/>
+        </p:nvSpPr>
+        <p:spPr>
+          <a:xfrm>
+            <a:off x="539138" y="109353"/>
+            <a:ext cx="2846677" cy="830997"/>
+          </a:xfrm>
+          <a:prstGeom prst="rect">
+            <a:avLst/>
+          </a:prstGeom>
+          <a:noFill/>
+        </p:spPr>
+        <p:txBody>
+          <a:bodyPr wrap="none" rtlCol="0">
+            <a:spAutoFit/>
+          </a:bodyPr>
+          <a:lstStyle/>
+          <a:p>
+            <a:r>
+              <a:rPr lang="en-US" sz="1600" b="1" dirty="0"/>
+              <a:t>1 SELECT FLOOD HAZARD TYPE:</a:t>
+            </a:r>
+          </a:p>
+          <a:p>
+            <a:r>
+              <a:rPr lang="en-US" sz="1600" dirty="0"/>
+              <a:t>Hazard Type</a:t>
+            </a:r>
+          </a:p>
+          <a:p>
+            <a:r>
+              <a:rPr lang="en-US" sz="1600" dirty="0"/>
+              <a:t>    </a:t>
+            </a:r>
+          </a:p>
+        </p:txBody>
+      </p:sp>
+      <p:sp>
+        <p:nvSpPr>
+          <p:cNvPr id="27" name="TextBox 26">
+            <a:extLst>
+              <a:ext uri="{FF2B5EF4-FFF2-40B4-BE49-F238E27FC236}">
+                <a16:creationId xmlns:a16="http://schemas.microsoft.com/office/drawing/2014/main" id="{BC59CC41-DB8A-489B-BBBD-543D688BAFE0}"/>
+              </a:ext>
+            </a:extLst>
+          </p:cNvPr>
+          <p:cNvSpPr txBox="1"/>
+          <p:nvPr/>
+        </p:nvSpPr>
+        <p:spPr>
+          <a:xfrm>
+            <a:off x="543401" y="1001804"/>
+            <a:ext cx="3124125" cy="830997"/>
+          </a:xfrm>
+          <a:prstGeom prst="rect">
+            <a:avLst/>
+          </a:prstGeom>
+          <a:noFill/>
+        </p:spPr>
+        <p:txBody>
+          <a:bodyPr wrap="none" rtlCol="0">
+            <a:spAutoFit/>
+          </a:bodyPr>
+          <a:lstStyle/>
+          <a:p>
+            <a:r>
+              <a:rPr lang="en-US" sz="1600" b="1" dirty="0"/>
+              <a:t>2 SELECT FLOOD HAZARD SOURCE:</a:t>
+            </a:r>
+          </a:p>
+          <a:p>
+            <a:r>
+              <a:rPr kumimoji="0" lang="en-US" sz="1600" b="0" i="0" u="none" strike="noStrike" kern="1200" cap="none" spc="0" normalizeH="0" baseline="0" noProof="0" dirty="0">
+                <a:ln>
+                  <a:noFill/>
+                </a:ln>
+                <a:solidFill>
+                  <a:prstClr val="black"/>
+                </a:solidFill>
+                <a:effectLst/>
+                <a:uLnTx/>
+                <a:uFillTx/>
+                <a:latin typeface="Calibri" panose="020F0502020204030204"/>
+                <a:ea typeface="+mn-ea"/>
+                <a:cs typeface="+mn-cs"/>
+              </a:rPr>
+              <a:t>[Data Source]</a:t>
+            </a:r>
+          </a:p>
+          <a:p>
+            <a:endParaRPr lang="en-US" sz="1600" dirty="0"/>
+          </a:p>
+        </p:txBody>
+      </p:sp>
+      <p:sp>
+        <p:nvSpPr>
+          <p:cNvPr id="28" name="TextBox 27">
+            <a:extLst>
+              <a:ext uri="{FF2B5EF4-FFF2-40B4-BE49-F238E27FC236}">
+                <a16:creationId xmlns:a16="http://schemas.microsoft.com/office/drawing/2014/main" id="{5A6B3E43-8936-4212-A5FC-BF3DE7BB060C}"/>
+              </a:ext>
+            </a:extLst>
+          </p:cNvPr>
+          <p:cNvSpPr txBox="1"/>
+          <p:nvPr/>
+        </p:nvSpPr>
+        <p:spPr>
+          <a:xfrm>
+            <a:off x="0" y="-342209"/>
+            <a:ext cx="3108864" cy="369332"/>
+          </a:xfrm>
+          <a:prstGeom prst="rect">
+            <a:avLst/>
+          </a:prstGeom>
+          <a:noFill/>
+        </p:spPr>
+        <p:txBody>
+          <a:bodyPr wrap="none" rtlCol="0">
+            <a:spAutoFit/>
+          </a:bodyPr>
+          <a:lstStyle/>
+          <a:p>
+            <a:pPr marL="0" marR="0" lvl="0" indent="0" algn="l" defTabSz="914400" rtl="0" eaLnBrk="1" fontAlgn="auto" latinLnBrk="0" hangingPunct="1">
+              <a:lnSpc>
+                <a:spcPct val="100000"/>
+              </a:lnSpc>
+              <a:spcBef>
+                <a:spcPts val="0"/>
+              </a:spcBef>
+              <a:spcAft>
+                <a:spcPts val="0"/>
+              </a:spcAft>
+              <a:buClrTx/>
+              <a:buSzTx/>
+              <a:buFontTx/>
+              <a:buNone/>
+              <a:tabLst/>
+              <a:defRPr/>
+            </a:pPr>
+            <a:r>
+              <a:rPr kumimoji="0" lang="en-US" sz="1800" b="1" i="0" u="none" strike="noStrike" kern="1200" cap="none" spc="0" normalizeH="0" baseline="0" noProof="0" dirty="0">
+                <a:ln>
+                  <a:noFill/>
+                </a:ln>
+                <a:solidFill>
+                  <a:prstClr val="black"/>
+                </a:solidFill>
+                <a:effectLst/>
+                <a:uLnTx/>
+                <a:uFillTx/>
+                <a:latin typeface="Calibri" panose="020F0502020204030204"/>
+                <a:ea typeface="+mn-ea"/>
+                <a:cs typeface="+mn-cs"/>
+              </a:rPr>
+              <a:t>FLOOD HAZARD IMPORT TOOL</a:t>
+            </a:r>
+          </a:p>
+        </p:txBody>
+      </p:sp>
+      <p:sp>
+        <p:nvSpPr>
+          <p:cNvPr id="29" name="Action Button: Go Back or Previous 28">
+            <a:hlinkClick r:id="" action="ppaction://noaction" highlightClick="1"/>
+            <a:extLst>
+              <a:ext uri="{FF2B5EF4-FFF2-40B4-BE49-F238E27FC236}">
+                <a16:creationId xmlns:a16="http://schemas.microsoft.com/office/drawing/2014/main" id="{C2A68D98-AA14-4EAD-A08D-946FBF537ECC}"/>
+              </a:ext>
+            </a:extLst>
+          </p:cNvPr>
+          <p:cNvSpPr/>
+          <p:nvPr/>
+        </p:nvSpPr>
+        <p:spPr>
+          <a:xfrm rot="16200000">
+            <a:off x="1508062" y="2261536"/>
+            <a:ext cx="174227" cy="194334"/>
+          </a:xfrm>
+          <a:prstGeom prst="actionButtonBackPrevious">
+            <a:avLst/>
+          </a:prstGeom>
+          <a:solidFill>
+            <a:schemeClr val="bg2">
+              <a:lumMod val="90000"/>
+            </a:schemeClr>
+          </a:solidFill>
+          <a:ln>
+            <a:solidFill>
+              <a:schemeClr val="bg1">
+                <a:lumMod val="50000"/>
+              </a:schemeClr>
+            </a:solidFill>
+          </a:ln>
+        </p:spPr>
+        <p:style>
+          <a:lnRef idx="2">
+            <a:schemeClr val="accent1">
+              <a:shade val="50000"/>
+            </a:schemeClr>
+          </a:lnRef>
+          <a:fillRef idx="1">
+            <a:schemeClr val="accent1"/>
+          </a:fillRef>
+          <a:effectRef idx="0">
+            <a:schemeClr val="accent1"/>
+          </a:effectRef>
+          <a:fontRef idx="minor">
+            <a:schemeClr val="lt1"/>
+          </a:fontRef>
+        </p:style>
+        <p:txBody>
+          <a:bodyPr rtlCol="0" anchor="ctr"/>
+          <a:lstStyle/>
+          <a:p>
+            <a:pPr marL="0" marR="0" lvl="0" indent="0" algn="ctr" defTabSz="914400" rtl="0" eaLnBrk="1" fontAlgn="auto" latinLnBrk="0" hangingPunct="1">
+              <a:lnSpc>
+                <a:spcPct val="100000"/>
+              </a:lnSpc>
+              <a:spcBef>
+                <a:spcPts val="0"/>
+              </a:spcBef>
+              <a:spcAft>
+                <a:spcPts val="0"/>
+              </a:spcAft>
+              <a:buClrTx/>
+              <a:buSzTx/>
+              <a:buFontTx/>
+              <a:buNone/>
+              <a:tabLst/>
+              <a:defRPr/>
+            </a:pPr>
+            <a:endParaRPr kumimoji="0" lang="en-US" sz="1800" b="0" i="0" u="none" strike="noStrike" kern="1200" cap="none" spc="0" normalizeH="0" baseline="0" noProof="0">
+              <a:ln>
+                <a:noFill/>
+              </a:ln>
+              <a:solidFill>
+                <a:prstClr val="white"/>
+              </a:solidFill>
+              <a:effectLst/>
+              <a:uLnTx/>
+              <a:uFillTx/>
+              <a:latin typeface="Calibri" panose="020F0502020204030204"/>
+              <a:ea typeface="+mn-ea"/>
+              <a:cs typeface="+mn-cs"/>
+            </a:endParaRPr>
+          </a:p>
+        </p:txBody>
+      </p:sp>
+      <p:sp>
+        <p:nvSpPr>
+          <p:cNvPr id="30" name="Action Button: Go Back or Previous 29">
+            <a:hlinkClick r:id="" action="ppaction://noaction" highlightClick="1"/>
+            <a:extLst>
+              <a:ext uri="{FF2B5EF4-FFF2-40B4-BE49-F238E27FC236}">
+                <a16:creationId xmlns:a16="http://schemas.microsoft.com/office/drawing/2014/main" id="{07F4F258-FE80-453E-A4B1-464901199D48}"/>
+              </a:ext>
+            </a:extLst>
+          </p:cNvPr>
+          <p:cNvSpPr/>
+          <p:nvPr/>
+        </p:nvSpPr>
+        <p:spPr>
+          <a:xfrm rot="16200000">
+            <a:off x="1702398" y="2774451"/>
+            <a:ext cx="174227" cy="194334"/>
+          </a:xfrm>
+          <a:prstGeom prst="actionButtonBackPrevious">
+            <a:avLst/>
+          </a:prstGeom>
+          <a:solidFill>
+            <a:schemeClr val="bg2">
+              <a:lumMod val="90000"/>
+            </a:schemeClr>
+          </a:solidFill>
+          <a:ln>
+            <a:solidFill>
+              <a:schemeClr val="bg1">
+                <a:lumMod val="50000"/>
+              </a:schemeClr>
+            </a:solidFill>
+          </a:ln>
+        </p:spPr>
+        <p:style>
+          <a:lnRef idx="2">
+            <a:schemeClr val="accent1">
+              <a:shade val="50000"/>
+            </a:schemeClr>
+          </a:lnRef>
+          <a:fillRef idx="1">
+            <a:schemeClr val="accent1"/>
+          </a:fillRef>
+          <a:effectRef idx="0">
+            <a:schemeClr val="accent1"/>
+          </a:effectRef>
+          <a:fontRef idx="minor">
+            <a:schemeClr val="lt1"/>
+          </a:fontRef>
+        </p:style>
+        <p:txBody>
+          <a:bodyPr rtlCol="0" anchor="ctr"/>
+          <a:lstStyle/>
+          <a:p>
+            <a:pPr marL="0" marR="0" lvl="0" indent="0" algn="ctr" defTabSz="914400" rtl="0" eaLnBrk="1" fontAlgn="auto" latinLnBrk="0" hangingPunct="1">
+              <a:lnSpc>
+                <a:spcPct val="100000"/>
+              </a:lnSpc>
+              <a:spcBef>
+                <a:spcPts val="0"/>
+              </a:spcBef>
+              <a:spcAft>
+                <a:spcPts val="0"/>
+              </a:spcAft>
+              <a:buClrTx/>
+              <a:buSzTx/>
+              <a:buFontTx/>
+              <a:buNone/>
+              <a:tabLst/>
+              <a:defRPr/>
+            </a:pPr>
+            <a:endParaRPr kumimoji="0" lang="en-US" sz="1800" b="0" i="0" u="none" strike="noStrike" kern="1200" cap="none" spc="0" normalizeH="0" baseline="0" noProof="0">
+              <a:ln>
+                <a:noFill/>
+              </a:ln>
+              <a:solidFill>
+                <a:prstClr val="white"/>
+              </a:solidFill>
+              <a:effectLst/>
+              <a:uLnTx/>
+              <a:uFillTx/>
+              <a:latin typeface="Calibri" panose="020F0502020204030204"/>
+              <a:ea typeface="+mn-ea"/>
+              <a:cs typeface="+mn-cs"/>
+            </a:endParaRPr>
+          </a:p>
+        </p:txBody>
+      </p:sp>
+      <p:sp>
+        <p:nvSpPr>
+          <p:cNvPr id="31" name="Action Button: Go Back or Previous 30">
+            <a:hlinkClick r:id="" action="ppaction://noaction" highlightClick="1"/>
+            <a:extLst>
+              <a:ext uri="{FF2B5EF4-FFF2-40B4-BE49-F238E27FC236}">
+                <a16:creationId xmlns:a16="http://schemas.microsoft.com/office/drawing/2014/main" id="{5536E59D-4694-4C42-AB80-CDB4D09C2A42}"/>
+              </a:ext>
+            </a:extLst>
+          </p:cNvPr>
+          <p:cNvSpPr/>
+          <p:nvPr/>
+        </p:nvSpPr>
+        <p:spPr>
+          <a:xfrm rot="16200000">
+            <a:off x="1825970" y="3030909"/>
+            <a:ext cx="174227" cy="194334"/>
+          </a:xfrm>
+          <a:prstGeom prst="actionButtonBackPrevious">
+            <a:avLst/>
+          </a:prstGeom>
+          <a:solidFill>
+            <a:schemeClr val="bg2">
+              <a:lumMod val="90000"/>
+            </a:schemeClr>
+          </a:solidFill>
+          <a:ln>
+            <a:solidFill>
+              <a:schemeClr val="bg1">
+                <a:lumMod val="50000"/>
+              </a:schemeClr>
+            </a:solidFill>
+          </a:ln>
+        </p:spPr>
+        <p:style>
+          <a:lnRef idx="2">
+            <a:schemeClr val="accent1">
+              <a:shade val="50000"/>
+            </a:schemeClr>
+          </a:lnRef>
+          <a:fillRef idx="1">
+            <a:schemeClr val="accent1"/>
+          </a:fillRef>
+          <a:effectRef idx="0">
+            <a:schemeClr val="accent1"/>
+          </a:effectRef>
+          <a:fontRef idx="minor">
+            <a:schemeClr val="lt1"/>
+          </a:fontRef>
+        </p:style>
+        <p:txBody>
+          <a:bodyPr rtlCol="0" anchor="ctr"/>
+          <a:lstStyle/>
+          <a:p>
+            <a:pPr marL="0" marR="0" lvl="0" indent="0" algn="ctr" defTabSz="914400" rtl="0" eaLnBrk="1" fontAlgn="auto" latinLnBrk="0" hangingPunct="1">
+              <a:lnSpc>
+                <a:spcPct val="100000"/>
+              </a:lnSpc>
+              <a:spcBef>
+                <a:spcPts val="0"/>
+              </a:spcBef>
+              <a:spcAft>
+                <a:spcPts val="0"/>
+              </a:spcAft>
+              <a:buClrTx/>
+              <a:buSzTx/>
+              <a:buFontTx/>
+              <a:buNone/>
+              <a:tabLst/>
+              <a:defRPr/>
+            </a:pPr>
+            <a:endParaRPr kumimoji="0" lang="en-US" sz="1800" b="0" i="0" u="none" strike="noStrike" kern="1200" cap="none" spc="0" normalizeH="0" baseline="0" noProof="0">
+              <a:ln>
+                <a:noFill/>
+              </a:ln>
+              <a:solidFill>
+                <a:prstClr val="white"/>
+              </a:solidFill>
+              <a:effectLst/>
+              <a:uLnTx/>
+              <a:uFillTx/>
+              <a:latin typeface="Calibri" panose="020F0502020204030204"/>
+              <a:ea typeface="+mn-ea"/>
+              <a:cs typeface="+mn-cs"/>
+            </a:endParaRPr>
+          </a:p>
+        </p:txBody>
+      </p:sp>
+      <p:sp>
+        <p:nvSpPr>
+          <p:cNvPr id="32" name="Action Button: Go Back or Previous 31">
+            <a:hlinkClick r:id="" action="ppaction://noaction" highlightClick="1"/>
+            <a:extLst>
+              <a:ext uri="{FF2B5EF4-FFF2-40B4-BE49-F238E27FC236}">
+                <a16:creationId xmlns:a16="http://schemas.microsoft.com/office/drawing/2014/main" id="{BF5CA8AF-3137-4804-9BB6-58650E2C7432}"/>
+              </a:ext>
+            </a:extLst>
+          </p:cNvPr>
+          <p:cNvSpPr/>
+          <p:nvPr/>
+        </p:nvSpPr>
+        <p:spPr>
+          <a:xfrm rot="16200000">
+            <a:off x="1760450" y="1320134"/>
+            <a:ext cx="174227" cy="194334"/>
+          </a:xfrm>
+          <a:prstGeom prst="actionButtonBackPrevious">
+            <a:avLst/>
+          </a:prstGeom>
+          <a:solidFill>
+            <a:schemeClr val="bg2">
+              <a:lumMod val="90000"/>
+            </a:schemeClr>
+          </a:solidFill>
+          <a:ln>
+            <a:solidFill>
+              <a:schemeClr val="bg1">
+                <a:lumMod val="50000"/>
+              </a:schemeClr>
+            </a:solidFill>
+          </a:ln>
+        </p:spPr>
+        <p:style>
+          <a:lnRef idx="2">
+            <a:schemeClr val="accent1">
+              <a:shade val="50000"/>
+            </a:schemeClr>
+          </a:lnRef>
+          <a:fillRef idx="1">
+            <a:schemeClr val="accent1"/>
+          </a:fillRef>
+          <a:effectRef idx="0">
+            <a:schemeClr val="accent1"/>
+          </a:effectRef>
+          <a:fontRef idx="minor">
+            <a:schemeClr val="lt1"/>
+          </a:fontRef>
+        </p:style>
+        <p:txBody>
+          <a:bodyPr rtlCol="0" anchor="ctr"/>
+          <a:lstStyle/>
+          <a:p>
+            <a:pPr marL="0" marR="0" lvl="0" indent="0" algn="ctr" defTabSz="914400" rtl="0" eaLnBrk="1" fontAlgn="auto" latinLnBrk="0" hangingPunct="1">
+              <a:lnSpc>
+                <a:spcPct val="100000"/>
+              </a:lnSpc>
+              <a:spcBef>
+                <a:spcPts val="0"/>
+              </a:spcBef>
+              <a:spcAft>
+                <a:spcPts val="0"/>
+              </a:spcAft>
+              <a:buClrTx/>
+              <a:buSzTx/>
+              <a:buFontTx/>
+              <a:buNone/>
+              <a:tabLst/>
+              <a:defRPr/>
+            </a:pPr>
+            <a:endParaRPr kumimoji="0" lang="en-US" sz="1800" b="0" i="0" u="none" strike="noStrike" kern="1200" cap="none" spc="0" normalizeH="0" baseline="0" noProof="0">
+              <a:ln>
+                <a:noFill/>
+              </a:ln>
+              <a:solidFill>
+                <a:prstClr val="white"/>
+              </a:solidFill>
+              <a:effectLst/>
+              <a:uLnTx/>
+              <a:uFillTx/>
+              <a:latin typeface="Calibri" panose="020F0502020204030204"/>
+              <a:ea typeface="+mn-ea"/>
+              <a:cs typeface="+mn-cs"/>
+            </a:endParaRPr>
+          </a:p>
+        </p:txBody>
+      </p:sp>
+      <p:sp>
+        <p:nvSpPr>
+          <p:cNvPr id="24" name="Action Button: Go Back or Previous 23">
+            <a:hlinkClick r:id="" action="ppaction://noaction" highlightClick="1"/>
+            <a:extLst>
+              <a:ext uri="{FF2B5EF4-FFF2-40B4-BE49-F238E27FC236}">
+                <a16:creationId xmlns:a16="http://schemas.microsoft.com/office/drawing/2014/main" id="{109460EE-B58D-4A48-AC72-E4F9C27B5D38}"/>
+              </a:ext>
+            </a:extLst>
+          </p:cNvPr>
+          <p:cNvSpPr/>
+          <p:nvPr/>
+        </p:nvSpPr>
+        <p:spPr>
+          <a:xfrm rot="16200000">
+            <a:off x="1071925" y="6090136"/>
+            <a:ext cx="148535" cy="97192"/>
+          </a:xfrm>
+          <a:prstGeom prst="actionButtonBackPrevious">
+            <a:avLst/>
+          </a:prstGeom>
+          <a:solidFill>
+            <a:schemeClr val="bg2">
+              <a:lumMod val="90000"/>
+            </a:schemeClr>
+          </a:solidFill>
+          <a:ln>
+            <a:solidFill>
+              <a:schemeClr val="bg1">
+                <a:lumMod val="50000"/>
+              </a:schemeClr>
+            </a:solidFill>
+          </a:ln>
+        </p:spPr>
+        <p:style>
+          <a:lnRef idx="2">
+            <a:schemeClr val="accent1">
+              <a:shade val="50000"/>
+            </a:schemeClr>
+          </a:lnRef>
+          <a:fillRef idx="1">
+            <a:schemeClr val="accent1"/>
+          </a:fillRef>
+          <a:effectRef idx="0">
+            <a:schemeClr val="accent1"/>
+          </a:effectRef>
+          <a:fontRef idx="minor">
+            <a:schemeClr val="lt1"/>
+          </a:fontRef>
+        </p:style>
+        <p:txBody>
+          <a:bodyPr rtlCol="0" anchor="ctr"/>
+          <a:lstStyle/>
+          <a:p>
+            <a:pPr marL="0" marR="0" lvl="0" indent="0" algn="ctr" defTabSz="914400" rtl="0" eaLnBrk="1" fontAlgn="auto" latinLnBrk="0" hangingPunct="1">
+              <a:lnSpc>
+                <a:spcPct val="100000"/>
+              </a:lnSpc>
+              <a:spcBef>
+                <a:spcPts val="0"/>
+              </a:spcBef>
+              <a:spcAft>
+                <a:spcPts val="0"/>
+              </a:spcAft>
+              <a:buClrTx/>
+              <a:buSzTx/>
+              <a:buFontTx/>
+              <a:buNone/>
+              <a:tabLst/>
+              <a:defRPr/>
+            </a:pPr>
+            <a:endParaRPr kumimoji="0" lang="en-US" sz="1800" b="0" i="0" u="none" strike="noStrike" kern="1200" cap="none" spc="0" normalizeH="0" baseline="0" noProof="0">
+              <a:ln>
+                <a:noFill/>
+              </a:ln>
+              <a:solidFill>
+                <a:prstClr val="white"/>
+              </a:solidFill>
+              <a:effectLst/>
+              <a:uLnTx/>
+              <a:uFillTx/>
+              <a:latin typeface="Calibri" panose="020F0502020204030204"/>
+              <a:ea typeface="+mn-ea"/>
+              <a:cs typeface="+mn-cs"/>
+            </a:endParaRPr>
+          </a:p>
+        </p:txBody>
+      </p:sp>
+      <p:sp>
+        <p:nvSpPr>
+          <p:cNvPr id="35" name="TextBox 34">
+            <a:extLst>
+              <a:ext uri="{FF2B5EF4-FFF2-40B4-BE49-F238E27FC236}">
+                <a16:creationId xmlns:a16="http://schemas.microsoft.com/office/drawing/2014/main" id="{D0DE8AE7-1977-4C8E-8542-58C287C687F7}"/>
+              </a:ext>
+            </a:extLst>
+          </p:cNvPr>
+          <p:cNvSpPr txBox="1"/>
+          <p:nvPr/>
+        </p:nvSpPr>
+        <p:spPr>
+          <a:xfrm>
+            <a:off x="744535" y="3744455"/>
+            <a:ext cx="4877425" cy="276999"/>
+          </a:xfrm>
+          <a:prstGeom prst="rect">
+            <a:avLst/>
+          </a:prstGeom>
+          <a:noFill/>
+        </p:spPr>
+        <p:txBody>
+          <a:bodyPr wrap="none" rtlCol="0">
+            <a:spAutoFit/>
+          </a:bodyPr>
+          <a:lstStyle/>
+          <a:p>
+            <a:pPr marL="0" marR="0" lvl="0" indent="0" algn="l" defTabSz="914400" rtl="0" eaLnBrk="1" fontAlgn="auto" latinLnBrk="0" hangingPunct="1">
+              <a:lnSpc>
+                <a:spcPct val="100000"/>
+              </a:lnSpc>
+              <a:spcBef>
+                <a:spcPts val="0"/>
+              </a:spcBef>
+              <a:spcAft>
+                <a:spcPts val="0"/>
+              </a:spcAft>
+              <a:buClrTx/>
+              <a:buSzTx/>
+              <a:buFontTx/>
+              <a:buNone/>
+              <a:tabLst/>
+              <a:defRPr/>
+            </a:pPr>
+            <a:r>
+              <a:rPr lang="en-US" sz="1200" dirty="0">
+                <a:solidFill>
+                  <a:srgbClr val="FF0000"/>
+                </a:solidFill>
+                <a:latin typeface="Calibri" panose="020F0502020204030204"/>
+              </a:rPr>
+              <a:t>Blank space to adjust as necessary for other data source s</a:t>
+            </a:r>
+            <a:r>
+              <a:rPr kumimoji="0" lang="en-US" sz="1200" b="0" i="0" u="none" strike="noStrike" kern="1200" cap="none" spc="0" normalizeH="0" baseline="0" noProof="0" dirty="0" err="1">
+                <a:ln>
+                  <a:noFill/>
+                </a:ln>
+                <a:solidFill>
+                  <a:srgbClr val="FF0000"/>
+                </a:solidFill>
+                <a:effectLst/>
+                <a:uLnTx/>
+                <a:uFillTx/>
+                <a:latin typeface="Calibri" panose="020F0502020204030204"/>
+                <a:ea typeface="+mn-ea"/>
+                <a:cs typeface="+mn-cs"/>
+              </a:rPr>
+              <a:t>earch</a:t>
+            </a:r>
+            <a:r>
+              <a:rPr kumimoji="0" lang="en-US" sz="1200" b="0" i="0" u="none" strike="noStrike" kern="1200" cap="none" spc="0" normalizeH="0" baseline="0" noProof="0" dirty="0">
+                <a:ln>
+                  <a:noFill/>
+                </a:ln>
+                <a:solidFill>
+                  <a:srgbClr val="FF0000"/>
+                </a:solidFill>
+                <a:effectLst/>
+                <a:uLnTx/>
+                <a:uFillTx/>
+                <a:latin typeface="Calibri" panose="020F0502020204030204"/>
+                <a:ea typeface="+mn-ea"/>
+                <a:cs typeface="+mn-cs"/>
+              </a:rPr>
+              <a:t> parameters.</a:t>
+            </a:r>
+          </a:p>
+        </p:txBody>
+      </p:sp>
+      <p:sp>
+        <p:nvSpPr>
+          <p:cNvPr id="5" name="TextBox 4">
+            <a:extLst>
+              <a:ext uri="{FF2B5EF4-FFF2-40B4-BE49-F238E27FC236}">
+                <a16:creationId xmlns:a16="http://schemas.microsoft.com/office/drawing/2014/main" id="{EF31AF26-8273-488B-A2A6-B58E7C7F2F93}"/>
+              </a:ext>
+            </a:extLst>
+          </p:cNvPr>
+          <p:cNvSpPr txBox="1"/>
+          <p:nvPr/>
+        </p:nvSpPr>
+        <p:spPr>
+          <a:xfrm>
+            <a:off x="2417894" y="6432949"/>
+            <a:ext cx="3411406" cy="276999"/>
+          </a:xfrm>
+          <a:prstGeom prst="rect">
+            <a:avLst/>
+          </a:prstGeom>
+          <a:solidFill>
+            <a:schemeClr val="bg1">
+              <a:lumMod val="85000"/>
+            </a:schemeClr>
+          </a:solidFill>
+        </p:spPr>
+        <p:txBody>
+          <a:bodyPr wrap="square" rtlCol="0">
+            <a:spAutoFit/>
+          </a:bodyPr>
+          <a:lstStyle/>
+          <a:p>
+            <a:r>
+              <a:rPr lang="en-US" sz="1200" b="1" i="0" dirty="0">
+                <a:solidFill>
+                  <a:prstClr val="black"/>
+                </a:solidFill>
+                <a:latin typeface="Calibri" panose="020F0502020204030204"/>
+              </a:rPr>
+              <a:t>[</a:t>
+            </a:r>
+            <a:r>
+              <a:rPr lang="en-US" sz="1200" b="1" dirty="0">
+                <a:latin typeface="Calibri" panose="020F0502020204030204"/>
+              </a:rPr>
+              <a:t>S</a:t>
+            </a:r>
+            <a:r>
+              <a:rPr kumimoji="0" lang="en-US" sz="1200" b="1" u="none" strike="noStrike" kern="1200" cap="none" spc="0" normalizeH="0" baseline="0" noProof="0" dirty="0">
+                <a:ln>
+                  <a:noFill/>
+                </a:ln>
+                <a:effectLst/>
+                <a:uLnTx/>
+                <a:uFillTx/>
+                <a:latin typeface="Calibri" panose="020F0502020204030204"/>
+                <a:ea typeface="+mn-ea"/>
+                <a:cs typeface="+mn-cs"/>
+              </a:rPr>
+              <a:t>elect SR | Select polygon | Enter min/max x/y]</a:t>
+            </a:r>
+            <a:endParaRPr lang="en-US" sz="1200" b="1" dirty="0"/>
+          </a:p>
+        </p:txBody>
+      </p:sp>
+      <p:sp>
+        <p:nvSpPr>
+          <p:cNvPr id="36" name="Action Button: Go Back or Previous 35">
+            <a:hlinkClick r:id="" action="ppaction://noaction" highlightClick="1"/>
+            <a:extLst>
+              <a:ext uri="{FF2B5EF4-FFF2-40B4-BE49-F238E27FC236}">
+                <a16:creationId xmlns:a16="http://schemas.microsoft.com/office/drawing/2014/main" id="{078966DA-71F5-41D6-99B2-C1660E480468}"/>
+              </a:ext>
+            </a:extLst>
+          </p:cNvPr>
+          <p:cNvSpPr/>
+          <p:nvPr/>
+        </p:nvSpPr>
+        <p:spPr>
+          <a:xfrm rot="16200000">
+            <a:off x="1663283" y="431201"/>
+            <a:ext cx="174227" cy="194334"/>
+          </a:xfrm>
+          <a:prstGeom prst="actionButtonBackPrevious">
+            <a:avLst/>
+          </a:prstGeom>
+          <a:solidFill>
+            <a:schemeClr val="bg2">
+              <a:lumMod val="90000"/>
+            </a:schemeClr>
+          </a:solidFill>
+          <a:ln>
+            <a:solidFill>
+              <a:schemeClr val="bg1">
+                <a:lumMod val="50000"/>
+              </a:schemeClr>
+            </a:solidFill>
+          </a:ln>
+        </p:spPr>
+        <p:style>
+          <a:lnRef idx="2">
+            <a:schemeClr val="accent1">
+              <a:shade val="50000"/>
+            </a:schemeClr>
+          </a:lnRef>
+          <a:fillRef idx="1">
+            <a:schemeClr val="accent1"/>
+          </a:fillRef>
+          <a:effectRef idx="0">
+            <a:schemeClr val="accent1"/>
+          </a:effectRef>
+          <a:fontRef idx="minor">
+            <a:schemeClr val="lt1"/>
+          </a:fontRef>
+        </p:style>
+        <p:txBody>
+          <a:bodyPr rtlCol="0" anchor="ctr"/>
+          <a:lstStyle/>
+          <a:p>
+            <a:pPr marL="0" marR="0" lvl="0" indent="0" algn="ctr" defTabSz="914400" rtl="0" eaLnBrk="1" fontAlgn="auto" latinLnBrk="0" hangingPunct="1">
+              <a:lnSpc>
+                <a:spcPct val="100000"/>
+              </a:lnSpc>
+              <a:spcBef>
+                <a:spcPts val="0"/>
+              </a:spcBef>
+              <a:spcAft>
+                <a:spcPts val="0"/>
+              </a:spcAft>
+              <a:buClrTx/>
+              <a:buSzTx/>
+              <a:buFontTx/>
+              <a:buNone/>
+              <a:tabLst/>
+              <a:defRPr/>
+            </a:pPr>
+            <a:endParaRPr kumimoji="0" lang="en-US" sz="1800" b="0" i="0" u="none" strike="noStrike" kern="1200" cap="none" spc="0" normalizeH="0" baseline="0" noProof="0">
+              <a:ln>
+                <a:noFill/>
+              </a:ln>
+              <a:solidFill>
+                <a:prstClr val="white"/>
+              </a:solidFill>
+              <a:effectLst/>
+              <a:uLnTx/>
+              <a:uFillTx/>
+              <a:latin typeface="Calibri" panose="020F0502020204030204"/>
+              <a:ea typeface="+mn-ea"/>
+              <a:cs typeface="+mn-cs"/>
+            </a:endParaRPr>
+          </a:p>
+        </p:txBody>
+      </p:sp>
+      <p:sp>
+        <p:nvSpPr>
+          <p:cNvPr id="33" name="TextBox 32">
+            <a:extLst>
+              <a:ext uri="{FF2B5EF4-FFF2-40B4-BE49-F238E27FC236}">
+                <a16:creationId xmlns:a16="http://schemas.microsoft.com/office/drawing/2014/main" id="{FD5026DD-C674-4007-9692-3AA45C7E2EB2}"/>
+              </a:ext>
+            </a:extLst>
+          </p:cNvPr>
+          <p:cNvSpPr txBox="1"/>
+          <p:nvPr/>
+        </p:nvSpPr>
+        <p:spPr>
+          <a:xfrm>
+            <a:off x="629089" y="1967800"/>
+            <a:ext cx="1668985" cy="276999"/>
+          </a:xfrm>
+          <a:prstGeom prst="rect">
+            <a:avLst/>
+          </a:prstGeom>
+          <a:solidFill>
+            <a:schemeClr val="bg1">
+              <a:lumMod val="85000"/>
+            </a:schemeClr>
+          </a:solidFill>
+        </p:spPr>
+        <p:txBody>
+          <a:bodyPr wrap="square" rtlCol="0">
+            <a:spAutoFit/>
+          </a:bodyPr>
+          <a:lstStyle/>
+          <a:p>
+            <a:r>
+              <a:rPr lang="en-US" sz="1200" b="1" dirty="0">
+                <a:solidFill>
+                  <a:prstClr val="black"/>
+                </a:solidFill>
+                <a:latin typeface="Calibri" panose="020F0502020204030204"/>
+              </a:rPr>
+              <a:t>Search by Study Region </a:t>
+            </a:r>
+            <a:endParaRPr lang="en-US" sz="1200" b="1" dirty="0"/>
+          </a:p>
+        </p:txBody>
+      </p:sp>
+      <p:sp>
+        <p:nvSpPr>
+          <p:cNvPr id="34" name="TextBox 33">
+            <a:extLst>
+              <a:ext uri="{FF2B5EF4-FFF2-40B4-BE49-F238E27FC236}">
+                <a16:creationId xmlns:a16="http://schemas.microsoft.com/office/drawing/2014/main" id="{9F796385-D846-4F5B-9AF9-20405D8E1D01}"/>
+              </a:ext>
+            </a:extLst>
+          </p:cNvPr>
+          <p:cNvSpPr txBox="1"/>
+          <p:nvPr/>
+        </p:nvSpPr>
+        <p:spPr>
+          <a:xfrm>
+            <a:off x="2298075" y="5776754"/>
+            <a:ext cx="1286314" cy="276999"/>
+          </a:xfrm>
+          <a:prstGeom prst="rect">
+            <a:avLst/>
+          </a:prstGeom>
+          <a:noFill/>
+        </p:spPr>
+        <p:txBody>
+          <a:bodyPr wrap="none" rtlCol="0">
+            <a:spAutoFit/>
+          </a:bodyPr>
+          <a:lstStyle/>
+          <a:p>
+            <a:pPr marL="0" marR="0" lvl="0" indent="0" algn="l" defTabSz="914400" rtl="0" eaLnBrk="1" fontAlgn="auto" latinLnBrk="0" hangingPunct="1">
+              <a:lnSpc>
+                <a:spcPct val="100000"/>
+              </a:lnSpc>
+              <a:spcBef>
+                <a:spcPts val="0"/>
+              </a:spcBef>
+              <a:spcAft>
+                <a:spcPts val="0"/>
+              </a:spcAft>
+              <a:buClrTx/>
+              <a:buSzTx/>
+              <a:buFontTx/>
+              <a:buNone/>
+              <a:tabLst/>
+              <a:defRPr/>
+            </a:pPr>
+            <a:r>
+              <a:rPr lang="en-US" sz="1200" dirty="0">
+                <a:solidFill>
+                  <a:srgbClr val="FF0000"/>
+                </a:solidFill>
+                <a:latin typeface="Calibri" panose="020F0502020204030204"/>
+              </a:rPr>
+              <a:t>Project by default</a:t>
+            </a:r>
+            <a:endParaRPr kumimoji="0" lang="en-US" sz="1200" b="0" i="0" u="none" strike="noStrike" kern="1200" cap="none" spc="0" normalizeH="0" baseline="0" noProof="0" dirty="0">
+              <a:ln>
+                <a:noFill/>
+              </a:ln>
+              <a:solidFill>
+                <a:srgbClr val="FF0000"/>
+              </a:solidFill>
+              <a:effectLst/>
+              <a:uLnTx/>
+              <a:uFillTx/>
+              <a:latin typeface="Calibri" panose="020F0502020204030204"/>
+              <a:ea typeface="+mn-ea"/>
+              <a:cs typeface="+mn-cs"/>
+            </a:endParaRPr>
+          </a:p>
+        </p:txBody>
+      </p:sp>
+      <p:sp>
+        <p:nvSpPr>
+          <p:cNvPr id="37" name="TextBox 36">
+            <a:extLst>
+              <a:ext uri="{FF2B5EF4-FFF2-40B4-BE49-F238E27FC236}">
+                <a16:creationId xmlns:a16="http://schemas.microsoft.com/office/drawing/2014/main" id="{A7AB6CE4-50A1-440C-8884-589269F60EDF}"/>
+              </a:ext>
+            </a:extLst>
+          </p:cNvPr>
+          <p:cNvSpPr txBox="1"/>
+          <p:nvPr/>
+        </p:nvSpPr>
+        <p:spPr>
+          <a:xfrm>
+            <a:off x="3076915" y="6204869"/>
+            <a:ext cx="2969980" cy="276999"/>
+          </a:xfrm>
+          <a:prstGeom prst="rect">
+            <a:avLst/>
+          </a:prstGeom>
+          <a:noFill/>
+        </p:spPr>
+        <p:txBody>
+          <a:bodyPr wrap="none" rtlCol="0">
+            <a:spAutoFit/>
+          </a:bodyPr>
+          <a:lstStyle/>
+          <a:p>
+            <a:pPr marL="0" marR="0" lvl="0" indent="0" algn="l" defTabSz="914400" rtl="0" eaLnBrk="1" fontAlgn="auto" latinLnBrk="0" hangingPunct="1">
+              <a:lnSpc>
+                <a:spcPct val="100000"/>
+              </a:lnSpc>
+              <a:spcBef>
+                <a:spcPts val="0"/>
+              </a:spcBef>
+              <a:spcAft>
+                <a:spcPts val="0"/>
+              </a:spcAft>
+              <a:buClrTx/>
+              <a:buSzTx/>
+              <a:buFontTx/>
+              <a:buNone/>
+              <a:tabLst/>
+              <a:defRPr/>
+            </a:pPr>
+            <a:r>
+              <a:rPr lang="en-US" sz="1200" dirty="0">
+                <a:solidFill>
+                  <a:srgbClr val="FF0000"/>
+                </a:solidFill>
+                <a:latin typeface="Calibri" panose="020F0502020204030204"/>
+              </a:rPr>
+              <a:t>Could warn user if already exists and prompt</a:t>
+            </a:r>
+            <a:endParaRPr kumimoji="0" lang="en-US" sz="1200" b="0" i="0" u="none" strike="noStrike" kern="1200" cap="none" spc="0" normalizeH="0" baseline="0" noProof="0" dirty="0">
+              <a:ln>
+                <a:noFill/>
+              </a:ln>
+              <a:solidFill>
+                <a:srgbClr val="FF0000"/>
+              </a:solidFill>
+              <a:effectLst/>
+              <a:uLnTx/>
+              <a:uFillTx/>
+              <a:latin typeface="Calibri" panose="020F0502020204030204"/>
+              <a:ea typeface="+mn-ea"/>
+              <a:cs typeface="+mn-cs"/>
+            </a:endParaRPr>
+          </a:p>
+        </p:txBody>
+      </p:sp>
+      <p:sp>
+        <p:nvSpPr>
+          <p:cNvPr id="38" name="TextBox 37">
+            <a:extLst>
+              <a:ext uri="{FF2B5EF4-FFF2-40B4-BE49-F238E27FC236}">
+                <a16:creationId xmlns:a16="http://schemas.microsoft.com/office/drawing/2014/main" id="{7803B2F0-E783-4680-B4D3-689051C69D1D}"/>
+              </a:ext>
+            </a:extLst>
+          </p:cNvPr>
+          <p:cNvSpPr txBox="1"/>
+          <p:nvPr/>
+        </p:nvSpPr>
+        <p:spPr>
+          <a:xfrm>
+            <a:off x="2358626" y="1967800"/>
+            <a:ext cx="3529941" cy="276999"/>
+          </a:xfrm>
+          <a:prstGeom prst="rect">
+            <a:avLst/>
+          </a:prstGeom>
+          <a:noFill/>
+        </p:spPr>
+        <p:txBody>
+          <a:bodyPr wrap="none" rtlCol="0">
+            <a:spAutoFit/>
+          </a:bodyPr>
+          <a:lstStyle/>
+          <a:p>
+            <a:pPr marL="0" marR="0" lvl="0" indent="0" algn="l" defTabSz="914400" rtl="0" eaLnBrk="1" fontAlgn="auto" latinLnBrk="0" hangingPunct="1">
+              <a:lnSpc>
+                <a:spcPct val="100000"/>
+              </a:lnSpc>
+              <a:spcBef>
+                <a:spcPts val="0"/>
+              </a:spcBef>
+              <a:spcAft>
+                <a:spcPts val="0"/>
+              </a:spcAft>
+              <a:buClrTx/>
+              <a:buSzTx/>
+              <a:buFontTx/>
+              <a:buNone/>
+              <a:tabLst/>
+              <a:defRPr/>
+            </a:pPr>
+            <a:r>
+              <a:rPr lang="en-US" sz="1200" dirty="0">
+                <a:solidFill>
+                  <a:srgbClr val="FF0000"/>
+                </a:solidFill>
+                <a:latin typeface="Calibri" panose="020F0502020204030204"/>
+              </a:rPr>
+              <a:t>*Only some data sources can support searching by SR</a:t>
+            </a:r>
+            <a:endParaRPr kumimoji="0" lang="en-US" sz="1200" b="0" i="0" u="none" strike="noStrike" kern="1200" cap="none" spc="0" normalizeH="0" baseline="0" noProof="0" dirty="0">
+              <a:ln>
+                <a:noFill/>
+              </a:ln>
+              <a:solidFill>
+                <a:srgbClr val="FF0000"/>
+              </a:solidFill>
+              <a:effectLst/>
+              <a:uLnTx/>
+              <a:uFillTx/>
+              <a:latin typeface="Calibri" panose="020F0502020204030204"/>
+              <a:ea typeface="+mn-ea"/>
+              <a:cs typeface="+mn-cs"/>
+            </a:endParaRPr>
+          </a:p>
+        </p:txBody>
+      </p:sp>
+      <p:sp>
+        <p:nvSpPr>
+          <p:cNvPr id="39" name="TextBox 38">
+            <a:extLst>
+              <a:ext uri="{FF2B5EF4-FFF2-40B4-BE49-F238E27FC236}">
+                <a16:creationId xmlns:a16="http://schemas.microsoft.com/office/drawing/2014/main" id="{96F34B43-F0F5-4BE0-A9C3-8C280D9D595F}"/>
+              </a:ext>
+            </a:extLst>
+          </p:cNvPr>
+          <p:cNvSpPr txBox="1"/>
+          <p:nvPr/>
+        </p:nvSpPr>
+        <p:spPr>
+          <a:xfrm>
+            <a:off x="2131105" y="2259222"/>
+            <a:ext cx="899349" cy="646331"/>
+          </a:xfrm>
+          <a:prstGeom prst="rect">
+            <a:avLst/>
+          </a:prstGeom>
+          <a:noFill/>
+        </p:spPr>
+        <p:txBody>
+          <a:bodyPr wrap="none" rtlCol="0">
+            <a:spAutoFit/>
+          </a:bodyPr>
+          <a:lstStyle/>
+          <a:p>
+            <a:pPr marL="0" marR="0" lvl="0" indent="0" algn="l" defTabSz="914400" rtl="0" eaLnBrk="1" fontAlgn="auto" latinLnBrk="0" hangingPunct="1">
+              <a:lnSpc>
+                <a:spcPct val="100000"/>
+              </a:lnSpc>
+              <a:spcBef>
+                <a:spcPts val="0"/>
+              </a:spcBef>
+              <a:spcAft>
+                <a:spcPts val="0"/>
+              </a:spcAft>
+              <a:buClrTx/>
+              <a:buSzTx/>
+              <a:buFontTx/>
+              <a:buNone/>
+              <a:tabLst/>
+              <a:defRPr/>
+            </a:pPr>
+            <a:r>
+              <a:rPr lang="en-US" sz="1200" dirty="0">
+                <a:solidFill>
+                  <a:srgbClr val="FF0000"/>
+                </a:solidFill>
+                <a:latin typeface="Calibri" panose="020F0502020204030204"/>
+              </a:rPr>
+              <a:t>ADCIRC</a:t>
+            </a:r>
+          </a:p>
+          <a:p>
+            <a:pPr marL="0" marR="0" lvl="0" indent="0" algn="l" defTabSz="914400" rtl="0" eaLnBrk="1" fontAlgn="auto" latinLnBrk="0" hangingPunct="1">
+              <a:lnSpc>
+                <a:spcPct val="100000"/>
+              </a:lnSpc>
+              <a:spcBef>
+                <a:spcPts val="0"/>
+              </a:spcBef>
+              <a:spcAft>
+                <a:spcPts val="0"/>
+              </a:spcAft>
+              <a:buClrTx/>
+              <a:buSzTx/>
+              <a:buFontTx/>
+              <a:buNone/>
+              <a:tabLst/>
+              <a:defRPr/>
+            </a:pPr>
+            <a:r>
+              <a:rPr kumimoji="0" lang="en-US" sz="1200" b="0" i="0" u="none" strike="noStrike" kern="1200" cap="none" spc="0" normalizeH="0" baseline="0" noProof="0" dirty="0">
+                <a:ln>
+                  <a:noFill/>
+                </a:ln>
+                <a:solidFill>
+                  <a:srgbClr val="FF0000"/>
+                </a:solidFill>
+                <a:effectLst/>
+                <a:uLnTx/>
+                <a:uFillTx/>
+                <a:latin typeface="Calibri" panose="020F0502020204030204"/>
+                <a:ea typeface="+mn-ea"/>
+                <a:cs typeface="+mn-cs"/>
+              </a:rPr>
+              <a:t>Search</a:t>
+            </a:r>
+          </a:p>
+          <a:p>
+            <a:pPr marL="0" marR="0" lvl="0" indent="0" algn="l" defTabSz="914400" rtl="0" eaLnBrk="1" fontAlgn="auto" latinLnBrk="0" hangingPunct="1">
+              <a:lnSpc>
+                <a:spcPct val="100000"/>
+              </a:lnSpc>
+              <a:spcBef>
+                <a:spcPts val="0"/>
+              </a:spcBef>
+              <a:spcAft>
+                <a:spcPts val="0"/>
+              </a:spcAft>
+              <a:buClrTx/>
+              <a:buSzTx/>
+              <a:buFontTx/>
+              <a:buNone/>
+              <a:tabLst/>
+              <a:defRPr/>
+            </a:pPr>
+            <a:r>
+              <a:rPr lang="en-US" sz="1200" dirty="0">
+                <a:solidFill>
+                  <a:srgbClr val="FF0000"/>
+                </a:solidFill>
+                <a:latin typeface="Calibri" panose="020F0502020204030204"/>
+              </a:rPr>
+              <a:t>parameters</a:t>
+            </a:r>
+            <a:endParaRPr kumimoji="0" lang="en-US" sz="1200" b="0" i="0" u="none" strike="noStrike" kern="1200" cap="none" spc="0" normalizeH="0" baseline="0" noProof="0" dirty="0">
+              <a:ln>
+                <a:noFill/>
+              </a:ln>
+              <a:solidFill>
+                <a:srgbClr val="FF0000"/>
+              </a:solidFill>
+              <a:effectLst/>
+              <a:uLnTx/>
+              <a:uFillTx/>
+              <a:latin typeface="Calibri" panose="020F0502020204030204"/>
+              <a:ea typeface="+mn-ea"/>
+              <a:cs typeface="+mn-cs"/>
+            </a:endParaRPr>
+          </a:p>
+        </p:txBody>
+      </p:sp>
+      <p:sp>
+        <p:nvSpPr>
+          <p:cNvPr id="40" name="Action Button: Go Back or Previous 39">
+            <a:hlinkClick r:id="" action="ppaction://noaction" highlightClick="1"/>
+            <a:extLst>
+              <a:ext uri="{FF2B5EF4-FFF2-40B4-BE49-F238E27FC236}">
+                <a16:creationId xmlns:a16="http://schemas.microsoft.com/office/drawing/2014/main" id="{D1FB37E7-A5FA-4378-8495-7A5087E9287E}"/>
+              </a:ext>
+            </a:extLst>
+          </p:cNvPr>
+          <p:cNvSpPr/>
+          <p:nvPr/>
+        </p:nvSpPr>
+        <p:spPr>
+          <a:xfrm rot="16200000">
+            <a:off x="1905424" y="2526169"/>
+            <a:ext cx="174227" cy="194334"/>
+          </a:xfrm>
+          <a:prstGeom prst="actionButtonBackPrevious">
+            <a:avLst/>
+          </a:prstGeom>
+          <a:solidFill>
+            <a:schemeClr val="bg2">
+              <a:lumMod val="90000"/>
+            </a:schemeClr>
+          </a:solidFill>
+          <a:ln>
+            <a:solidFill>
+              <a:schemeClr val="bg1">
+                <a:lumMod val="50000"/>
+              </a:schemeClr>
+            </a:solidFill>
+          </a:ln>
+        </p:spPr>
+        <p:style>
+          <a:lnRef idx="2">
+            <a:schemeClr val="accent1">
+              <a:shade val="50000"/>
+            </a:schemeClr>
+          </a:lnRef>
+          <a:fillRef idx="1">
+            <a:schemeClr val="accent1"/>
+          </a:fillRef>
+          <a:effectRef idx="0">
+            <a:schemeClr val="accent1"/>
+          </a:effectRef>
+          <a:fontRef idx="minor">
+            <a:schemeClr val="lt1"/>
+          </a:fontRef>
+        </p:style>
+        <p:txBody>
+          <a:bodyPr rtlCol="0" anchor="ctr"/>
+          <a:lstStyle/>
+          <a:p>
+            <a:pPr marL="0" marR="0" lvl="0" indent="0" algn="ctr" defTabSz="914400" rtl="0" eaLnBrk="1" fontAlgn="auto" latinLnBrk="0" hangingPunct="1">
+              <a:lnSpc>
+                <a:spcPct val="100000"/>
+              </a:lnSpc>
+              <a:spcBef>
+                <a:spcPts val="0"/>
+              </a:spcBef>
+              <a:spcAft>
+                <a:spcPts val="0"/>
+              </a:spcAft>
+              <a:buClrTx/>
+              <a:buSzTx/>
+              <a:buFontTx/>
+              <a:buNone/>
+              <a:tabLst/>
+              <a:defRPr/>
+            </a:pPr>
+            <a:endParaRPr kumimoji="0" lang="en-US" sz="1800" b="0" i="0" u="none" strike="noStrike" kern="1200" cap="none" spc="0" normalizeH="0" baseline="0" noProof="0">
+              <a:ln>
+                <a:noFill/>
+              </a:ln>
+              <a:solidFill>
+                <a:prstClr val="white"/>
+              </a:solidFill>
+              <a:effectLst/>
+              <a:uLnTx/>
+              <a:uFillTx/>
+              <a:latin typeface="Calibri" panose="020F0502020204030204"/>
+              <a:ea typeface="+mn-ea"/>
+              <a:cs typeface="+mn-cs"/>
+            </a:endParaRPr>
+          </a:p>
+        </p:txBody>
+      </p:sp>
+    </p:spTree>
+    <p:extLst>
+      <p:ext uri="{BB962C8B-B14F-4D97-AF65-F5344CB8AC3E}">
+        <p14:creationId xmlns:p14="http://schemas.microsoft.com/office/powerpoint/2010/main" val="1451717030"/>
+      </p:ext>
+    </p:extLst>
+  </p:cSld>
+  <p:clrMapOvr>
+    <a:masterClrMapping/>
+  </p:clrMapOvr>
+</p:sld>
+</file>
+
+<file path=ppt/slides/slide4.xml><?xml version="1.0" encoding="utf-8"?>
+<p:sld xmlns:a="http://schemas.openxmlformats.org/drawingml/2006/main" xmlns:r="http://schemas.openxmlformats.org/officeDocument/2006/relationships" xmlns:p="http://schemas.openxmlformats.org/presentationml/2006/main">
+  <p:cSld>
+    <p:spTree>
+      <p:nvGrpSpPr>
+        <p:cNvPr id="1" name=""/>
+        <p:cNvGrpSpPr/>
+        <p:nvPr/>
+      </p:nvGrpSpPr>
+      <p:grpSpPr>
+        <a:xfrm>
+          <a:off x="0" y="0"/>
+          <a:ext cx="0" cy="0"/>
+          <a:chOff x="0" y="0"/>
+          <a:chExt cx="0" cy="0"/>
+        </a:xfrm>
+      </p:grpSpPr>
+      <p:sp>
+        <p:nvSpPr>
+          <p:cNvPr id="4" name="TextBox 3">
+            <a:extLst>
+              <a:ext uri="{FF2B5EF4-FFF2-40B4-BE49-F238E27FC236}">
+                <a16:creationId xmlns:a16="http://schemas.microsoft.com/office/drawing/2014/main" id="{56B7E35A-4D96-4542-ACB5-C98BCFD9E018}"/>
+              </a:ext>
+            </a:extLst>
+          </p:cNvPr>
+          <p:cNvSpPr txBox="1"/>
+          <p:nvPr/>
+        </p:nvSpPr>
+        <p:spPr>
+          <a:xfrm>
+            <a:off x="586813" y="408628"/>
+            <a:ext cx="2933624" cy="2862322"/>
+          </a:xfrm>
+          <a:prstGeom prst="rect">
+            <a:avLst/>
+          </a:prstGeom>
+          <a:noFill/>
+        </p:spPr>
+        <p:txBody>
+          <a:bodyPr wrap="none" rtlCol="0">
+            <a:spAutoFit/>
+          </a:bodyPr>
+          <a:lstStyle/>
+          <a:p>
+            <a:r>
+              <a:rPr lang="en-US" b="1" dirty="0"/>
+              <a:t>Flood Hazard Type Selection:</a:t>
+            </a:r>
+          </a:p>
+          <a:p>
+            <a:r>
+              <a:rPr lang="en-US" b="1" dirty="0"/>
+              <a:t>o Riverine</a:t>
+            </a:r>
+          </a:p>
+          <a:p>
+            <a:r>
+              <a:rPr lang="en-US" dirty="0"/>
+              <a:t>    (USGS, NOAA, NHD+,</a:t>
+            </a:r>
+          </a:p>
+          <a:p>
+            <a:r>
+              <a:rPr lang="en-US" dirty="0"/>
+              <a:t>    Stream Stats, </a:t>
+            </a:r>
+          </a:p>
+          <a:p>
+            <a:r>
+              <a:rPr lang="en-US" dirty="0"/>
+              <a:t>    FEMA MSC)</a:t>
+            </a:r>
+          </a:p>
+          <a:p>
+            <a:endParaRPr lang="en-US" dirty="0"/>
+          </a:p>
+          <a:p>
+            <a:r>
+              <a:rPr lang="en-US" b="1" dirty="0"/>
+              <a:t>o Storm Surge / Coastal</a:t>
+            </a:r>
+          </a:p>
+          <a:p>
+            <a:r>
+              <a:rPr lang="en-US" dirty="0"/>
+              <a:t>    (ADCIRC, SLOSH, </a:t>
+            </a:r>
+          </a:p>
+          <a:p>
+            <a:r>
+              <a:rPr lang="en-US" dirty="0"/>
+              <a:t>    FEMA MSC, NOAA SLR)</a:t>
+            </a:r>
+          </a:p>
+          <a:p>
+            <a:r>
+              <a:rPr lang="en-US" dirty="0"/>
+              <a:t>    </a:t>
+            </a:r>
+          </a:p>
+        </p:txBody>
+      </p:sp>
+      <p:sp>
+        <p:nvSpPr>
+          <p:cNvPr id="5" name="TextBox 4">
+            <a:extLst>
+              <a:ext uri="{FF2B5EF4-FFF2-40B4-BE49-F238E27FC236}">
+                <a16:creationId xmlns:a16="http://schemas.microsoft.com/office/drawing/2014/main" id="{998609CC-D213-4E07-AD30-1C4482C51677}"/>
+              </a:ext>
+            </a:extLst>
+          </p:cNvPr>
+          <p:cNvSpPr txBox="1"/>
+          <p:nvPr/>
+        </p:nvSpPr>
+        <p:spPr>
+          <a:xfrm>
+            <a:off x="6345878" y="318391"/>
+            <a:ext cx="3125151" cy="2862322"/>
+          </a:xfrm>
+          <a:prstGeom prst="rect">
+            <a:avLst/>
+          </a:prstGeom>
+          <a:noFill/>
+        </p:spPr>
+        <p:txBody>
+          <a:bodyPr wrap="none" rtlCol="0">
+            <a:spAutoFit/>
+          </a:bodyPr>
+          <a:lstStyle/>
+          <a:p>
+            <a:r>
+              <a:rPr lang="en-US" b="1" dirty="0"/>
+              <a:t>Flood Hazard Source Selection:</a:t>
+            </a:r>
+          </a:p>
+          <a:p>
+            <a:r>
+              <a:rPr lang="en-US" dirty="0"/>
+              <a:t>o USGS</a:t>
+            </a:r>
+          </a:p>
+          <a:p>
+            <a:r>
+              <a:rPr lang="en-US" dirty="0"/>
+              <a:t>o NOAA</a:t>
+            </a:r>
+          </a:p>
+          <a:p>
+            <a:r>
+              <a:rPr lang="en-US" dirty="0"/>
+              <a:t>o NHD+</a:t>
+            </a:r>
+          </a:p>
+          <a:p>
+            <a:r>
+              <a:rPr lang="en-US" dirty="0"/>
+              <a:t>o Stream Stats</a:t>
+            </a:r>
+          </a:p>
+          <a:p>
+            <a:r>
+              <a:rPr lang="en-US" dirty="0"/>
+              <a:t>o FEMA MSC</a:t>
+            </a:r>
+          </a:p>
+          <a:p>
+            <a:endParaRPr lang="en-US" dirty="0"/>
+          </a:p>
+          <a:p>
+            <a:r>
+              <a:rPr lang="en-US" dirty="0"/>
+              <a:t>o ADCIRC</a:t>
+            </a:r>
+          </a:p>
+          <a:p>
+            <a:r>
+              <a:rPr lang="en-US" dirty="0"/>
+              <a:t>o SLOSH</a:t>
+            </a:r>
+          </a:p>
+          <a:p>
+            <a:r>
+              <a:rPr lang="en-US" dirty="0"/>
+              <a:t>o NOAA SLR</a:t>
+            </a:r>
+          </a:p>
+        </p:txBody>
+      </p:sp>
+      <p:sp>
+        <p:nvSpPr>
+          <p:cNvPr id="12" name="TextBox 11">
+            <a:extLst>
+              <a:ext uri="{FF2B5EF4-FFF2-40B4-BE49-F238E27FC236}">
+                <a16:creationId xmlns:a16="http://schemas.microsoft.com/office/drawing/2014/main" id="{B3C0BF8D-AFFC-419F-9DB2-5BE0BE500F96}"/>
+              </a:ext>
+            </a:extLst>
+          </p:cNvPr>
+          <p:cNvSpPr txBox="1"/>
+          <p:nvPr/>
+        </p:nvSpPr>
+        <p:spPr>
+          <a:xfrm>
+            <a:off x="6223274" y="6289980"/>
+            <a:ext cx="634726" cy="369332"/>
+          </a:xfrm>
+          <a:prstGeom prst="rect">
+            <a:avLst/>
+          </a:prstGeom>
+          <a:noFill/>
+        </p:spPr>
+        <p:txBody>
+          <a:bodyPr wrap="none" rtlCol="0">
+            <a:spAutoFit/>
+          </a:bodyPr>
+          <a:lstStyle/>
+          <a:p>
+            <a:r>
+              <a:rPr lang="en-US" b="1" dirty="0"/>
+              <a:t>Next</a:t>
+            </a:r>
+          </a:p>
+        </p:txBody>
+      </p:sp>
+      <p:sp>
+        <p:nvSpPr>
+          <p:cNvPr id="13" name="TextBox 12">
+            <a:extLst>
+              <a:ext uri="{FF2B5EF4-FFF2-40B4-BE49-F238E27FC236}">
+                <a16:creationId xmlns:a16="http://schemas.microsoft.com/office/drawing/2014/main" id="{BE7040C9-8867-45B9-85BC-5AA15C1F8EEC}"/>
+              </a:ext>
+            </a:extLst>
+          </p:cNvPr>
+          <p:cNvSpPr txBox="1"/>
+          <p:nvPr/>
+        </p:nvSpPr>
+        <p:spPr>
+          <a:xfrm>
+            <a:off x="10760215" y="6369661"/>
+            <a:ext cx="1311449" cy="369332"/>
+          </a:xfrm>
+          <a:prstGeom prst="rect">
+            <a:avLst/>
+          </a:prstGeom>
+          <a:noFill/>
+        </p:spPr>
+        <p:txBody>
+          <a:bodyPr wrap="none" rtlCol="0">
+            <a:spAutoFit/>
+          </a:bodyPr>
+          <a:lstStyle/>
+          <a:p>
+            <a:r>
+              <a:rPr lang="en-US" b="1" dirty="0"/>
+              <a:t>Quit Button</a:t>
+            </a:r>
+          </a:p>
+        </p:txBody>
+      </p:sp>
+    </p:spTree>
+    <p:extLst>
+      <p:ext uri="{BB962C8B-B14F-4D97-AF65-F5344CB8AC3E}">
+        <p14:creationId xmlns:p14="http://schemas.microsoft.com/office/powerpoint/2010/main" val="3343314836"/>
+      </p:ext>
+    </p:extLst>
+  </p:cSld>
+  <p:clrMapOvr>
+    <a:masterClrMapping/>
+  </p:clrMapOvr>
+</p:sld>
+</file>
+
+<file path=ppt/slides/slide5.xml><?xml version="1.0" encoding="utf-8"?>
+<p:sld xmlns:a="http://schemas.openxmlformats.org/drawingml/2006/main" xmlns:r="http://schemas.openxmlformats.org/officeDocument/2006/relationships" xmlns:p="http://schemas.openxmlformats.org/presentationml/2006/main">
+  <p:cSld>
+    <p:spTree>
+      <p:nvGrpSpPr>
+        <p:cNvPr id="1" name=""/>
+        <p:cNvGrpSpPr/>
+        <p:nvPr/>
+      </p:nvGrpSpPr>
+      <p:grpSpPr>
+        <a:xfrm>
+          <a:off x="0" y="0"/>
+          <a:ext cx="0" cy="0"/>
+          <a:chOff x="0" y="0"/>
+          <a:chExt cx="0" cy="0"/>
+        </a:xfrm>
+      </p:grpSpPr>
+      <p:sp>
+        <p:nvSpPr>
+          <p:cNvPr id="6" name="TextBox 5">
+            <a:extLst>
+              <a:ext uri="{FF2B5EF4-FFF2-40B4-BE49-F238E27FC236}">
+                <a16:creationId xmlns:a16="http://schemas.microsoft.com/office/drawing/2014/main" id="{6DC8EEEA-C4E4-4146-B1E5-C58153B5CF64}"/>
+              </a:ext>
+            </a:extLst>
+          </p:cNvPr>
+          <p:cNvSpPr txBox="1"/>
+          <p:nvPr/>
+        </p:nvSpPr>
+        <p:spPr>
+          <a:xfrm>
+            <a:off x="6135195" y="104273"/>
+            <a:ext cx="6110199" cy="3416320"/>
+          </a:xfrm>
+          <a:prstGeom prst="rect">
+            <a:avLst/>
+          </a:prstGeom>
+          <a:noFill/>
+        </p:spPr>
+        <p:txBody>
+          <a:bodyPr wrap="none" rtlCol="0">
+            <a:spAutoFit/>
+          </a:bodyPr>
+          <a:lstStyle/>
+          <a:p>
+            <a:r>
+              <a:rPr lang="en-US" b="1" dirty="0"/>
+              <a:t>Search Parameters:</a:t>
+            </a:r>
+            <a:endParaRPr lang="en-US" dirty="0"/>
+          </a:p>
+          <a:p>
+            <a:r>
+              <a:rPr lang="en-US" dirty="0"/>
+              <a:t>ADCIRC</a:t>
+            </a:r>
+          </a:p>
+          <a:p>
+            <a:r>
+              <a:rPr lang="en-US" dirty="0"/>
+              <a:t>Year List </a:t>
+            </a:r>
+          </a:p>
+          <a:p>
+            <a:r>
+              <a:rPr lang="en-US" dirty="0" err="1"/>
+              <a:t>WeatherType</a:t>
+            </a:r>
+            <a:r>
+              <a:rPr lang="en-US" dirty="0"/>
+              <a:t> Radio Button (Synoptic/Global | Tropical Events)</a:t>
+            </a:r>
+          </a:p>
+          <a:p>
+            <a:r>
+              <a:rPr lang="en-US" dirty="0"/>
+              <a:t>Storm List (based on year) </a:t>
+            </a:r>
+          </a:p>
+          <a:p>
+            <a:r>
+              <a:rPr lang="en-US" dirty="0"/>
+              <a:t>Advisory List (based on storm, year)</a:t>
+            </a:r>
+          </a:p>
+          <a:p>
+            <a:endParaRPr lang="en-US" dirty="0"/>
+          </a:p>
+          <a:p>
+            <a:r>
+              <a:rPr lang="en-US" dirty="0"/>
+              <a:t>USGS ?</a:t>
+            </a:r>
+          </a:p>
+          <a:p>
+            <a:r>
+              <a:rPr lang="en-US" dirty="0"/>
+              <a:t>MSC ?</a:t>
+            </a:r>
+          </a:p>
+          <a:p>
+            <a:r>
+              <a:rPr lang="en-US" dirty="0"/>
+              <a:t>NHD+ ?</a:t>
+            </a:r>
+          </a:p>
+          <a:p>
+            <a:r>
+              <a:rPr lang="en-US" dirty="0"/>
+              <a:t>Stream Stats ?</a:t>
+            </a:r>
+          </a:p>
+          <a:p>
+            <a:r>
+              <a:rPr lang="en-US" dirty="0"/>
+              <a:t>SLOSH ?</a:t>
+            </a:r>
+          </a:p>
+        </p:txBody>
+      </p:sp>
+      <p:sp>
+        <p:nvSpPr>
+          <p:cNvPr id="7" name="TextBox 6">
+            <a:extLst>
+              <a:ext uri="{FF2B5EF4-FFF2-40B4-BE49-F238E27FC236}">
+                <a16:creationId xmlns:a16="http://schemas.microsoft.com/office/drawing/2014/main" id="{8C6D17C8-6C55-4CDD-A27A-B2B30C4C2B23}"/>
+              </a:ext>
+            </a:extLst>
+          </p:cNvPr>
+          <p:cNvSpPr txBox="1"/>
+          <p:nvPr/>
+        </p:nvSpPr>
+        <p:spPr>
+          <a:xfrm>
+            <a:off x="175409" y="3483922"/>
+            <a:ext cx="1600695" cy="1477328"/>
+          </a:xfrm>
+          <a:prstGeom prst="rect">
+            <a:avLst/>
+          </a:prstGeom>
+          <a:noFill/>
+        </p:spPr>
+        <p:txBody>
+          <a:bodyPr wrap="none" rtlCol="0">
+            <a:spAutoFit/>
+          </a:bodyPr>
+          <a:lstStyle/>
+          <a:p>
+            <a:r>
+              <a:rPr lang="en-US" b="1" dirty="0"/>
+              <a:t>Available Files:</a:t>
+            </a:r>
+          </a:p>
+          <a:p>
+            <a:r>
+              <a:rPr lang="en-US" dirty="0"/>
+              <a:t>File 1</a:t>
+            </a:r>
+          </a:p>
+          <a:p>
+            <a:r>
+              <a:rPr lang="en-US" dirty="0"/>
+              <a:t>File 2</a:t>
+            </a:r>
+          </a:p>
+          <a:p>
+            <a:r>
+              <a:rPr lang="en-US" dirty="0"/>
+              <a:t>File 3</a:t>
+            </a:r>
+          </a:p>
+          <a:p>
+            <a:r>
+              <a:rPr lang="en-US" dirty="0"/>
+              <a:t>File 4</a:t>
+            </a:r>
+          </a:p>
+        </p:txBody>
+      </p:sp>
+      <p:sp>
+        <p:nvSpPr>
+          <p:cNvPr id="8" name="TextBox 7">
+            <a:extLst>
+              <a:ext uri="{FF2B5EF4-FFF2-40B4-BE49-F238E27FC236}">
+                <a16:creationId xmlns:a16="http://schemas.microsoft.com/office/drawing/2014/main" id="{C6C44682-27FD-46EE-9272-EE6502C9DADE}"/>
+              </a:ext>
+            </a:extLst>
+          </p:cNvPr>
+          <p:cNvSpPr txBox="1"/>
+          <p:nvPr/>
+        </p:nvSpPr>
+        <p:spPr>
+          <a:xfrm>
+            <a:off x="6167048" y="3516641"/>
+            <a:ext cx="2485745" cy="1477328"/>
+          </a:xfrm>
+          <a:prstGeom prst="rect">
+            <a:avLst/>
+          </a:prstGeom>
+          <a:noFill/>
+        </p:spPr>
+        <p:txBody>
+          <a:bodyPr wrap="none" rtlCol="0">
+            <a:spAutoFit/>
+          </a:bodyPr>
+          <a:lstStyle/>
+          <a:p>
+            <a:r>
+              <a:rPr lang="en-US" b="1" dirty="0"/>
+              <a:t>Selected File Properties:</a:t>
+            </a:r>
+          </a:p>
+          <a:p>
+            <a:r>
+              <a:rPr lang="en-US" dirty="0"/>
+              <a:t>Key </a:t>
+            </a:r>
+            <a:r>
+              <a:rPr lang="en-US" sz="1200" dirty="0"/>
+              <a:t>(</a:t>
+            </a:r>
+            <a:r>
+              <a:rPr lang="en-US" sz="1200" dirty="0" err="1"/>
+              <a:t>i</a:t>
+            </a:r>
+            <a:r>
+              <a:rPr lang="en-US" sz="1200" dirty="0"/>
+              <a:t>)</a:t>
+            </a:r>
+            <a:r>
+              <a:rPr lang="en-US" dirty="0"/>
+              <a:t> | Value </a:t>
+            </a:r>
+          </a:p>
+          <a:p>
+            <a:r>
+              <a:rPr lang="en-US" dirty="0"/>
+              <a:t>Key</a:t>
+            </a:r>
+            <a:r>
+              <a:rPr lang="en-US" sz="1800" dirty="0"/>
+              <a:t> </a:t>
+            </a:r>
+            <a:r>
+              <a:rPr lang="en-US" sz="1200" dirty="0"/>
+              <a:t>(</a:t>
+            </a:r>
+            <a:r>
+              <a:rPr lang="en-US" sz="1200" dirty="0" err="1"/>
+              <a:t>i</a:t>
+            </a:r>
+            <a:r>
+              <a:rPr lang="en-US" sz="1200" dirty="0"/>
+              <a:t>) </a:t>
+            </a:r>
+            <a:r>
+              <a:rPr lang="en-US" dirty="0"/>
+              <a:t>| Value</a:t>
+            </a:r>
+          </a:p>
+          <a:p>
+            <a:r>
+              <a:rPr lang="en-US" dirty="0"/>
+              <a:t>Key </a:t>
+            </a:r>
+            <a:r>
+              <a:rPr lang="en-US" sz="1200" dirty="0"/>
+              <a:t>(</a:t>
+            </a:r>
+            <a:r>
+              <a:rPr lang="en-US" sz="1200" dirty="0" err="1"/>
+              <a:t>i</a:t>
+            </a:r>
+            <a:r>
+              <a:rPr lang="en-US" sz="1200" dirty="0"/>
+              <a:t>) </a:t>
+            </a:r>
+            <a:r>
+              <a:rPr lang="en-US" dirty="0"/>
+              <a:t>| Value</a:t>
+            </a:r>
+          </a:p>
+          <a:p>
+            <a:r>
+              <a:rPr lang="en-US" dirty="0"/>
+              <a:t>Key </a:t>
+            </a:r>
+            <a:r>
+              <a:rPr lang="en-US" sz="1200" dirty="0"/>
+              <a:t>(</a:t>
+            </a:r>
+            <a:r>
+              <a:rPr lang="en-US" sz="1200" dirty="0" err="1"/>
+              <a:t>i</a:t>
+            </a:r>
+            <a:r>
+              <a:rPr lang="en-US" sz="1200" dirty="0"/>
+              <a:t>) </a:t>
+            </a:r>
+            <a:r>
+              <a:rPr lang="en-US" dirty="0"/>
+              <a:t>| Value</a:t>
+            </a:r>
+          </a:p>
+        </p:txBody>
+      </p:sp>
+      <p:sp>
+        <p:nvSpPr>
+          <p:cNvPr id="9" name="TextBox 8">
+            <a:extLst>
+              <a:ext uri="{FF2B5EF4-FFF2-40B4-BE49-F238E27FC236}">
+                <a16:creationId xmlns:a16="http://schemas.microsoft.com/office/drawing/2014/main" id="{42A7B356-BA01-454A-B5DC-75AC712C60D6}"/>
+              </a:ext>
+            </a:extLst>
+          </p:cNvPr>
+          <p:cNvSpPr txBox="1"/>
+          <p:nvPr/>
+        </p:nvSpPr>
+        <p:spPr>
+          <a:xfrm>
+            <a:off x="3263397" y="6302903"/>
+            <a:ext cx="2797817" cy="369332"/>
+          </a:xfrm>
+          <a:prstGeom prst="rect">
+            <a:avLst/>
+          </a:prstGeom>
+          <a:noFill/>
+        </p:spPr>
+        <p:txBody>
+          <a:bodyPr wrap="none" rtlCol="0">
+            <a:spAutoFit/>
+          </a:bodyPr>
+          <a:lstStyle/>
+          <a:p>
+            <a:r>
+              <a:rPr lang="en-US" b="1" dirty="0"/>
+              <a:t>Import Selected File Button</a:t>
+            </a:r>
+          </a:p>
+        </p:txBody>
+      </p:sp>
+      <p:sp>
+        <p:nvSpPr>
+          <p:cNvPr id="10" name="TextBox 9">
+            <a:extLst>
+              <a:ext uri="{FF2B5EF4-FFF2-40B4-BE49-F238E27FC236}">
+                <a16:creationId xmlns:a16="http://schemas.microsoft.com/office/drawing/2014/main" id="{72F5DF42-2774-4247-B36C-150C5ED718F2}"/>
+              </a:ext>
+            </a:extLst>
+          </p:cNvPr>
+          <p:cNvSpPr txBox="1"/>
+          <p:nvPr/>
+        </p:nvSpPr>
+        <p:spPr>
+          <a:xfrm>
+            <a:off x="10705142" y="6302903"/>
+            <a:ext cx="1311449" cy="369332"/>
+          </a:xfrm>
+          <a:prstGeom prst="rect">
+            <a:avLst/>
+          </a:prstGeom>
+          <a:noFill/>
+        </p:spPr>
+        <p:txBody>
+          <a:bodyPr wrap="none" rtlCol="0">
+            <a:spAutoFit/>
+          </a:bodyPr>
+          <a:lstStyle/>
+          <a:p>
+            <a:r>
+              <a:rPr lang="en-US" b="1" dirty="0"/>
+              <a:t>Quit Button</a:t>
+            </a:r>
+          </a:p>
+        </p:txBody>
+      </p:sp>
+      <p:sp>
+        <p:nvSpPr>
+          <p:cNvPr id="11" name="TextBox 10">
+            <a:extLst>
+              <a:ext uri="{FF2B5EF4-FFF2-40B4-BE49-F238E27FC236}">
+                <a16:creationId xmlns:a16="http://schemas.microsoft.com/office/drawing/2014/main" id="{332C4451-CCD5-4DF1-AC37-A0463488CF1D}"/>
+              </a:ext>
+            </a:extLst>
+          </p:cNvPr>
+          <p:cNvSpPr txBox="1"/>
+          <p:nvPr/>
+        </p:nvSpPr>
+        <p:spPr>
+          <a:xfrm>
+            <a:off x="175409" y="185764"/>
+            <a:ext cx="2005485" cy="646331"/>
+          </a:xfrm>
+          <a:prstGeom prst="rect">
+            <a:avLst/>
+          </a:prstGeom>
+          <a:noFill/>
+        </p:spPr>
+        <p:txBody>
+          <a:bodyPr wrap="none" rtlCol="0">
+            <a:spAutoFit/>
+          </a:bodyPr>
+          <a:lstStyle/>
+          <a:p>
+            <a:r>
+              <a:rPr lang="en-US" b="1" dirty="0"/>
+              <a:t>Flood Hazard Type:</a:t>
+            </a:r>
+          </a:p>
+          <a:p>
+            <a:r>
+              <a:rPr lang="en-US" dirty="0"/>
+              <a:t>Storm Surge </a:t>
+            </a:r>
+          </a:p>
+        </p:txBody>
+      </p:sp>
+      <p:sp>
+        <p:nvSpPr>
+          <p:cNvPr id="12" name="TextBox 11">
+            <a:extLst>
+              <a:ext uri="{FF2B5EF4-FFF2-40B4-BE49-F238E27FC236}">
+                <a16:creationId xmlns:a16="http://schemas.microsoft.com/office/drawing/2014/main" id="{4F4BD12B-E93B-47C7-8DDE-2AA49C4B30AB}"/>
+              </a:ext>
+            </a:extLst>
+          </p:cNvPr>
+          <p:cNvSpPr txBox="1"/>
+          <p:nvPr/>
+        </p:nvSpPr>
+        <p:spPr>
+          <a:xfrm>
+            <a:off x="2762383" y="185764"/>
+            <a:ext cx="2197012" cy="646331"/>
+          </a:xfrm>
+          <a:prstGeom prst="rect">
+            <a:avLst/>
+          </a:prstGeom>
+          <a:noFill/>
+        </p:spPr>
+        <p:txBody>
+          <a:bodyPr wrap="none" rtlCol="0">
+            <a:spAutoFit/>
+          </a:bodyPr>
+          <a:lstStyle/>
+          <a:p>
+            <a:r>
+              <a:rPr lang="en-US" b="1" dirty="0"/>
+              <a:t>Flood Hazard Source:</a:t>
+            </a:r>
+          </a:p>
+          <a:p>
+            <a:r>
+              <a:rPr lang="en-US" dirty="0"/>
+              <a:t>ADCIRC</a:t>
+            </a:r>
+          </a:p>
+        </p:txBody>
+      </p:sp>
+      <p:sp>
+        <p:nvSpPr>
+          <p:cNvPr id="14" name="TextBox 13">
+            <a:extLst>
+              <a:ext uri="{FF2B5EF4-FFF2-40B4-BE49-F238E27FC236}">
+                <a16:creationId xmlns:a16="http://schemas.microsoft.com/office/drawing/2014/main" id="{FDFB2EF1-346F-42C9-A779-9C73B2572FE9}"/>
+              </a:ext>
+            </a:extLst>
+          </p:cNvPr>
+          <p:cNvSpPr txBox="1"/>
+          <p:nvPr/>
+        </p:nvSpPr>
+        <p:spPr>
+          <a:xfrm>
+            <a:off x="175409" y="6345237"/>
+            <a:ext cx="1343509" cy="369332"/>
+          </a:xfrm>
+          <a:prstGeom prst="rect">
+            <a:avLst/>
+          </a:prstGeom>
+          <a:noFill/>
+        </p:spPr>
+        <p:txBody>
+          <a:bodyPr wrap="none" rtlCol="0">
+            <a:spAutoFit/>
+          </a:bodyPr>
+          <a:lstStyle/>
+          <a:p>
+            <a:r>
+              <a:rPr lang="en-US" b="1" dirty="0"/>
+              <a:t>Back Button</a:t>
+            </a:r>
+          </a:p>
+        </p:txBody>
+      </p:sp>
+      <p:sp>
+        <p:nvSpPr>
+          <p:cNvPr id="15" name="TextBox 14">
+            <a:extLst>
+              <a:ext uri="{FF2B5EF4-FFF2-40B4-BE49-F238E27FC236}">
+                <a16:creationId xmlns:a16="http://schemas.microsoft.com/office/drawing/2014/main" id="{6749643B-11B9-4DF3-AE9A-F000EDB38152}"/>
+              </a:ext>
+            </a:extLst>
+          </p:cNvPr>
+          <p:cNvSpPr txBox="1"/>
+          <p:nvPr/>
+        </p:nvSpPr>
+        <p:spPr>
+          <a:xfrm>
+            <a:off x="6162846" y="6302903"/>
+            <a:ext cx="3859775" cy="369332"/>
+          </a:xfrm>
+          <a:prstGeom prst="rect">
+            <a:avLst/>
+          </a:prstGeom>
+          <a:noFill/>
+        </p:spPr>
+        <p:txBody>
+          <a:bodyPr wrap="none" rtlCol="0">
+            <a:spAutoFit/>
+          </a:bodyPr>
+          <a:lstStyle/>
+          <a:p>
+            <a:r>
+              <a:rPr lang="en-US" b="1" dirty="0"/>
+              <a:t>Browse to Existing Hazard Data Button</a:t>
+            </a:r>
+          </a:p>
+        </p:txBody>
+      </p:sp>
+      <p:sp>
+        <p:nvSpPr>
+          <p:cNvPr id="16" name="TextBox 15">
+            <a:extLst>
+              <a:ext uri="{FF2B5EF4-FFF2-40B4-BE49-F238E27FC236}">
+                <a16:creationId xmlns:a16="http://schemas.microsoft.com/office/drawing/2014/main" id="{35818BCF-1B87-42D4-9373-4C366C4E80FA}"/>
+              </a:ext>
+            </a:extLst>
+          </p:cNvPr>
+          <p:cNvSpPr txBox="1"/>
+          <p:nvPr/>
+        </p:nvSpPr>
+        <p:spPr>
+          <a:xfrm>
+            <a:off x="232559" y="2209503"/>
+            <a:ext cx="5748048" cy="1107996"/>
+          </a:xfrm>
+          <a:prstGeom prst="rect">
+            <a:avLst/>
+          </a:prstGeom>
+          <a:noFill/>
+        </p:spPr>
+        <p:txBody>
+          <a:bodyPr wrap="none" rtlCol="0">
+            <a:spAutoFit/>
+          </a:bodyPr>
+          <a:lstStyle/>
+          <a:p>
+            <a:r>
+              <a:rPr lang="en-US" b="1" dirty="0"/>
+              <a:t>Options:</a:t>
+            </a:r>
+          </a:p>
+          <a:p>
+            <a:r>
+              <a:rPr lang="en-US" sz="1200" dirty="0"/>
+              <a:t>[True]  Project to UTM Zone</a:t>
+            </a:r>
+          </a:p>
+          <a:p>
+            <a:r>
+              <a:rPr lang="en-US" sz="1200" dirty="0"/>
+              <a:t>[Feet| </a:t>
+            </a:r>
+            <a:r>
+              <a:rPr lang="en-US" sz="1200" dirty="0" err="1"/>
+              <a:t>Meters|CM</a:t>
+            </a:r>
+            <a:r>
+              <a:rPr lang="en-US" sz="1200" dirty="0"/>
+              <a:t> ] Input Depth Units (must be feet at import)</a:t>
+            </a:r>
+          </a:p>
+          <a:p>
+            <a:r>
+              <a:rPr lang="en-US" sz="1200" dirty="0"/>
+              <a:t>[True]  Overwrite Existing Hazard Data</a:t>
+            </a:r>
+          </a:p>
+          <a:p>
+            <a:r>
+              <a:rPr lang="en-US" sz="1200" dirty="0"/>
+              <a:t>[False] Clip to Study Region (user select </a:t>
+            </a:r>
+            <a:r>
+              <a:rPr lang="en-US" sz="1200" dirty="0" err="1"/>
+              <a:t>SR|browse</a:t>
+            </a:r>
+            <a:r>
+              <a:rPr lang="en-US" sz="1200" dirty="0"/>
+              <a:t> to input </a:t>
+            </a:r>
+            <a:r>
+              <a:rPr lang="en-US" sz="1200" dirty="0" err="1"/>
+              <a:t>polygon|define</a:t>
+            </a:r>
+            <a:r>
+              <a:rPr lang="en-US" sz="1200" dirty="0"/>
+              <a:t> min/max x/y)</a:t>
+            </a:r>
+          </a:p>
+        </p:txBody>
+      </p:sp>
+      <p:sp>
+        <p:nvSpPr>
+          <p:cNvPr id="17" name="TextBox 16">
+            <a:extLst>
+              <a:ext uri="{FF2B5EF4-FFF2-40B4-BE49-F238E27FC236}">
+                <a16:creationId xmlns:a16="http://schemas.microsoft.com/office/drawing/2014/main" id="{F3CA7781-646B-43E8-8D76-5E0D4B6CF282}"/>
+              </a:ext>
+            </a:extLst>
+          </p:cNvPr>
+          <p:cNvSpPr txBox="1"/>
+          <p:nvPr/>
+        </p:nvSpPr>
+        <p:spPr>
+          <a:xfrm>
+            <a:off x="6233667" y="5017168"/>
+            <a:ext cx="2534796" cy="461665"/>
+          </a:xfrm>
+          <a:prstGeom prst="rect">
+            <a:avLst/>
+          </a:prstGeom>
+          <a:noFill/>
+        </p:spPr>
+        <p:txBody>
+          <a:bodyPr wrap="none" rtlCol="0">
+            <a:spAutoFit/>
+          </a:bodyPr>
+          <a:lstStyle/>
+          <a:p>
+            <a:r>
+              <a:rPr lang="en-US" sz="1200" dirty="0">
+                <a:solidFill>
+                  <a:srgbClr val="FF0000"/>
+                </a:solidFill>
+              </a:rPr>
+              <a:t>(</a:t>
+            </a:r>
+            <a:r>
+              <a:rPr lang="en-US" sz="1200" dirty="0" err="1">
+                <a:solidFill>
+                  <a:srgbClr val="FF0000"/>
+                </a:solidFill>
+              </a:rPr>
+              <a:t>i</a:t>
+            </a:r>
+            <a:r>
+              <a:rPr lang="en-US" sz="1200" dirty="0">
+                <a:solidFill>
+                  <a:srgbClr val="FF0000"/>
+                </a:solidFill>
+              </a:rPr>
+              <a:t>) button to new window, hover text, </a:t>
+            </a:r>
+          </a:p>
+          <a:p>
+            <a:r>
+              <a:rPr lang="en-US" sz="1200" dirty="0">
+                <a:solidFill>
+                  <a:srgbClr val="FF0000"/>
+                </a:solidFill>
+              </a:rPr>
+              <a:t>doc with more info on each key/value</a:t>
+            </a:r>
+          </a:p>
+        </p:txBody>
+      </p:sp>
+      <p:sp>
+        <p:nvSpPr>
+          <p:cNvPr id="18" name="TextBox 17">
+            <a:extLst>
+              <a:ext uri="{FF2B5EF4-FFF2-40B4-BE49-F238E27FC236}">
+                <a16:creationId xmlns:a16="http://schemas.microsoft.com/office/drawing/2014/main" id="{A9BABDDB-2D4D-4D35-B3EB-3BEC9156DA8A}"/>
+              </a:ext>
+            </a:extLst>
+          </p:cNvPr>
+          <p:cNvSpPr txBox="1"/>
+          <p:nvPr/>
+        </p:nvSpPr>
+        <p:spPr>
+          <a:xfrm>
+            <a:off x="7975746" y="484492"/>
+            <a:ext cx="4580549" cy="461665"/>
+          </a:xfrm>
+          <a:prstGeom prst="rect">
+            <a:avLst/>
+          </a:prstGeom>
+          <a:noFill/>
+        </p:spPr>
+        <p:txBody>
+          <a:bodyPr wrap="none" rtlCol="0">
+            <a:spAutoFit/>
+          </a:bodyPr>
+          <a:lstStyle/>
+          <a:p>
+            <a:r>
+              <a:rPr lang="en-US" sz="1200" dirty="0">
+                <a:solidFill>
+                  <a:srgbClr val="FF0000"/>
+                </a:solidFill>
+              </a:rPr>
+              <a:t>Is there plan to use Synoptic? Large global files that need to be clipped.</a:t>
+            </a:r>
+          </a:p>
+          <a:p>
+            <a:r>
+              <a:rPr lang="en-US" sz="1200" dirty="0">
+                <a:solidFill>
+                  <a:srgbClr val="FF0000"/>
+                </a:solidFill>
+              </a:rPr>
+              <a:t>Concentrate on Tropical? Doug</a:t>
+            </a:r>
+          </a:p>
+        </p:txBody>
+      </p:sp>
+      <p:sp>
+        <p:nvSpPr>
+          <p:cNvPr id="19" name="TextBox 18">
+            <a:extLst>
+              <a:ext uri="{FF2B5EF4-FFF2-40B4-BE49-F238E27FC236}">
+                <a16:creationId xmlns:a16="http://schemas.microsoft.com/office/drawing/2014/main" id="{18FF0A01-66D9-4545-921D-E1C9937A7192}"/>
+              </a:ext>
+            </a:extLst>
+          </p:cNvPr>
+          <p:cNvSpPr txBox="1"/>
+          <p:nvPr/>
+        </p:nvSpPr>
+        <p:spPr>
+          <a:xfrm>
+            <a:off x="6863226" y="2358416"/>
+            <a:ext cx="2909579" cy="276999"/>
+          </a:xfrm>
+          <a:prstGeom prst="rect">
+            <a:avLst/>
+          </a:prstGeom>
+          <a:noFill/>
+        </p:spPr>
+        <p:txBody>
+          <a:bodyPr wrap="none" rtlCol="0">
+            <a:spAutoFit/>
+          </a:bodyPr>
+          <a:lstStyle/>
+          <a:p>
+            <a:r>
+              <a:rPr lang="en-US" sz="1200" dirty="0">
+                <a:solidFill>
+                  <a:srgbClr val="FF0000"/>
+                </a:solidFill>
+              </a:rPr>
+              <a:t>Parameters will be different for each source</a:t>
+            </a:r>
+          </a:p>
+        </p:txBody>
+      </p:sp>
+      <p:sp>
+        <p:nvSpPr>
+          <p:cNvPr id="2" name="Action Button: Go Back or Previous 1">
+            <a:hlinkClick r:id="" action="ppaction://noaction" highlightClick="1"/>
+            <a:extLst>
+              <a:ext uri="{FF2B5EF4-FFF2-40B4-BE49-F238E27FC236}">
+                <a16:creationId xmlns:a16="http://schemas.microsoft.com/office/drawing/2014/main" id="{BA250048-9B14-4F05-8519-AE97E68FCCE0}"/>
+              </a:ext>
+            </a:extLst>
+          </p:cNvPr>
+          <p:cNvSpPr/>
+          <p:nvPr/>
+        </p:nvSpPr>
+        <p:spPr>
+          <a:xfrm rot="5400000">
+            <a:off x="1496773" y="3797642"/>
+            <a:ext cx="200024" cy="187483"/>
+          </a:xfrm>
+          <a:prstGeom prst="actionButtonBackPrevious">
+            <a:avLst/>
+          </a:prstGeom>
+        </p:spPr>
+        <p:style>
+          <a:lnRef idx="2">
+            <a:schemeClr val="accent1">
+              <a:shade val="50000"/>
+            </a:schemeClr>
+          </a:lnRef>
+          <a:fillRef idx="1">
+            <a:schemeClr val="accent1"/>
+          </a:fillRef>
+          <a:effectRef idx="0">
+            <a:schemeClr val="accent1"/>
+          </a:effectRef>
+          <a:fontRef idx="minor">
+            <a:schemeClr val="lt1"/>
+          </a:fontRef>
+        </p:style>
+        <p:txBody>
+          <a:bodyPr rtlCol="0" anchor="ctr"/>
+          <a:lstStyle/>
+          <a:p>
+            <a:pPr algn="ctr"/>
+            <a:endParaRPr lang="en-US"/>
+          </a:p>
+        </p:txBody>
+      </p:sp>
+      <p:sp>
+        <p:nvSpPr>
+          <p:cNvPr id="20" name="Action Button: Go Back or Previous 19">
+            <a:hlinkClick r:id="" action="ppaction://noaction" highlightClick="1"/>
+            <a:extLst>
+              <a:ext uri="{FF2B5EF4-FFF2-40B4-BE49-F238E27FC236}">
+                <a16:creationId xmlns:a16="http://schemas.microsoft.com/office/drawing/2014/main" id="{961DE366-0362-4A86-9D55-66006D3255CA}"/>
+              </a:ext>
+            </a:extLst>
+          </p:cNvPr>
+          <p:cNvSpPr/>
+          <p:nvPr/>
+        </p:nvSpPr>
+        <p:spPr>
+          <a:xfrm rot="16200000">
+            <a:off x="1496773" y="4720936"/>
+            <a:ext cx="200024" cy="187483"/>
+          </a:xfrm>
+          <a:prstGeom prst="actionButtonBackPrevious">
+            <a:avLst/>
+          </a:prstGeom>
+        </p:spPr>
+        <p:style>
+          <a:lnRef idx="2">
+            <a:schemeClr val="accent1">
+              <a:shade val="50000"/>
+            </a:schemeClr>
+          </a:lnRef>
+          <a:fillRef idx="1">
+            <a:schemeClr val="accent1"/>
+          </a:fillRef>
+          <a:effectRef idx="0">
+            <a:schemeClr val="accent1"/>
+          </a:effectRef>
+          <a:fontRef idx="minor">
+            <a:schemeClr val="lt1"/>
+          </a:fontRef>
+        </p:style>
+        <p:txBody>
+          <a:bodyPr rtlCol="0" anchor="ctr"/>
+          <a:lstStyle/>
+          <a:p>
+            <a:pPr algn="ctr"/>
+            <a:endParaRPr lang="en-US"/>
+          </a:p>
+        </p:txBody>
+      </p:sp>
+      <p:sp>
+        <p:nvSpPr>
+          <p:cNvPr id="21" name="Action Button: Go Back or Previous 20">
+            <a:hlinkClick r:id="" action="ppaction://noaction" highlightClick="1"/>
+            <a:extLst>
+              <a:ext uri="{FF2B5EF4-FFF2-40B4-BE49-F238E27FC236}">
+                <a16:creationId xmlns:a16="http://schemas.microsoft.com/office/drawing/2014/main" id="{4F4745ED-05DA-45C4-B715-7FA106BE7AE0}"/>
+              </a:ext>
+            </a:extLst>
+          </p:cNvPr>
+          <p:cNvSpPr/>
+          <p:nvPr/>
+        </p:nvSpPr>
+        <p:spPr>
+          <a:xfrm rot="5400000">
+            <a:off x="8382163" y="3849688"/>
+            <a:ext cx="200024" cy="187483"/>
+          </a:xfrm>
+          <a:prstGeom prst="actionButtonBackPrevious">
+            <a:avLst/>
+          </a:prstGeom>
+        </p:spPr>
+        <p:style>
+          <a:lnRef idx="2">
+            <a:schemeClr val="accent1">
+              <a:shade val="50000"/>
+            </a:schemeClr>
+          </a:lnRef>
+          <a:fillRef idx="1">
+            <a:schemeClr val="accent1"/>
+          </a:fillRef>
+          <a:effectRef idx="0">
+            <a:schemeClr val="accent1"/>
+          </a:effectRef>
+          <a:fontRef idx="minor">
+            <a:schemeClr val="lt1"/>
+          </a:fontRef>
+        </p:style>
+        <p:txBody>
+          <a:bodyPr rtlCol="0" anchor="ctr"/>
+          <a:lstStyle/>
+          <a:p>
+            <a:pPr algn="ctr"/>
+            <a:endParaRPr lang="en-US"/>
+          </a:p>
+        </p:txBody>
+      </p:sp>
+      <p:sp>
+        <p:nvSpPr>
+          <p:cNvPr id="22" name="Action Button: Go Back or Previous 21">
+            <a:hlinkClick r:id="" action="ppaction://noaction" highlightClick="1"/>
+            <a:extLst>
+              <a:ext uri="{FF2B5EF4-FFF2-40B4-BE49-F238E27FC236}">
+                <a16:creationId xmlns:a16="http://schemas.microsoft.com/office/drawing/2014/main" id="{C2782C51-0FFE-49F6-B8BA-00FAAF94A7C6}"/>
+              </a:ext>
+            </a:extLst>
+          </p:cNvPr>
+          <p:cNvSpPr/>
+          <p:nvPr/>
+        </p:nvSpPr>
+        <p:spPr>
+          <a:xfrm rot="16200000">
+            <a:off x="8382979" y="4787662"/>
+            <a:ext cx="200024" cy="187483"/>
+          </a:xfrm>
+          <a:prstGeom prst="actionButtonBackPrevious">
+            <a:avLst/>
+          </a:prstGeom>
+        </p:spPr>
+        <p:style>
+          <a:lnRef idx="2">
+            <a:schemeClr val="accent1">
+              <a:shade val="50000"/>
+            </a:schemeClr>
+          </a:lnRef>
+          <a:fillRef idx="1">
+            <a:schemeClr val="accent1"/>
+          </a:fillRef>
+          <a:effectRef idx="0">
+            <a:schemeClr val="accent1"/>
+          </a:effectRef>
+          <a:fontRef idx="minor">
+            <a:schemeClr val="lt1"/>
+          </a:fontRef>
+        </p:style>
+        <p:txBody>
+          <a:bodyPr rtlCol="0" anchor="ctr"/>
+          <a:lstStyle/>
+          <a:p>
+            <a:pPr algn="ctr"/>
+            <a:endParaRPr lang="en-US"/>
+          </a:p>
+        </p:txBody>
+      </p:sp>
+      <p:sp>
+        <p:nvSpPr>
+          <p:cNvPr id="3" name="Rectangle 2">
+            <a:extLst>
+              <a:ext uri="{FF2B5EF4-FFF2-40B4-BE49-F238E27FC236}">
+                <a16:creationId xmlns:a16="http://schemas.microsoft.com/office/drawing/2014/main" id="{02E1F631-8149-47B2-8123-29FCFE368443}"/>
+              </a:ext>
+            </a:extLst>
+          </p:cNvPr>
+          <p:cNvSpPr/>
+          <p:nvPr/>
+        </p:nvSpPr>
+        <p:spPr>
+          <a:xfrm>
+            <a:off x="232559" y="3782902"/>
+            <a:ext cx="1457968" cy="1144481"/>
+          </a:xfrm>
+          <a:prstGeom prst="rect">
+            <a:avLst/>
+          </a:prstGeom>
+          <a:noFill/>
+        </p:spPr>
+        <p:style>
+          <a:lnRef idx="2">
+            <a:schemeClr val="accent1">
+              <a:shade val="50000"/>
+            </a:schemeClr>
+          </a:lnRef>
+          <a:fillRef idx="1">
+            <a:schemeClr val="accent1"/>
+          </a:fillRef>
+          <a:effectRef idx="0">
+            <a:schemeClr val="accent1"/>
+          </a:effectRef>
+          <a:fontRef idx="minor">
+            <a:schemeClr val="lt1"/>
+          </a:fontRef>
+        </p:style>
+        <p:txBody>
+          <a:bodyPr rtlCol="0" anchor="ctr"/>
+          <a:lstStyle/>
+          <a:p>
+            <a:pPr algn="ctr"/>
+            <a:endParaRPr lang="en-US"/>
+          </a:p>
+        </p:txBody>
+      </p:sp>
+      <p:sp>
+        <p:nvSpPr>
+          <p:cNvPr id="23" name="Rectangle 22">
+            <a:extLst>
+              <a:ext uri="{FF2B5EF4-FFF2-40B4-BE49-F238E27FC236}">
+                <a16:creationId xmlns:a16="http://schemas.microsoft.com/office/drawing/2014/main" id="{D8A1A327-AD93-49BD-B55F-510209035EEA}"/>
+              </a:ext>
+            </a:extLst>
+          </p:cNvPr>
+          <p:cNvSpPr/>
+          <p:nvPr/>
+        </p:nvSpPr>
+        <p:spPr>
+          <a:xfrm>
+            <a:off x="6233667" y="3836935"/>
+            <a:ext cx="2343065" cy="1144481"/>
+          </a:xfrm>
+          <a:prstGeom prst="rect">
+            <a:avLst/>
+          </a:prstGeom>
+          <a:noFill/>
+        </p:spPr>
+        <p:style>
+          <a:lnRef idx="2">
+            <a:schemeClr val="accent1">
+              <a:shade val="50000"/>
+            </a:schemeClr>
+          </a:lnRef>
+          <a:fillRef idx="1">
+            <a:schemeClr val="accent1"/>
+          </a:fillRef>
+          <a:effectRef idx="0">
+            <a:schemeClr val="accent1"/>
+          </a:effectRef>
+          <a:fontRef idx="minor">
+            <a:schemeClr val="lt1"/>
+          </a:fontRef>
+        </p:style>
+        <p:txBody>
+          <a:bodyPr rtlCol="0" anchor="ctr"/>
+          <a:lstStyle/>
+          <a:p>
+            <a:pPr algn="ctr"/>
+            <a:endParaRPr lang="en-US"/>
+          </a:p>
+        </p:txBody>
+      </p:sp>
+      <p:sp>
+        <p:nvSpPr>
+          <p:cNvPr id="24" name="TextBox 23">
+            <a:extLst>
+              <a:ext uri="{FF2B5EF4-FFF2-40B4-BE49-F238E27FC236}">
+                <a16:creationId xmlns:a16="http://schemas.microsoft.com/office/drawing/2014/main" id="{7A653EF0-4357-423B-BF89-A47712309E0E}"/>
+              </a:ext>
+            </a:extLst>
+          </p:cNvPr>
+          <p:cNvSpPr txBox="1"/>
+          <p:nvPr/>
+        </p:nvSpPr>
+        <p:spPr>
+          <a:xfrm>
+            <a:off x="8624077" y="1268476"/>
+            <a:ext cx="3775905" cy="276999"/>
+          </a:xfrm>
+          <a:prstGeom prst="rect">
+            <a:avLst/>
+          </a:prstGeom>
+          <a:noFill/>
+        </p:spPr>
+        <p:txBody>
+          <a:bodyPr wrap="none" rtlCol="0">
+            <a:spAutoFit/>
+          </a:bodyPr>
+          <a:lstStyle/>
+          <a:p>
+            <a:r>
+              <a:rPr lang="en-US" sz="1200" dirty="0">
+                <a:solidFill>
+                  <a:srgbClr val="FF0000"/>
+                </a:solidFill>
+              </a:rPr>
+              <a:t>This could be a long list of dates for synoptic </a:t>
+            </a:r>
+            <a:r>
+              <a:rPr lang="en-US" sz="1200" dirty="0" err="1">
+                <a:solidFill>
+                  <a:srgbClr val="FF0000"/>
+                </a:solidFill>
+              </a:rPr>
+              <a:t>weathertype</a:t>
+            </a:r>
+            <a:endParaRPr lang="en-US" sz="1200" dirty="0">
+              <a:solidFill>
+                <a:srgbClr val="FF0000"/>
+              </a:solidFill>
+            </a:endParaRPr>
+          </a:p>
+        </p:txBody>
+      </p:sp>
+      <p:sp>
+        <p:nvSpPr>
+          <p:cNvPr id="25" name="TextBox 24">
+            <a:extLst>
+              <a:ext uri="{FF2B5EF4-FFF2-40B4-BE49-F238E27FC236}">
+                <a16:creationId xmlns:a16="http://schemas.microsoft.com/office/drawing/2014/main" id="{F5FFE04E-635E-4852-ADF7-B554E3E61BD2}"/>
+              </a:ext>
+            </a:extLst>
+          </p:cNvPr>
+          <p:cNvSpPr txBox="1"/>
+          <p:nvPr/>
+        </p:nvSpPr>
+        <p:spPr>
+          <a:xfrm>
+            <a:off x="2574447" y="3198167"/>
+            <a:ext cx="1546129" cy="461665"/>
+          </a:xfrm>
+          <a:prstGeom prst="rect">
+            <a:avLst/>
+          </a:prstGeom>
+          <a:noFill/>
+        </p:spPr>
+        <p:txBody>
+          <a:bodyPr wrap="none" rtlCol="0">
+            <a:spAutoFit/>
+          </a:bodyPr>
+          <a:lstStyle/>
+          <a:p>
+            <a:r>
+              <a:rPr lang="en-US" sz="1200" dirty="0">
+                <a:solidFill>
+                  <a:srgbClr val="FF0000"/>
+                </a:solidFill>
+              </a:rPr>
+              <a:t>Rename file?</a:t>
+            </a:r>
+          </a:p>
+          <a:p>
+            <a:r>
+              <a:rPr lang="en-US" sz="1200" dirty="0">
+                <a:solidFill>
+                  <a:srgbClr val="FF0000"/>
+                </a:solidFill>
+              </a:rPr>
+              <a:t>Rename clipped files?</a:t>
+            </a:r>
+          </a:p>
+        </p:txBody>
+      </p:sp>
+    </p:spTree>
+    <p:extLst>
+      <p:ext uri="{BB962C8B-B14F-4D97-AF65-F5344CB8AC3E}">
+        <p14:creationId xmlns:p14="http://schemas.microsoft.com/office/powerpoint/2010/main" val="1568569607"/>
+      </p:ext>
+    </p:extLst>
+  </p:cSld>
+  <p:clrMapOvr>
+    <a:masterClrMapping/>
+  </p:clrMapOvr>
+</p:sld>
+</file>
+
+<file path=ppt/slides/slide6.xml><?xml version="1.0" encoding="utf-8"?>
+<p:sld xmlns:a="http://schemas.openxmlformats.org/drawingml/2006/main" xmlns:r="http://schemas.openxmlformats.org/officeDocument/2006/relationships" xmlns:p="http://schemas.openxmlformats.org/presentationml/2006/main">
+  <p:cSld>
+    <p:spTree>
+      <p:nvGrpSpPr>
+        <p:cNvPr id="1" name=""/>
+        <p:cNvGrpSpPr/>
+        <p:nvPr/>
+      </p:nvGrpSpPr>
+      <p:grpSpPr>
+        <a:xfrm>
+          <a:off x="0" y="0"/>
+          <a:ext cx="0" cy="0"/>
+          <a:chOff x="0" y="0"/>
+          <a:chExt cx="0" cy="0"/>
+        </a:xfrm>
+      </p:grpSpPr>
+      <p:pic>
+        <p:nvPicPr>
+          <p:cNvPr id="6" name="Picture 5" descr="Graphical user interface, application&#10;&#10;Description automatically generated">
+            <a:extLst>
+              <a:ext uri="{FF2B5EF4-FFF2-40B4-BE49-F238E27FC236}">
+                <a16:creationId xmlns:a16="http://schemas.microsoft.com/office/drawing/2014/main" id="{4652C4FC-4A72-44E0-97EC-30348DAA56F1}"/>
+              </a:ext>
+            </a:extLst>
+          </p:cNvPr>
+          <p:cNvPicPr>
+            <a:picLocks noChangeAspect="1"/>
+          </p:cNvPicPr>
+          <p:nvPr/>
+        </p:nvPicPr>
+        <p:blipFill>
+          <a:blip r:embed="rId2">
+            <a:extLst>
+              <a:ext uri="{28A0092B-C50C-407E-A947-70E740481C1C}">
+                <a14:useLocalDpi xmlns:a14="http://schemas.microsoft.com/office/drawing/2010/main" val="0"/>
+              </a:ext>
+            </a:extLst>
+          </a:blip>
+          <a:stretch>
+            <a:fillRect/>
+          </a:stretch>
+        </p:blipFill>
+        <p:spPr>
+          <a:xfrm>
+            <a:off x="1928812" y="381000"/>
+            <a:ext cx="8334375" cy="6096000"/>
+          </a:xfrm>
+          <a:prstGeom prst="rect">
+            <a:avLst/>
+          </a:prstGeom>
+        </p:spPr>
+      </p:pic>
+    </p:spTree>
+    <p:extLst>
+      <p:ext uri="{BB962C8B-B14F-4D97-AF65-F5344CB8AC3E}">
+        <p14:creationId xmlns:p14="http://schemas.microsoft.com/office/powerpoint/2010/main" val="2279859981"/>
       </p:ext>
     </p:extLst>
   </p:cSld>
